--- a/design/2016/models/concept_sheet2016_253.pptx
+++ b/design/2016/models/concept_sheet2016_253.pptx
@@ -2642,14 +2642,7 @@
                 <a:latin typeface="+mj-ea"/>
                 <a:ea typeface="+mj-ea"/>
               </a:rPr>
-              <a:t>．</a:t>
-            </a:r>
-            <a:r>
-              <a:rPr lang="ja-JP" altLang="en-US" sz="1800" smtClean="0">
-                <a:latin typeface="+mj-ea"/>
-                <a:ea typeface="+mj-ea"/>
-              </a:rPr>
-              <a:t>２５３</a:t>
+              <a:t>．２５３</a:t>
             </a:r>
             <a:endParaRPr lang="ja-JP" altLang="en-US" sz="1800" dirty="0">
               <a:latin typeface="+mj-ea"/>
@@ -3430,8 +3423,8 @@
         </p:nvSpPr>
         <p:spPr bwMode="auto">
           <a:xfrm>
-            <a:off x="7932738" y="2465388"/>
-            <a:ext cx="6480175" cy="7272337"/>
+            <a:off x="7932738" y="2112964"/>
+            <a:ext cx="6480175" cy="7985470"/>
           </a:xfrm>
           <a:prstGeom prst="rect">
             <a:avLst/>
@@ -3579,13 +3572,220 @@
               </a:spcBef>
             </a:pPr>
             <a:r>
-              <a:rPr lang="ja-JP" altLang="en-US" sz="2400" b="1">
+              <a:rPr lang="ja-JP" altLang="en-US" sz="2400" b="1" u="sng" dirty="0">
                 <a:latin typeface="メイリオ" panose="020B0604030504040204" pitchFamily="50" charset="-128"/>
                 <a:ea typeface="メイリオ" panose="020B0604030504040204" pitchFamily="50" charset="-128"/>
               </a:rPr>
               <a:t>☆モデルの概要</a:t>
             </a:r>
-            <a:endParaRPr lang="en-US" altLang="ja-JP" sz="2400" b="1">
+            <a:endParaRPr lang="en-US" altLang="ja-JP" sz="2400" b="1" u="sng" dirty="0">
+              <a:latin typeface="メイリオ" panose="020B0604030504040204" pitchFamily="50" charset="-128"/>
+              <a:ea typeface="メイリオ" panose="020B0604030504040204" pitchFamily="50" charset="-128"/>
+            </a:endParaRPr>
+          </a:p>
+          <a:p>
+            <a:pPr marL="0" indent="0" eaLnBrk="1" hangingPunct="1">
+              <a:lnSpc>
+                <a:spcPct val="80000"/>
+              </a:lnSpc>
+              <a:spcBef>
+                <a:spcPct val="20000"/>
+              </a:spcBef>
+            </a:pPr>
+            <a:endParaRPr lang="en-US" altLang="ja-JP" dirty="0" smtClean="0">
+              <a:latin typeface="メイリオ" panose="020B0604030504040204" pitchFamily="50" charset="-128"/>
+              <a:ea typeface="メイリオ" panose="020B0604030504040204" pitchFamily="50" charset="-128"/>
+            </a:endParaRPr>
+          </a:p>
+          <a:p>
+            <a:pPr marL="285750" indent="-285750" eaLnBrk="1" hangingPunct="1">
+              <a:lnSpc>
+                <a:spcPct val="80000"/>
+              </a:lnSpc>
+              <a:spcBef>
+                <a:spcPct val="20000"/>
+              </a:spcBef>
+              <a:buFont typeface="Arial" panose="020B0604020202020204" pitchFamily="34" charset="0"/>
+              <a:buChar char="•"/>
+            </a:pPr>
+            <a:r>
+              <a:rPr lang="ja-JP" altLang="en-US" dirty="0" smtClean="0">
+                <a:latin typeface="メイリオ" panose="020B0604030504040204" pitchFamily="50" charset="-128"/>
+                <a:ea typeface="メイリオ" panose="020B0604030504040204" pitchFamily="50" charset="-128"/>
+              </a:rPr>
+              <a:t>要求</a:t>
+            </a:r>
+            <a:r>
+              <a:rPr lang="en-US" altLang="ja-JP" dirty="0" smtClean="0">
+                <a:latin typeface="メイリオ" panose="020B0604030504040204" pitchFamily="50" charset="-128"/>
+                <a:ea typeface="メイリオ" panose="020B0604030504040204" pitchFamily="50" charset="-128"/>
+              </a:rPr>
+              <a:t>(P.1</a:t>
+            </a:r>
+            <a:r>
+              <a:rPr lang="ja-JP" altLang="en-US" dirty="0" smtClean="0">
+                <a:latin typeface="メイリオ" panose="020B0604030504040204" pitchFamily="50" charset="-128"/>
+                <a:ea typeface="メイリオ" panose="020B0604030504040204" pitchFamily="50" charset="-128"/>
+              </a:rPr>
+              <a:t>） </a:t>
+            </a:r>
+            <a:r>
+              <a:rPr lang="en-US" altLang="ja-JP" dirty="0" smtClean="0">
+                <a:latin typeface="メイリオ" panose="020B0604030504040204" pitchFamily="50" charset="-128"/>
+                <a:ea typeface="メイリオ" panose="020B0604030504040204" pitchFamily="50" charset="-128"/>
+              </a:rPr>
+              <a:t>: </a:t>
+            </a:r>
+            <a:r>
+              <a:rPr lang="ja-JP" altLang="en-US" dirty="0" smtClean="0">
+                <a:latin typeface="メイリオ" panose="020B0604030504040204" pitchFamily="50" charset="-128"/>
+                <a:ea typeface="メイリオ" panose="020B0604030504040204" pitchFamily="50" charset="-128"/>
+              </a:rPr>
+              <a:t>チームの目標と機能</a:t>
+            </a:r>
+            <a:r>
+              <a:rPr lang="en-US" altLang="ja-JP" dirty="0" smtClean="0">
+                <a:latin typeface="メイリオ" panose="020B0604030504040204" pitchFamily="50" charset="-128"/>
+                <a:ea typeface="メイリオ" panose="020B0604030504040204" pitchFamily="50" charset="-128"/>
+              </a:rPr>
+              <a:t>/</a:t>
+            </a:r>
+            <a:r>
+              <a:rPr lang="ja-JP" altLang="en-US" dirty="0" smtClean="0">
+                <a:latin typeface="メイリオ" panose="020B0604030504040204" pitchFamily="50" charset="-128"/>
+                <a:ea typeface="メイリオ" panose="020B0604030504040204" pitchFamily="50" charset="-128"/>
+              </a:rPr>
+              <a:t>非機能要求の分析結果から、要求を整理し、必要となる要素技術を抽出</a:t>
+            </a:r>
+            <a:endParaRPr lang="en-US" altLang="ja-JP" dirty="0" smtClean="0">
+              <a:latin typeface="メイリオ" panose="020B0604030504040204" pitchFamily="50" charset="-128"/>
+              <a:ea typeface="メイリオ" panose="020B0604030504040204" pitchFamily="50" charset="-128"/>
+            </a:endParaRPr>
+          </a:p>
+          <a:p>
+            <a:pPr marL="285750" indent="-285750" eaLnBrk="1" hangingPunct="1">
+              <a:lnSpc>
+                <a:spcPct val="80000"/>
+              </a:lnSpc>
+              <a:spcBef>
+                <a:spcPct val="20000"/>
+              </a:spcBef>
+              <a:buFont typeface="Arial" panose="020B0604020202020204" pitchFamily="34" charset="0"/>
+              <a:buChar char="•"/>
+            </a:pPr>
+            <a:r>
+              <a:rPr lang="ja-JP" altLang="en-US" dirty="0" smtClean="0">
+                <a:latin typeface="メイリオ" panose="020B0604030504040204" pitchFamily="50" charset="-128"/>
+                <a:ea typeface="メイリオ" panose="020B0604030504040204" pitchFamily="50" charset="-128"/>
+              </a:rPr>
+              <a:t>分析</a:t>
+            </a:r>
+            <a:r>
+              <a:rPr lang="en-US" altLang="ja-JP" dirty="0" smtClean="0">
+                <a:latin typeface="メイリオ" panose="020B0604030504040204" pitchFamily="50" charset="-128"/>
+                <a:ea typeface="メイリオ" panose="020B0604030504040204" pitchFamily="50" charset="-128"/>
+              </a:rPr>
+              <a:t>(P.2)</a:t>
+            </a:r>
+            <a:r>
+              <a:rPr lang="ja-JP" altLang="en-US" dirty="0" smtClean="0">
+                <a:latin typeface="メイリオ" panose="020B0604030504040204" pitchFamily="50" charset="-128"/>
+                <a:ea typeface="メイリオ" panose="020B0604030504040204" pitchFamily="50" charset="-128"/>
+              </a:rPr>
+              <a:t> </a:t>
+            </a:r>
+            <a:r>
+              <a:rPr lang="en-US" altLang="ja-JP" dirty="0" smtClean="0">
+                <a:latin typeface="メイリオ" panose="020B0604030504040204" pitchFamily="50" charset="-128"/>
+                <a:ea typeface="メイリオ" panose="020B0604030504040204" pitchFamily="50" charset="-128"/>
+              </a:rPr>
+              <a:t>: </a:t>
+            </a:r>
+            <a:r>
+              <a:rPr lang="ja-JP" altLang="en-US" dirty="0" smtClean="0">
+                <a:latin typeface="メイリオ" panose="020B0604030504040204" pitchFamily="50" charset="-128"/>
+                <a:ea typeface="メイリオ" panose="020B0604030504040204" pitchFamily="50" charset="-128"/>
+              </a:rPr>
+              <a:t>ゲームエリアでの走行体の振舞いを分析</a:t>
+            </a:r>
+            <a:endParaRPr lang="en-US" altLang="ja-JP" dirty="0" smtClean="0">
+              <a:latin typeface="メイリオ" panose="020B0604030504040204" pitchFamily="50" charset="-128"/>
+              <a:ea typeface="メイリオ" panose="020B0604030504040204" pitchFamily="50" charset="-128"/>
+            </a:endParaRPr>
+          </a:p>
+          <a:p>
+            <a:pPr marL="285750" indent="-285750" eaLnBrk="1" hangingPunct="1">
+              <a:lnSpc>
+                <a:spcPct val="80000"/>
+              </a:lnSpc>
+              <a:spcBef>
+                <a:spcPct val="20000"/>
+              </a:spcBef>
+              <a:buFont typeface="Arial" panose="020B0604020202020204" pitchFamily="34" charset="0"/>
+              <a:buChar char="•"/>
+            </a:pPr>
+            <a:r>
+              <a:rPr lang="ja-JP" altLang="en-US" dirty="0" smtClean="0">
+                <a:latin typeface="メイリオ" panose="020B0604030504040204" pitchFamily="50" charset="-128"/>
+                <a:ea typeface="メイリオ" panose="020B0604030504040204" pitchFamily="50" charset="-128"/>
+              </a:rPr>
+              <a:t>制御</a:t>
+            </a:r>
+            <a:r>
+              <a:rPr lang="en-US" altLang="ja-JP" dirty="0" smtClean="0">
+                <a:latin typeface="メイリオ" panose="020B0604030504040204" pitchFamily="50" charset="-128"/>
+                <a:ea typeface="メイリオ" panose="020B0604030504040204" pitchFamily="50" charset="-128"/>
+              </a:rPr>
+              <a:t>(P.3) : </a:t>
+            </a:r>
+            <a:r>
+              <a:rPr lang="ja-JP" altLang="en-US" dirty="0" smtClean="0">
+                <a:latin typeface="メイリオ" panose="020B0604030504040204" pitchFamily="50" charset="-128"/>
+                <a:ea typeface="メイリオ" panose="020B0604030504040204" pitchFamily="50" charset="-128"/>
+              </a:rPr>
+              <a:t>必要な制御技術の実現方法を実績を基に記載</a:t>
+            </a:r>
+            <a:endParaRPr lang="en-US" altLang="ja-JP" dirty="0" smtClean="0">
+              <a:latin typeface="メイリオ" panose="020B0604030504040204" pitchFamily="50" charset="-128"/>
+              <a:ea typeface="メイリオ" panose="020B0604030504040204" pitchFamily="50" charset="-128"/>
+            </a:endParaRPr>
+          </a:p>
+          <a:p>
+            <a:pPr marL="285750" indent="-285750" eaLnBrk="1" hangingPunct="1">
+              <a:lnSpc>
+                <a:spcPct val="80000"/>
+              </a:lnSpc>
+              <a:spcBef>
+                <a:spcPct val="20000"/>
+              </a:spcBef>
+              <a:buFont typeface="Arial" panose="020B0604020202020204" pitchFamily="34" charset="0"/>
+              <a:buChar char="•"/>
+            </a:pPr>
+            <a:r>
+              <a:rPr lang="ja-JP" altLang="en-US" dirty="0" smtClean="0">
+                <a:latin typeface="メイリオ" panose="020B0604030504040204" pitchFamily="50" charset="-128"/>
+                <a:ea typeface="メイリオ" panose="020B0604030504040204" pitchFamily="50" charset="-128"/>
+              </a:rPr>
+              <a:t>設計</a:t>
+            </a:r>
+            <a:r>
+              <a:rPr lang="en-US" altLang="ja-JP" dirty="0" smtClean="0">
+                <a:latin typeface="メイリオ" panose="020B0604030504040204" pitchFamily="50" charset="-128"/>
+                <a:ea typeface="メイリオ" panose="020B0604030504040204" pitchFamily="50" charset="-128"/>
+              </a:rPr>
+              <a:t>(P.4, 5) : </a:t>
+            </a:r>
+          </a:p>
+          <a:p>
+            <a:pPr marL="0" indent="0" eaLnBrk="1" hangingPunct="1">
+              <a:lnSpc>
+                <a:spcPct val="80000"/>
+              </a:lnSpc>
+              <a:spcBef>
+                <a:spcPct val="20000"/>
+              </a:spcBef>
+            </a:pPr>
+            <a:endParaRPr lang="en-US" altLang="ja-JP" dirty="0">
               <a:latin typeface="メイリオ" panose="020B0604030504040204" pitchFamily="50" charset="-128"/>
               <a:ea typeface="メイリオ" panose="020B0604030504040204" pitchFamily="50" charset="-128"/>
             </a:endParaRPr>
@@ -3600,13 +3800,156 @@
               </a:spcBef>
             </a:pPr>
             <a:r>
-              <a:rPr lang="en-US" altLang="ja-JP" sz="1900">
-                <a:latin typeface="メイリオ" panose="020B0604030504040204" pitchFamily="50" charset="-128"/>
-                <a:ea typeface="メイリオ" panose="020B0604030504040204" pitchFamily="50" charset="-128"/>
-              </a:rPr>
-              <a:t>	</a:t>
-            </a:r>
-            <a:endParaRPr lang="ja-JP" altLang="en-US">
+              <a:rPr lang="ja-JP" altLang="en-US" sz="2400" b="1" u="sng" dirty="0">
+                <a:latin typeface="メイリオ" panose="020B0604030504040204" pitchFamily="50" charset="-128"/>
+                <a:ea typeface="メイリオ" panose="020B0604030504040204" pitchFamily="50" charset="-128"/>
+              </a:rPr>
+              <a:t>☆設計思想</a:t>
+            </a:r>
+          </a:p>
+          <a:p>
+            <a:pPr marL="0" indent="0" eaLnBrk="1" hangingPunct="1">
+              <a:lnSpc>
+                <a:spcPct val="80000"/>
+              </a:lnSpc>
+              <a:spcBef>
+                <a:spcPct val="20000"/>
+              </a:spcBef>
+            </a:pPr>
+            <a:endParaRPr lang="en-US" altLang="ja-JP" dirty="0" smtClean="0">
+              <a:latin typeface="メイリオ" panose="020B0604030504040204" pitchFamily="50" charset="-128"/>
+              <a:ea typeface="メイリオ" panose="020B0604030504040204" pitchFamily="50" charset="-128"/>
+            </a:endParaRPr>
+          </a:p>
+          <a:p>
+            <a:pPr marL="0" indent="0" eaLnBrk="1" hangingPunct="1">
+              <a:lnSpc>
+                <a:spcPct val="80000"/>
+              </a:lnSpc>
+              <a:spcBef>
+                <a:spcPct val="20000"/>
+              </a:spcBef>
+            </a:pPr>
+            <a:r>
+              <a:rPr lang="ja-JP" altLang="en-US" dirty="0" smtClean="0">
+                <a:latin typeface="メイリオ" panose="020B0604030504040204" pitchFamily="50" charset="-128"/>
+                <a:ea typeface="メイリオ" panose="020B0604030504040204" pitchFamily="50" charset="-128"/>
+              </a:rPr>
+              <a:t>地図情報の利用</a:t>
+            </a:r>
+            <a:r>
+              <a:rPr lang="en-US" altLang="ja-JP" dirty="0" smtClean="0">
+                <a:latin typeface="メイリオ" panose="020B0604030504040204" pitchFamily="50" charset="-128"/>
+                <a:ea typeface="メイリオ" panose="020B0604030504040204" pitchFamily="50" charset="-128"/>
+              </a:rPr>
+              <a:t>(3-2, 3-3, 3-6</a:t>
+            </a:r>
+            <a:r>
+              <a:rPr lang="ja-JP" altLang="en-US" dirty="0" smtClean="0">
+                <a:latin typeface="メイリオ" panose="020B0604030504040204" pitchFamily="50" charset="-128"/>
+                <a:ea typeface="メイリオ" panose="020B0604030504040204" pitchFamily="50" charset="-128"/>
+              </a:rPr>
+              <a:t>参照</a:t>
+            </a:r>
+            <a:r>
+              <a:rPr lang="en-US" altLang="ja-JP" dirty="0" smtClean="0">
+                <a:latin typeface="メイリオ" panose="020B0604030504040204" pitchFamily="50" charset="-128"/>
+                <a:ea typeface="メイリオ" panose="020B0604030504040204" pitchFamily="50" charset="-128"/>
+              </a:rPr>
+              <a:t>)</a:t>
+            </a:r>
+            <a:r>
+              <a:rPr lang="ja-JP" altLang="en-US" dirty="0" smtClean="0">
+                <a:latin typeface="メイリオ" panose="020B0604030504040204" pitchFamily="50" charset="-128"/>
+                <a:ea typeface="メイリオ" panose="020B0604030504040204" pitchFamily="50" charset="-128"/>
+              </a:rPr>
+              <a:t>とモーターの性能差をプログラムで吸収する</a:t>
+            </a:r>
+            <a:r>
+              <a:rPr lang="en-US" altLang="ja-JP" dirty="0" smtClean="0">
+                <a:latin typeface="メイリオ" panose="020B0604030504040204" pitchFamily="50" charset="-128"/>
+                <a:ea typeface="メイリオ" panose="020B0604030504040204" pitchFamily="50" charset="-128"/>
+              </a:rPr>
+              <a:t>(3-4</a:t>
+            </a:r>
+            <a:r>
+              <a:rPr lang="ja-JP" altLang="en-US" dirty="0" smtClean="0">
+                <a:latin typeface="メイリオ" panose="020B0604030504040204" pitchFamily="50" charset="-128"/>
+                <a:ea typeface="メイリオ" panose="020B0604030504040204" pitchFamily="50" charset="-128"/>
+              </a:rPr>
+              <a:t>参照</a:t>
+            </a:r>
+            <a:r>
+              <a:rPr lang="en-US" altLang="ja-JP" dirty="0" smtClean="0">
+                <a:latin typeface="メイリオ" panose="020B0604030504040204" pitchFamily="50" charset="-128"/>
+                <a:ea typeface="メイリオ" panose="020B0604030504040204" pitchFamily="50" charset="-128"/>
+              </a:rPr>
+              <a:t>)</a:t>
+            </a:r>
+            <a:r>
+              <a:rPr lang="ja-JP" altLang="en-US" dirty="0" smtClean="0">
+                <a:latin typeface="メイリオ" panose="020B0604030504040204" pitchFamily="50" charset="-128"/>
+                <a:ea typeface="メイリオ" panose="020B0604030504040204" pitchFamily="50" charset="-128"/>
+              </a:rPr>
+              <a:t>事により、エリアを問わず、</a:t>
+            </a:r>
+            <a:r>
+              <a:rPr lang="ja-JP" altLang="en-US" dirty="0" smtClean="0">
+                <a:latin typeface="メイリオ" panose="020B0604030504040204" pitchFamily="50" charset="-128"/>
+                <a:ea typeface="メイリオ" panose="020B0604030504040204" pitchFamily="50" charset="-128"/>
+              </a:rPr>
+              <a:t>「どの個体、どの</a:t>
+            </a:r>
+            <a:r>
+              <a:rPr lang="ja-JP" altLang="en-US" dirty="0">
+                <a:latin typeface="メイリオ" panose="020B0604030504040204" pitchFamily="50" charset="-128"/>
+                <a:ea typeface="メイリオ" panose="020B0604030504040204" pitchFamily="50" charset="-128"/>
+              </a:rPr>
+              <a:t>コースでも」安定</a:t>
+            </a:r>
+            <a:r>
+              <a:rPr lang="ja-JP" altLang="en-US" dirty="0" smtClean="0">
+                <a:latin typeface="メイリオ" panose="020B0604030504040204" pitchFamily="50" charset="-128"/>
+                <a:ea typeface="メイリオ" panose="020B0604030504040204" pitchFamily="50" charset="-128"/>
+              </a:rPr>
+              <a:t>した走行を目指しました。</a:t>
+            </a:r>
+            <a:endParaRPr lang="en-US" altLang="ja-JP" dirty="0" smtClean="0">
+              <a:latin typeface="メイリオ" panose="020B0604030504040204" pitchFamily="50" charset="-128"/>
+              <a:ea typeface="メイリオ" panose="020B0604030504040204" pitchFamily="50" charset="-128"/>
+            </a:endParaRPr>
+          </a:p>
+          <a:p>
+            <a:pPr marL="0" indent="0" eaLnBrk="1" hangingPunct="1">
+              <a:lnSpc>
+                <a:spcPct val="80000"/>
+              </a:lnSpc>
+              <a:spcBef>
+                <a:spcPct val="20000"/>
+              </a:spcBef>
+            </a:pPr>
+            <a:endParaRPr lang="en-US" altLang="ja-JP" dirty="0">
+              <a:latin typeface="メイリオ" panose="020B0604030504040204" pitchFamily="50" charset="-128"/>
+              <a:ea typeface="メイリオ" panose="020B0604030504040204" pitchFamily="50" charset="-128"/>
+            </a:endParaRPr>
+          </a:p>
+          <a:p>
+            <a:pPr marL="0" indent="0" eaLnBrk="1" hangingPunct="1">
+              <a:lnSpc>
+                <a:spcPct val="80000"/>
+              </a:lnSpc>
+              <a:spcBef>
+                <a:spcPct val="20000"/>
+              </a:spcBef>
+            </a:pPr>
+            <a:r>
+              <a:rPr lang="ja-JP" altLang="en-US" dirty="0" smtClean="0">
+                <a:latin typeface="メイリオ" panose="020B0604030504040204" pitchFamily="50" charset="-128"/>
+                <a:ea typeface="メイリオ" panose="020B0604030504040204" pitchFamily="50" charset="-128"/>
+              </a:rPr>
+              <a:t>ひとことで言うなら、「量産型」です。</a:t>
+            </a:r>
+            <a:endParaRPr lang="en-US" altLang="ja-JP" dirty="0" smtClean="0">
               <a:latin typeface="メイリオ" panose="020B0604030504040204" pitchFamily="50" charset="-128"/>
               <a:ea typeface="メイリオ" panose="020B0604030504040204" pitchFamily="50" charset="-128"/>
             </a:endParaRPr>
@@ -3620,14 +3963,7 @@
                 <a:spcPct val="20000"/>
               </a:spcBef>
             </a:pPr>
-            <a:r>
-              <a:rPr lang="ja-JP" altLang="en-US">
-                <a:latin typeface="メイリオ" panose="020B0604030504040204" pitchFamily="50" charset="-128"/>
-                <a:ea typeface="メイリオ" panose="020B0604030504040204" pitchFamily="50" charset="-128"/>
-              </a:rPr>
-              <a:t>	（作成したモデルの構成や読み解き方、</a:t>
-            </a:r>
-            <a:endParaRPr lang="en-US" altLang="ja-JP">
+            <a:endParaRPr lang="en-US" altLang="ja-JP" dirty="0">
               <a:latin typeface="メイリオ" panose="020B0604030504040204" pitchFamily="50" charset="-128"/>
               <a:ea typeface="メイリオ" panose="020B0604030504040204" pitchFamily="50" charset="-128"/>
             </a:endParaRPr>
@@ -3642,26 +3978,29 @@
               </a:spcBef>
             </a:pPr>
             <a:r>
-              <a:rPr lang="en-US" altLang="ja-JP">
-                <a:latin typeface="メイリオ" panose="020B0604030504040204" pitchFamily="50" charset="-128"/>
-                <a:ea typeface="メイリオ" panose="020B0604030504040204" pitchFamily="50" charset="-128"/>
-              </a:rPr>
-              <a:t>	</a:t>
-            </a:r>
-            <a:r>
-              <a:rPr lang="ja-JP" altLang="en-US">
-                <a:latin typeface="メイリオ" panose="020B0604030504040204" pitchFamily="50" charset="-128"/>
-                <a:ea typeface="メイリオ" panose="020B0604030504040204" pitchFamily="50" charset="-128"/>
-              </a:rPr>
-              <a:t>　記述の特徴などを記入</a:t>
-            </a:r>
-            <a:endParaRPr lang="en-US" altLang="ja-JP">
+              <a:rPr lang="ja-JP" altLang="en-US" sz="2400" b="1" u="sng" dirty="0">
+                <a:latin typeface="メイリオ" panose="020B0604030504040204" pitchFamily="50" charset="-128"/>
+                <a:ea typeface="メイリオ" panose="020B0604030504040204" pitchFamily="50" charset="-128"/>
+              </a:rPr>
+              <a:t>☆モデルのここに注目！</a:t>
+            </a:r>
+          </a:p>
+          <a:p>
+            <a:pPr marL="0" indent="0" eaLnBrk="1" hangingPunct="1">
+              <a:lnSpc>
+                <a:spcPct val="80000"/>
+              </a:lnSpc>
+              <a:spcBef>
+                <a:spcPct val="20000"/>
+              </a:spcBef>
+            </a:pPr>
+            <a:endParaRPr lang="en-US" altLang="ja-JP" dirty="0" smtClean="0">
               <a:latin typeface="メイリオ" panose="020B0604030504040204" pitchFamily="50" charset="-128"/>
               <a:ea typeface="メイリオ" panose="020B0604030504040204" pitchFamily="50" charset="-128"/>
             </a:endParaRPr>
           </a:p>
           <a:p>
-            <a:pPr eaLnBrk="1" hangingPunct="1">
+            <a:pPr marL="0" indent="0" eaLnBrk="1" hangingPunct="1">
               <a:lnSpc>
                 <a:spcPct val="80000"/>
               </a:lnSpc>
@@ -3670,40 +4009,33 @@
               </a:spcBef>
             </a:pPr>
             <a:r>
-              <a:rPr lang="en-US" altLang="ja-JP">
-                <a:latin typeface="メイリオ" panose="020B0604030504040204" pitchFamily="50" charset="-128"/>
-                <a:ea typeface="メイリオ" panose="020B0604030504040204" pitchFamily="50" charset="-128"/>
-              </a:rPr>
-              <a:t>	</a:t>
-            </a:r>
-            <a:r>
-              <a:rPr lang="ja-JP" altLang="en-US">
-                <a:latin typeface="メイリオ" panose="020B0604030504040204" pitchFamily="50" charset="-128"/>
-                <a:ea typeface="メイリオ" panose="020B0604030504040204" pitchFamily="50" charset="-128"/>
-              </a:rPr>
-              <a:t>　</a:t>
-            </a:r>
-            <a:r>
-              <a:rPr lang="en-US" altLang="ja-JP">
-                <a:latin typeface="メイリオ" panose="020B0604030504040204" pitchFamily="50" charset="-128"/>
-                <a:ea typeface="メイリオ" panose="020B0604030504040204" pitchFamily="50" charset="-128"/>
-              </a:rPr>
-              <a:t>※</a:t>
-            </a:r>
-            <a:r>
-              <a:rPr lang="ja-JP" altLang="en-US">
-                <a:latin typeface="メイリオ" panose="020B0604030504040204" pitchFamily="50" charset="-128"/>
-                <a:ea typeface="メイリオ" panose="020B0604030504040204" pitchFamily="50" charset="-128"/>
-              </a:rPr>
-              <a:t>モデルの書き方に関する説明として</a:t>
-            </a:r>
-            <a:endParaRPr lang="en-US" altLang="ja-JP">
+              <a:rPr lang="ja-JP" altLang="en-US" dirty="0" smtClean="0">
+                <a:latin typeface="メイリオ" panose="020B0604030504040204" pitchFamily="50" charset="-128"/>
+                <a:ea typeface="メイリオ" panose="020B0604030504040204" pitchFamily="50" charset="-128"/>
+              </a:rPr>
+              <a:t>今年のしんよこは、ライントレースに</a:t>
+            </a:r>
+            <a:r>
+              <a:rPr lang="en-US" altLang="ja-JP" dirty="0" smtClean="0">
+                <a:latin typeface="メイリオ" panose="020B0604030504040204" pitchFamily="50" charset="-128"/>
+                <a:ea typeface="メイリオ" panose="020B0604030504040204" pitchFamily="50" charset="-128"/>
+              </a:rPr>
+              <a:t>PID</a:t>
+            </a:r>
+            <a:r>
+              <a:rPr lang="ja-JP" altLang="en-US" dirty="0" smtClean="0">
+                <a:latin typeface="メイリオ" panose="020B0604030504040204" pitchFamily="50" charset="-128"/>
+                <a:ea typeface="メイリオ" panose="020B0604030504040204" pitchFamily="50" charset="-128"/>
+              </a:rPr>
+              <a:t>を利用しません。</a:t>
+            </a:r>
+            <a:endParaRPr lang="en-US" altLang="ja-JP" dirty="0" smtClean="0">
               <a:latin typeface="メイリオ" panose="020B0604030504040204" pitchFamily="50" charset="-128"/>
               <a:ea typeface="メイリオ" panose="020B0604030504040204" pitchFamily="50" charset="-128"/>
             </a:endParaRPr>
           </a:p>
           <a:p>
-            <a:pPr eaLnBrk="1" hangingPunct="1">
+            <a:pPr marL="261937" lvl="1" indent="0" eaLnBrk="1" hangingPunct="1">
               <a:lnSpc>
                 <a:spcPct val="80000"/>
               </a:lnSpc>
@@ -3712,26 +4044,47 @@
               </a:spcBef>
             </a:pPr>
             <a:r>
-              <a:rPr lang="en-US" altLang="ja-JP">
-                <a:latin typeface="メイリオ" panose="020B0604030504040204" pitchFamily="50" charset="-128"/>
-                <a:ea typeface="メイリオ" panose="020B0604030504040204" pitchFamily="50" charset="-128"/>
-              </a:rPr>
-              <a:t>	</a:t>
-            </a:r>
-            <a:r>
-              <a:rPr lang="ja-JP" altLang="en-US">
-                <a:latin typeface="メイリオ" panose="020B0604030504040204" pitchFamily="50" charset="-128"/>
-                <a:ea typeface="メイリオ" panose="020B0604030504040204" pitchFamily="50" charset="-128"/>
-              </a:rPr>
-              <a:t>　使用してください）</a:t>
-            </a:r>
-            <a:endParaRPr lang="en-US" altLang="ja-JP">
+              <a:rPr lang="en-US" altLang="ja-JP" sz="1400" dirty="0" smtClean="0">
+                <a:latin typeface="メイリオ" panose="020B0604030504040204" pitchFamily="50" charset="-128"/>
+                <a:ea typeface="メイリオ" panose="020B0604030504040204" pitchFamily="50" charset="-128"/>
+              </a:rPr>
+              <a:t>PID</a:t>
+            </a:r>
+            <a:r>
+              <a:rPr lang="ja-JP" altLang="en-US" sz="1400" dirty="0" smtClean="0">
+                <a:latin typeface="メイリオ" panose="020B0604030504040204" pitchFamily="50" charset="-128"/>
+                <a:ea typeface="メイリオ" panose="020B0604030504040204" pitchFamily="50" charset="-128"/>
+              </a:rPr>
+              <a:t>を利用する事により、モーターの性能差やバッテリー残量により、走行速度が変わり、</a:t>
+            </a:r>
+            <a:r>
+              <a:rPr lang="en-US" altLang="ja-JP" sz="1400" dirty="0" smtClean="0">
+                <a:latin typeface="メイリオ" panose="020B0604030504040204" pitchFamily="50" charset="-128"/>
+                <a:ea typeface="メイリオ" panose="020B0604030504040204" pitchFamily="50" charset="-128"/>
+              </a:rPr>
+              <a:t>PID</a:t>
+            </a:r>
+            <a:r>
+              <a:rPr lang="ja-JP" altLang="en-US" sz="1400" dirty="0" smtClean="0">
+                <a:latin typeface="メイリオ" panose="020B0604030504040204" pitchFamily="50" charset="-128"/>
+                <a:ea typeface="メイリオ" panose="020B0604030504040204" pitchFamily="50" charset="-128"/>
+              </a:rPr>
+              <a:t>も影響を受けるだけでなく、変更に工数がかか</a:t>
+            </a:r>
+            <a:r>
+              <a:rPr lang="ja-JP" altLang="en-US" sz="1400" dirty="0" smtClean="0">
+                <a:latin typeface="メイリオ" panose="020B0604030504040204" pitchFamily="50" charset="-128"/>
+                <a:ea typeface="メイリオ" panose="020B0604030504040204" pitchFamily="50" charset="-128"/>
+              </a:rPr>
+              <a:t>る為、少人数での開発には向かないと判断しました</a:t>
+            </a:r>
+            <a:endParaRPr lang="en-US" altLang="ja-JP" sz="1400" dirty="0" smtClean="0">
               <a:latin typeface="メイリオ" panose="020B0604030504040204" pitchFamily="50" charset="-128"/>
               <a:ea typeface="メイリオ" panose="020B0604030504040204" pitchFamily="50" charset="-128"/>
             </a:endParaRPr>
           </a:p>
           <a:p>
-            <a:pPr eaLnBrk="1" hangingPunct="1">
+            <a:pPr marL="0" indent="0" eaLnBrk="1" hangingPunct="1">
               <a:lnSpc>
                 <a:spcPct val="80000"/>
               </a:lnSpc>
@@ -3739,13 +4092,13 @@
                 <a:spcPct val="20000"/>
               </a:spcBef>
             </a:pPr>
-            <a:endParaRPr lang="en-US" altLang="ja-JP" sz="2400">
+            <a:endParaRPr lang="en-US" altLang="ja-JP" dirty="0" smtClean="0">
               <a:latin typeface="メイリオ" panose="020B0604030504040204" pitchFamily="50" charset="-128"/>
               <a:ea typeface="メイリオ" panose="020B0604030504040204" pitchFamily="50" charset="-128"/>
             </a:endParaRPr>
           </a:p>
           <a:p>
-            <a:pPr eaLnBrk="1" hangingPunct="1">
+            <a:pPr marL="0" indent="0" eaLnBrk="1" hangingPunct="1">
               <a:lnSpc>
                 <a:spcPct val="80000"/>
               </a:lnSpc>
@@ -3754,15 +4107,47 @@
               </a:spcBef>
             </a:pPr>
             <a:r>
-              <a:rPr lang="ja-JP" altLang="en-US" sz="2400" b="1">
-                <a:latin typeface="メイリオ" panose="020B0604030504040204" pitchFamily="50" charset="-128"/>
-                <a:ea typeface="メイリオ" panose="020B0604030504040204" pitchFamily="50" charset="-128"/>
-              </a:rPr>
-              <a:t>☆設計思想</a:t>
-            </a:r>
-          </a:p>
-          <a:p>
-            <a:pPr eaLnBrk="1" hangingPunct="1">
+              <a:rPr lang="ja-JP" altLang="en-US" dirty="0" smtClean="0">
+                <a:latin typeface="メイリオ" panose="020B0604030504040204" pitchFamily="50" charset="-128"/>
+                <a:ea typeface="メイリオ" panose="020B0604030504040204" pitchFamily="50" charset="-128"/>
+              </a:rPr>
+              <a:t>リリース済み</a:t>
+            </a:r>
+            <a:r>
+              <a:rPr lang="ja-JP" altLang="en-US" dirty="0">
+                <a:latin typeface="メイリオ" panose="020B0604030504040204" pitchFamily="50" charset="-128"/>
+                <a:ea typeface="メイリオ" panose="020B0604030504040204" pitchFamily="50" charset="-128"/>
+              </a:rPr>
+              <a:t>の</a:t>
+            </a:r>
+            <a:r>
+              <a:rPr lang="ja-JP" altLang="en-US" dirty="0" smtClean="0">
+                <a:latin typeface="メイリオ" panose="020B0604030504040204" pitchFamily="50" charset="-128"/>
+                <a:ea typeface="メイリオ" panose="020B0604030504040204" pitchFamily="50" charset="-128"/>
+              </a:rPr>
+              <a:t>コースのファイルと</a:t>
+            </a:r>
+            <a:r>
+              <a:rPr lang="ja-JP" altLang="en-US" dirty="0">
+                <a:latin typeface="メイリオ" panose="020B0604030504040204" pitchFamily="50" charset="-128"/>
+                <a:ea typeface="メイリオ" panose="020B0604030504040204" pitchFamily="50" charset="-128"/>
+              </a:rPr>
+              <a:t>実際のコースを基に</a:t>
+            </a:r>
+            <a:r>
+              <a:rPr lang="ja-JP" altLang="en-US" dirty="0" smtClean="0">
+                <a:latin typeface="メイリオ" panose="020B0604030504040204" pitchFamily="50" charset="-128"/>
+                <a:ea typeface="メイリオ" panose="020B0604030504040204" pitchFamily="50" charset="-128"/>
+              </a:rPr>
+              <a:t>、地図を作成し、エリアごとに最適な走行を実現します。</a:t>
+            </a:r>
+            <a:endParaRPr lang="en-US" altLang="ja-JP" dirty="0" smtClean="0">
+              <a:latin typeface="メイリオ" panose="020B0604030504040204" pitchFamily="50" charset="-128"/>
+              <a:ea typeface="メイリオ" panose="020B0604030504040204" pitchFamily="50" charset="-128"/>
+            </a:endParaRPr>
+          </a:p>
+          <a:p>
+            <a:pPr marL="0" indent="0" eaLnBrk="1" hangingPunct="1">
               <a:lnSpc>
                 <a:spcPct val="80000"/>
               </a:lnSpc>
@@ -3771,338 +4156,13 @@
               </a:spcBef>
             </a:pPr>
             <a:r>
-              <a:rPr lang="ja-JP" altLang="en-US" sz="1900">
-                <a:latin typeface="メイリオ" panose="020B0604030504040204" pitchFamily="50" charset="-128"/>
-                <a:ea typeface="メイリオ" panose="020B0604030504040204" pitchFamily="50" charset="-128"/>
-              </a:rPr>
-              <a:t>	</a:t>
-            </a:r>
-            <a:endParaRPr lang="en-US" altLang="ja-JP">
-              <a:latin typeface="メイリオ" panose="020B0604030504040204" pitchFamily="50" charset="-128"/>
-              <a:ea typeface="メイリオ" panose="020B0604030504040204" pitchFamily="50" charset="-128"/>
-            </a:endParaRPr>
-          </a:p>
-          <a:p>
-            <a:pPr eaLnBrk="1" hangingPunct="1">
-              <a:lnSpc>
-                <a:spcPct val="80000"/>
-              </a:lnSpc>
-              <a:spcBef>
-                <a:spcPct val="20000"/>
-              </a:spcBef>
-            </a:pPr>
-            <a:r>
-              <a:rPr lang="en-US" altLang="ja-JP">
-                <a:latin typeface="メイリオ" panose="020B0604030504040204" pitchFamily="50" charset="-128"/>
-                <a:ea typeface="メイリオ" panose="020B0604030504040204" pitchFamily="50" charset="-128"/>
-              </a:rPr>
-              <a:t>	</a:t>
-            </a:r>
-            <a:r>
-              <a:rPr lang="ja-JP" altLang="en-US">
-                <a:latin typeface="メイリオ" panose="020B0604030504040204" pitchFamily="50" charset="-128"/>
-                <a:ea typeface="メイリオ" panose="020B0604030504040204" pitchFamily="50" charset="-128"/>
-              </a:rPr>
-              <a:t>（採用したアーキテクチャの特徴や、</a:t>
-            </a:r>
-            <a:endParaRPr lang="en-US" altLang="ja-JP">
-              <a:latin typeface="メイリオ" panose="020B0604030504040204" pitchFamily="50" charset="-128"/>
-              <a:ea typeface="メイリオ" panose="020B0604030504040204" pitchFamily="50" charset="-128"/>
-            </a:endParaRPr>
-          </a:p>
-          <a:p>
-            <a:pPr eaLnBrk="1" hangingPunct="1">
-              <a:lnSpc>
-                <a:spcPct val="80000"/>
-              </a:lnSpc>
-              <a:spcBef>
-                <a:spcPct val="20000"/>
-              </a:spcBef>
-            </a:pPr>
-            <a:r>
-              <a:rPr lang="en-US" altLang="ja-JP">
-                <a:latin typeface="メイリオ" panose="020B0604030504040204" pitchFamily="50" charset="-128"/>
-                <a:ea typeface="メイリオ" panose="020B0604030504040204" pitchFamily="50" charset="-128"/>
-              </a:rPr>
-              <a:t>	</a:t>
-            </a:r>
-            <a:r>
-              <a:rPr lang="ja-JP" altLang="en-US">
-                <a:latin typeface="メイリオ" panose="020B0604030504040204" pitchFamily="50" charset="-128"/>
-                <a:ea typeface="メイリオ" panose="020B0604030504040204" pitchFamily="50" charset="-128"/>
-              </a:rPr>
-              <a:t>　設計上工夫した点などについて記入</a:t>
-            </a:r>
-            <a:endParaRPr lang="en-US" altLang="ja-JP">
-              <a:latin typeface="メイリオ" panose="020B0604030504040204" pitchFamily="50" charset="-128"/>
-              <a:ea typeface="メイリオ" panose="020B0604030504040204" pitchFamily="50" charset="-128"/>
-            </a:endParaRPr>
-          </a:p>
-          <a:p>
-            <a:pPr eaLnBrk="1" hangingPunct="1">
-              <a:lnSpc>
-                <a:spcPct val="80000"/>
-              </a:lnSpc>
-              <a:spcBef>
-                <a:spcPct val="20000"/>
-              </a:spcBef>
-            </a:pPr>
-            <a:r>
-              <a:rPr lang="en-US" altLang="ja-JP">
-                <a:latin typeface="メイリオ" panose="020B0604030504040204" pitchFamily="50" charset="-128"/>
-                <a:ea typeface="メイリオ" panose="020B0604030504040204" pitchFamily="50" charset="-128"/>
-              </a:rPr>
-              <a:t>	</a:t>
-            </a:r>
-            <a:r>
-              <a:rPr lang="ja-JP" altLang="en-US">
-                <a:latin typeface="メイリオ" panose="020B0604030504040204" pitchFamily="50" charset="-128"/>
-                <a:ea typeface="メイリオ" panose="020B0604030504040204" pitchFamily="50" charset="-128"/>
-              </a:rPr>
-              <a:t>　</a:t>
-            </a:r>
-            <a:r>
-              <a:rPr lang="en-US" altLang="ja-JP">
-                <a:latin typeface="メイリオ" panose="020B0604030504040204" pitchFamily="50" charset="-128"/>
-                <a:ea typeface="メイリオ" panose="020B0604030504040204" pitchFamily="50" charset="-128"/>
-              </a:rPr>
-              <a:t>※</a:t>
-            </a:r>
-            <a:r>
-              <a:rPr lang="ja-JP" altLang="en-US">
-                <a:latin typeface="メイリオ" panose="020B0604030504040204" pitchFamily="50" charset="-128"/>
-                <a:ea typeface="メイリオ" panose="020B0604030504040204" pitchFamily="50" charset="-128"/>
-              </a:rPr>
-              <a:t>モデルの内容に関する説明として</a:t>
-            </a:r>
-            <a:endParaRPr lang="en-US" altLang="ja-JP">
-              <a:latin typeface="メイリオ" panose="020B0604030504040204" pitchFamily="50" charset="-128"/>
-              <a:ea typeface="メイリオ" panose="020B0604030504040204" pitchFamily="50" charset="-128"/>
-            </a:endParaRPr>
-          </a:p>
-          <a:p>
-            <a:pPr eaLnBrk="1" hangingPunct="1">
-              <a:lnSpc>
-                <a:spcPct val="80000"/>
-              </a:lnSpc>
-              <a:spcBef>
-                <a:spcPct val="20000"/>
-              </a:spcBef>
-            </a:pPr>
-            <a:r>
-              <a:rPr lang="en-US" altLang="ja-JP">
-                <a:latin typeface="メイリオ" panose="020B0604030504040204" pitchFamily="50" charset="-128"/>
-                <a:ea typeface="メイリオ" panose="020B0604030504040204" pitchFamily="50" charset="-128"/>
-              </a:rPr>
-              <a:t>	</a:t>
-            </a:r>
-            <a:r>
-              <a:rPr lang="ja-JP" altLang="en-US">
-                <a:latin typeface="メイリオ" panose="020B0604030504040204" pitchFamily="50" charset="-128"/>
-                <a:ea typeface="メイリオ" panose="020B0604030504040204" pitchFamily="50" charset="-128"/>
-              </a:rPr>
-              <a:t>　使用してください）</a:t>
-            </a:r>
-            <a:endParaRPr lang="en-US" altLang="ja-JP">
-              <a:latin typeface="メイリオ" panose="020B0604030504040204" pitchFamily="50" charset="-128"/>
-              <a:ea typeface="メイリオ" panose="020B0604030504040204" pitchFamily="50" charset="-128"/>
-            </a:endParaRPr>
-          </a:p>
-          <a:p>
-            <a:pPr eaLnBrk="1" hangingPunct="1">
-              <a:lnSpc>
-                <a:spcPct val="80000"/>
-              </a:lnSpc>
-              <a:spcBef>
-                <a:spcPct val="20000"/>
-              </a:spcBef>
-            </a:pPr>
-            <a:endParaRPr lang="en-US" altLang="ja-JP" sz="2400">
-              <a:latin typeface="メイリオ" panose="020B0604030504040204" pitchFamily="50" charset="-128"/>
-              <a:ea typeface="メイリオ" panose="020B0604030504040204" pitchFamily="50" charset="-128"/>
-            </a:endParaRPr>
-          </a:p>
-          <a:p>
-            <a:pPr eaLnBrk="1" hangingPunct="1">
-              <a:lnSpc>
-                <a:spcPct val="80000"/>
-              </a:lnSpc>
-              <a:spcBef>
-                <a:spcPct val="20000"/>
-              </a:spcBef>
-            </a:pPr>
-            <a:r>
-              <a:rPr lang="ja-JP" altLang="en-US" sz="2400" b="1">
-                <a:latin typeface="メイリオ" panose="020B0604030504040204" pitchFamily="50" charset="-128"/>
-                <a:ea typeface="メイリオ" panose="020B0604030504040204" pitchFamily="50" charset="-128"/>
-              </a:rPr>
-              <a:t>☆モデルのここに注目！</a:t>
-            </a:r>
-          </a:p>
-          <a:p>
-            <a:pPr eaLnBrk="1" hangingPunct="1">
-              <a:lnSpc>
-                <a:spcPct val="80000"/>
-              </a:lnSpc>
-              <a:spcBef>
-                <a:spcPct val="20000"/>
-              </a:spcBef>
-            </a:pPr>
-            <a:r>
-              <a:rPr lang="en-US" altLang="ja-JP" sz="1900">
-                <a:latin typeface="メイリオ" panose="020B0604030504040204" pitchFamily="50" charset="-128"/>
-                <a:ea typeface="メイリオ" panose="020B0604030504040204" pitchFamily="50" charset="-128"/>
-              </a:rPr>
-              <a:t>	</a:t>
-            </a:r>
-            <a:endParaRPr lang="en-US" altLang="ja-JP">
-              <a:latin typeface="メイリオ" panose="020B0604030504040204" pitchFamily="50" charset="-128"/>
-              <a:ea typeface="メイリオ" panose="020B0604030504040204" pitchFamily="50" charset="-128"/>
-            </a:endParaRPr>
-          </a:p>
-          <a:p>
-            <a:pPr eaLnBrk="1" hangingPunct="1">
-              <a:lnSpc>
-                <a:spcPct val="80000"/>
-              </a:lnSpc>
-              <a:spcBef>
-                <a:spcPct val="20000"/>
-              </a:spcBef>
-            </a:pPr>
-            <a:r>
-              <a:rPr lang="ja-JP" altLang="en-US">
-                <a:latin typeface="メイリオ" panose="020B0604030504040204" pitchFamily="50" charset="-128"/>
-                <a:ea typeface="メイリオ" panose="020B0604030504040204" pitchFamily="50" charset="-128"/>
-              </a:rPr>
-              <a:t>	（提出したモデルのなかで、ロボットの動作、</a:t>
-            </a:r>
-            <a:endParaRPr lang="en-US" altLang="ja-JP">
-              <a:latin typeface="メイリオ" panose="020B0604030504040204" pitchFamily="50" charset="-128"/>
-              <a:ea typeface="メイリオ" panose="020B0604030504040204" pitchFamily="50" charset="-128"/>
-            </a:endParaRPr>
-          </a:p>
-          <a:p>
-            <a:pPr eaLnBrk="1" hangingPunct="1">
-              <a:lnSpc>
-                <a:spcPct val="80000"/>
-              </a:lnSpc>
-              <a:spcBef>
-                <a:spcPct val="20000"/>
-              </a:spcBef>
-            </a:pPr>
-            <a:r>
-              <a:rPr lang="en-US" altLang="ja-JP">
-                <a:latin typeface="メイリオ" panose="020B0604030504040204" pitchFamily="50" charset="-128"/>
-                <a:ea typeface="メイリオ" panose="020B0604030504040204" pitchFamily="50" charset="-128"/>
-              </a:rPr>
-              <a:t>	</a:t>
-            </a:r>
-            <a:r>
-              <a:rPr lang="ja-JP" altLang="en-US">
-                <a:latin typeface="メイリオ" panose="020B0604030504040204" pitchFamily="50" charset="-128"/>
-                <a:ea typeface="メイリオ" panose="020B0604030504040204" pitchFamily="50" charset="-128"/>
-              </a:rPr>
-              <a:t>　製作の特徴、開発の進め方など、</a:t>
-            </a:r>
-            <a:endParaRPr lang="en-US" altLang="ja-JP">
-              <a:latin typeface="メイリオ" panose="020B0604030504040204" pitchFamily="50" charset="-128"/>
-              <a:ea typeface="メイリオ" panose="020B0604030504040204" pitchFamily="50" charset="-128"/>
-            </a:endParaRPr>
-          </a:p>
-          <a:p>
-            <a:pPr eaLnBrk="1" hangingPunct="1">
-              <a:lnSpc>
-                <a:spcPct val="80000"/>
-              </a:lnSpc>
-              <a:spcBef>
-                <a:spcPct val="20000"/>
-              </a:spcBef>
-            </a:pPr>
-            <a:r>
-              <a:rPr lang="en-US" altLang="ja-JP">
-                <a:latin typeface="メイリオ" panose="020B0604030504040204" pitchFamily="50" charset="-128"/>
-                <a:ea typeface="メイリオ" panose="020B0604030504040204" pitchFamily="50" charset="-128"/>
-              </a:rPr>
-              <a:t>	</a:t>
-            </a:r>
-            <a:r>
-              <a:rPr lang="ja-JP" altLang="en-US">
-                <a:latin typeface="メイリオ" panose="020B0604030504040204" pitchFamily="50" charset="-128"/>
-                <a:ea typeface="メイリオ" panose="020B0604030504040204" pitchFamily="50" charset="-128"/>
-              </a:rPr>
-              <a:t>　ソフトウェア設計以外で今回工夫した点を記入</a:t>
-            </a:r>
-            <a:endParaRPr lang="en-US" altLang="ja-JP">
-              <a:latin typeface="メイリオ" panose="020B0604030504040204" pitchFamily="50" charset="-128"/>
-              <a:ea typeface="メイリオ" panose="020B0604030504040204" pitchFamily="50" charset="-128"/>
-            </a:endParaRPr>
-          </a:p>
-          <a:p>
-            <a:pPr eaLnBrk="1" hangingPunct="1">
-              <a:lnSpc>
-                <a:spcPct val="80000"/>
-              </a:lnSpc>
-              <a:spcBef>
-                <a:spcPct val="20000"/>
-              </a:spcBef>
-            </a:pPr>
-            <a:r>
-              <a:rPr lang="en-US" altLang="ja-JP">
-                <a:latin typeface="メイリオ" panose="020B0604030504040204" pitchFamily="50" charset="-128"/>
-                <a:ea typeface="メイリオ" panose="020B0604030504040204" pitchFamily="50" charset="-128"/>
-              </a:rPr>
-              <a:t>	</a:t>
-            </a:r>
-            <a:r>
-              <a:rPr lang="ja-JP" altLang="en-US">
-                <a:latin typeface="メイリオ" panose="020B0604030504040204" pitchFamily="50" charset="-128"/>
-                <a:ea typeface="メイリオ" panose="020B0604030504040204" pitchFamily="50" charset="-128"/>
-              </a:rPr>
-              <a:t>　</a:t>
-            </a:r>
-            <a:r>
-              <a:rPr lang="en-US" altLang="ja-JP">
-                <a:latin typeface="メイリオ" panose="020B0604030504040204" pitchFamily="50" charset="-128"/>
-                <a:ea typeface="メイリオ" panose="020B0604030504040204" pitchFamily="50" charset="-128"/>
-              </a:rPr>
-              <a:t>※</a:t>
-            </a:r>
-            <a:r>
-              <a:rPr lang="ja-JP" altLang="en-US">
-                <a:latin typeface="メイリオ" panose="020B0604030504040204" pitchFamily="50" charset="-128"/>
-                <a:ea typeface="メイリオ" panose="020B0604030504040204" pitchFamily="50" charset="-128"/>
-              </a:rPr>
-              <a:t>モデルの概要や設計思想で書ききれない</a:t>
-            </a:r>
-            <a:endParaRPr lang="en-US" altLang="ja-JP">
-              <a:latin typeface="メイリオ" panose="020B0604030504040204" pitchFamily="50" charset="-128"/>
-              <a:ea typeface="メイリオ" panose="020B0604030504040204" pitchFamily="50" charset="-128"/>
-            </a:endParaRPr>
-          </a:p>
-          <a:p>
-            <a:pPr eaLnBrk="1" hangingPunct="1">
-              <a:lnSpc>
-                <a:spcPct val="80000"/>
-              </a:lnSpc>
-              <a:spcBef>
-                <a:spcPct val="20000"/>
-              </a:spcBef>
-            </a:pPr>
-            <a:r>
-              <a:rPr lang="en-US" altLang="ja-JP">
-                <a:latin typeface="メイリオ" panose="020B0604030504040204" pitchFamily="50" charset="-128"/>
-                <a:ea typeface="メイリオ" panose="020B0604030504040204" pitchFamily="50" charset="-128"/>
-              </a:rPr>
-              <a:t>	</a:t>
-            </a:r>
-            <a:r>
-              <a:rPr lang="ja-JP" altLang="en-US">
-                <a:latin typeface="メイリオ" panose="020B0604030504040204" pitchFamily="50" charset="-128"/>
-                <a:ea typeface="メイリオ" panose="020B0604030504040204" pitchFamily="50" charset="-128"/>
-              </a:rPr>
-              <a:t>　内容についての説明としてお使いください）</a:t>
-            </a:r>
-            <a:endParaRPr lang="en-US" altLang="ja-JP">
+              <a:rPr lang="ja-JP" altLang="en-US" dirty="0" smtClean="0">
+                <a:latin typeface="メイリオ" panose="020B0604030504040204" pitchFamily="50" charset="-128"/>
+                <a:ea typeface="メイリオ" panose="020B0604030504040204" pitchFamily="50" charset="-128"/>
+              </a:rPr>
+              <a:t>そして、コースデータと設定を入れ替える事で、どのコースでも走れるようにします。</a:t>
+            </a:r>
+            <a:endParaRPr lang="en-US" altLang="ja-JP" dirty="0" smtClean="0">
               <a:latin typeface="メイリオ" panose="020B0604030504040204" pitchFamily="50" charset="-128"/>
               <a:ea typeface="メイリオ" panose="020B0604030504040204" pitchFamily="50" charset="-128"/>
             </a:endParaRPr>
@@ -4119,8 +4179,8 @@
         </p:nvSpPr>
         <p:spPr bwMode="auto">
           <a:xfrm>
-            <a:off x="719138" y="2465388"/>
-            <a:ext cx="6480175" cy="7272337"/>
+            <a:off x="719138" y="2112964"/>
+            <a:ext cx="6480175" cy="7985470"/>
           </a:xfrm>
           <a:prstGeom prst="rect">
             <a:avLst/>
@@ -4129,25 +4189,7 @@
           <a:ln>
             <a:noFill/>
           </a:ln>
-          <a:extLst>
-            <a:ext uri="{909E8E84-426E-40DD-AFC4-6F175D3DCCD1}">
-              <a14:hiddenFill xmlns:a14="http://schemas.microsoft.com/office/drawing/2010/main">
-                <a:solidFill>
-                  <a:srgbClr val="FFFFFF"/>
-                </a:solidFill>
-              </a14:hiddenFill>
-            </a:ext>
-            <a:ext uri="{91240B29-F687-4F45-9708-019B960494DF}">
-              <a14:hiddenLine xmlns:a14="http://schemas.microsoft.com/office/drawing/2010/main" w="9525">
-                <a:solidFill>
-                  <a:srgbClr val="000000"/>
-                </a:solidFill>
-                <a:miter lim="800000"/>
-                <a:headEnd/>
-                <a:tailEnd/>
-              </a14:hiddenLine>
-            </a:ext>
-          </a:extLst>
+          <a:extLst/>
         </p:spPr>
         <p:txBody>
           <a:bodyPr lIns="142537" tIns="71269" rIns="142537" bIns="71269"/>
@@ -4268,14 +4310,14 @@
               </a:spcBef>
             </a:pPr>
             <a:r>
-              <a:rPr lang="en-US" altLang="ja-JP" sz="2400" b="1">
+              <a:rPr lang="en-US" altLang="ja-JP" sz="2400" b="1" u="sng" dirty="0">
                 <a:latin typeface="メイリオ" panose="020B0604030504040204" pitchFamily="50" charset="-128"/>
                 <a:ea typeface="メイリオ" panose="020B0604030504040204" pitchFamily="50" charset="-128"/>
               </a:rPr>
               <a:t>☆</a:t>
             </a:r>
             <a:r>
-              <a:rPr lang="ja-JP" altLang="en-US" sz="2400" b="1">
+              <a:rPr lang="ja-JP" altLang="en-US" sz="2400" b="1" u="sng" dirty="0">
                 <a:latin typeface="メイリオ" panose="020B0604030504040204" pitchFamily="50" charset="-128"/>
                 <a:ea typeface="メイリオ" panose="020B0604030504040204" pitchFamily="50" charset="-128"/>
               </a:rPr>
@@ -4291,7 +4333,7 @@
                 <a:spcPts val="600"/>
               </a:spcBef>
             </a:pPr>
-            <a:endParaRPr lang="en-US" altLang="ja-JP">
+            <a:endParaRPr lang="en-US" altLang="ja-JP" dirty="0">
               <a:latin typeface="メイリオ" panose="020B0604030504040204" pitchFamily="50" charset="-128"/>
               <a:ea typeface="メイリオ" panose="020B0604030504040204" pitchFamily="50" charset="-128"/>
             </a:endParaRPr>
@@ -4306,69 +4348,41 @@
               </a:spcBef>
             </a:pPr>
             <a:r>
-              <a:rPr lang="ja-JP" altLang="en-US">
-                <a:latin typeface="メイリオ" panose="020B0604030504040204" pitchFamily="50" charset="-128"/>
-                <a:ea typeface="メイリオ" panose="020B0604030504040204" pitchFamily="50" charset="-128"/>
-              </a:rPr>
-              <a:t>新横浜事業所に所属する</a:t>
-            </a:r>
-            <a:r>
-              <a:rPr lang="en-US" altLang="ja-JP">
+              <a:rPr lang="ja-JP" altLang="en-US" dirty="0" smtClean="0">
+                <a:latin typeface="メイリオ" panose="020B0604030504040204" pitchFamily="50" charset="-128"/>
+                <a:ea typeface="メイリオ" panose="020B0604030504040204" pitchFamily="50" charset="-128"/>
+              </a:rPr>
+              <a:t>組み込み機器向けのシステム開発を主におこなう新横浜事業所所属</a:t>
+            </a:r>
+            <a:r>
+              <a:rPr lang="ja-JP" altLang="en-US" dirty="0">
+                <a:latin typeface="メイリオ" panose="020B0604030504040204" pitchFamily="50" charset="-128"/>
+                <a:ea typeface="メイリオ" panose="020B0604030504040204" pitchFamily="50" charset="-128"/>
+              </a:rPr>
+              <a:t>の</a:t>
+            </a:r>
+            <a:r>
+              <a:rPr lang="en-US" altLang="ja-JP" dirty="0" smtClean="0">
                 <a:latin typeface="メイリオ" panose="020B0604030504040204" pitchFamily="50" charset="-128"/>
                 <a:ea typeface="メイリオ" panose="020B0604030504040204" pitchFamily="50" charset="-128"/>
               </a:rPr>
               <a:t>4</a:t>
             </a:r>
             <a:r>
-              <a:rPr lang="ja-JP" altLang="en-US">
-                <a:latin typeface="メイリオ" panose="020B0604030504040204" pitchFamily="50" charset="-128"/>
-                <a:ea typeface="メイリオ" panose="020B0604030504040204" pitchFamily="50" charset="-128"/>
-              </a:rPr>
-              <a:t>人</a:t>
-            </a:r>
-            <a:r>
-              <a:rPr lang="en-US" altLang="ja-JP">
-                <a:latin typeface="メイリオ" panose="020B0604030504040204" pitchFamily="50" charset="-128"/>
-                <a:ea typeface="メイリオ" panose="020B0604030504040204" pitchFamily="50" charset="-128"/>
-              </a:rPr>
-              <a:t>(</a:t>
-            </a:r>
-            <a:r>
-              <a:rPr lang="ja-JP" altLang="en-US">
-                <a:latin typeface="メイリオ" panose="020B0604030504040204" pitchFamily="50" charset="-128"/>
-                <a:ea typeface="メイリオ" panose="020B0604030504040204" pitchFamily="50" charset="-128"/>
-              </a:rPr>
-              <a:t>勤務は</a:t>
-            </a:r>
-            <a:r>
-              <a:rPr lang="en-US" altLang="ja-JP">
-                <a:latin typeface="メイリオ" panose="020B0604030504040204" pitchFamily="50" charset="-128"/>
-                <a:ea typeface="メイリオ" panose="020B0604030504040204" pitchFamily="50" charset="-128"/>
-              </a:rPr>
-              <a:t>1</a:t>
-            </a:r>
-            <a:r>
-              <a:rPr lang="ja-JP" altLang="en-US">
-                <a:latin typeface="メイリオ" panose="020B0604030504040204" pitchFamily="50" charset="-128"/>
-                <a:ea typeface="メイリオ" panose="020B0604030504040204" pitchFamily="50" charset="-128"/>
-              </a:rPr>
-              <a:t>人</a:t>
-            </a:r>
-            <a:r>
-              <a:rPr lang="en-US" altLang="ja-JP">
-                <a:latin typeface="メイリオ" panose="020B0604030504040204" pitchFamily="50" charset="-128"/>
-                <a:ea typeface="メイリオ" panose="020B0604030504040204" pitchFamily="50" charset="-128"/>
-              </a:rPr>
-              <a:t>)</a:t>
-            </a:r>
-            <a:r>
-              <a:rPr lang="ja-JP" altLang="en-US">
-                <a:latin typeface="メイリオ" panose="020B0604030504040204" pitchFamily="50" charset="-128"/>
-                <a:ea typeface="メイリオ" panose="020B0604030504040204" pitchFamily="50" charset="-128"/>
-              </a:rPr>
-              <a:t>で、「とりあえず、これで出しとくね」というイキヨイでチーム名を出してみました。</a:t>
-            </a:r>
-            <a:endParaRPr lang="en-US" altLang="ja-JP">
+              <a:rPr lang="ja-JP" altLang="en-US" dirty="0" smtClean="0">
+                <a:latin typeface="メイリオ" panose="020B0604030504040204" pitchFamily="50" charset="-128"/>
+                <a:ea typeface="メイリオ" panose="020B0604030504040204" pitchFamily="50" charset="-128"/>
+              </a:rPr>
+              <a:t>人で</a:t>
+            </a:r>
+            <a:r>
+              <a:rPr lang="ja-JP" altLang="en-US" dirty="0" smtClean="0">
+                <a:latin typeface="メイリオ" panose="020B0604030504040204" pitchFamily="50" charset="-128"/>
+                <a:ea typeface="メイリオ" panose="020B0604030504040204" pitchFamily="50" charset="-128"/>
+              </a:rPr>
+              <a:t>す。</a:t>
+            </a:r>
+            <a:endParaRPr lang="en-US" altLang="ja-JP" dirty="0" smtClean="0">
               <a:latin typeface="メイリオ" panose="020B0604030504040204" pitchFamily="50" charset="-128"/>
               <a:ea typeface="メイリオ" panose="020B0604030504040204" pitchFamily="50" charset="-128"/>
             </a:endParaRPr>
@@ -4382,7 +4396,7 @@
                 <a:spcPts val="600"/>
               </a:spcBef>
             </a:pPr>
-            <a:endParaRPr lang="en-US" altLang="ja-JP">
+            <a:endParaRPr lang="en-US" altLang="ja-JP" dirty="0" smtClean="0">
               <a:latin typeface="メイリオ" panose="020B0604030504040204" pitchFamily="50" charset="-128"/>
               <a:ea typeface="メイリオ" panose="020B0604030504040204" pitchFamily="50" charset="-128"/>
             </a:endParaRPr>
@@ -4397,13 +4411,144 @@
               </a:spcBef>
             </a:pPr>
             <a:r>
-              <a:rPr lang="ja-JP" altLang="en-US">
-                <a:latin typeface="メイリオ" panose="020B0604030504040204" pitchFamily="50" charset="-128"/>
-                <a:ea typeface="メイリオ" panose="020B0604030504040204" pitchFamily="50" charset="-128"/>
-              </a:rPr>
-              <a:t>しんよこはいいぞ</a:t>
-            </a:r>
-            <a:endParaRPr lang="en-US" altLang="ja-JP">
+              <a:rPr lang="az-Cyrl-AZ" altLang="ja-JP" dirty="0">
+                <a:latin typeface="メイリオ" panose="020B0604030504040204" pitchFamily="50" charset="-128"/>
+                <a:ea typeface="メイリオ" panose="020B0604030504040204" pitchFamily="50" charset="-128"/>
+              </a:rPr>
+              <a:t>(´Д</a:t>
+            </a:r>
+            <a:r>
+              <a:rPr lang="ja-JP" altLang="az-Cyrl-AZ" dirty="0">
+                <a:latin typeface="メイリオ" panose="020B0604030504040204" pitchFamily="50" charset="-128"/>
+                <a:ea typeface="メイリオ" panose="020B0604030504040204" pitchFamily="50" charset="-128"/>
+              </a:rPr>
+              <a:t>｀ </a:t>
+            </a:r>
+            <a:r>
+              <a:rPr lang="az-Cyrl-AZ" altLang="ja-JP" dirty="0">
+                <a:latin typeface="メイリオ" panose="020B0604030504040204" pitchFamily="50" charset="-128"/>
+                <a:ea typeface="メイリオ" panose="020B0604030504040204" pitchFamily="50" charset="-128"/>
+              </a:rPr>
+              <a:t>) </a:t>
+            </a:r>
+            <a:r>
+              <a:rPr lang="ja-JP" altLang="en-US" dirty="0" smtClean="0">
+                <a:latin typeface="メイリオ" panose="020B0604030504040204" pitchFamily="50" charset="-128"/>
+                <a:ea typeface="メイリオ" panose="020B0604030504040204" pitchFamily="50" charset="-128"/>
+              </a:rPr>
+              <a:t>「</a:t>
+            </a:r>
+            <a:r>
+              <a:rPr lang="ja-JP" altLang="en-US" dirty="0">
+                <a:latin typeface="メイリオ" panose="020B0604030504040204" pitchFamily="50" charset="-128"/>
+                <a:ea typeface="メイリオ" panose="020B0604030504040204" pitchFamily="50" charset="-128"/>
+              </a:rPr>
+              <a:t>とりあえず、これ</a:t>
+            </a:r>
+            <a:r>
+              <a:rPr lang="ja-JP" altLang="en-US" dirty="0" smtClean="0">
+                <a:latin typeface="メイリオ" panose="020B0604030504040204" pitchFamily="50" charset="-128"/>
+                <a:ea typeface="メイリオ" panose="020B0604030504040204" pitchFamily="50" charset="-128"/>
+              </a:rPr>
+              <a:t>でチーム名、出しとくね」</a:t>
+            </a:r>
+            <a:r>
+              <a:rPr lang="en-US" altLang="ja-JP" dirty="0" smtClean="0">
+                <a:latin typeface="メイリオ" panose="020B0604030504040204" pitchFamily="50" charset="-128"/>
+                <a:ea typeface="メイリオ" panose="020B0604030504040204" pitchFamily="50" charset="-128"/>
+              </a:rPr>
+              <a:t/>
+            </a:r>
+            <a:br>
+              <a:rPr lang="en-US" altLang="ja-JP" dirty="0" smtClean="0">
+                <a:latin typeface="メイリオ" panose="020B0604030504040204" pitchFamily="50" charset="-128"/>
+                <a:ea typeface="メイリオ" panose="020B0604030504040204" pitchFamily="50" charset="-128"/>
+              </a:rPr>
+            </a:br>
+            <a:r>
+              <a:rPr lang="az-Cyrl-AZ" altLang="ja-JP" dirty="0" smtClean="0">
+                <a:latin typeface="メイリオ" panose="020B0604030504040204" pitchFamily="50" charset="-128"/>
+                <a:ea typeface="メイリオ" panose="020B0604030504040204" pitchFamily="50" charset="-128"/>
+              </a:rPr>
+              <a:t>(</a:t>
+            </a:r>
+            <a:r>
+              <a:rPr lang="ja-JP" altLang="az-Cyrl-AZ" dirty="0" err="1">
+                <a:latin typeface="メイリオ" panose="020B0604030504040204" pitchFamily="50" charset="-128"/>
+                <a:ea typeface="メイリオ" panose="020B0604030504040204" pitchFamily="50" charset="-128"/>
+              </a:rPr>
+              <a:t>゜</a:t>
+            </a:r>
+            <a:r>
+              <a:rPr lang="az-Cyrl-AZ" altLang="ja-JP" dirty="0">
+                <a:latin typeface="メイリオ" panose="020B0604030504040204" pitchFamily="50" charset="-128"/>
+                <a:ea typeface="メイリオ" panose="020B0604030504040204" pitchFamily="50" charset="-128"/>
+              </a:rPr>
+              <a:t>д</a:t>
+            </a:r>
+            <a:r>
+              <a:rPr lang="ja-JP" altLang="az-Cyrl-AZ" dirty="0" err="1">
+                <a:latin typeface="メイリオ" panose="020B0604030504040204" pitchFamily="50" charset="-128"/>
+                <a:ea typeface="メイリオ" panose="020B0604030504040204" pitchFamily="50" charset="-128"/>
+              </a:rPr>
+              <a:t>゜</a:t>
+            </a:r>
+            <a:r>
+              <a:rPr lang="az-Cyrl-AZ" altLang="ja-JP" dirty="0">
+                <a:latin typeface="メイリオ" panose="020B0604030504040204" pitchFamily="50" charset="-128"/>
+                <a:ea typeface="メイリオ" panose="020B0604030504040204" pitchFamily="50" charset="-128"/>
+              </a:rPr>
+              <a:t>) </a:t>
+            </a:r>
+            <a:r>
+              <a:rPr lang="ja-JP" altLang="en-US" dirty="0" smtClean="0">
+                <a:latin typeface="メイリオ" panose="020B0604030504040204" pitchFamily="50" charset="-128"/>
+                <a:ea typeface="メイリオ" panose="020B0604030504040204" pitchFamily="50" charset="-128"/>
+              </a:rPr>
+              <a:t>「まじか」</a:t>
+            </a:r>
+            <a:r>
+              <a:rPr lang="en-US" altLang="ja-JP" dirty="0" smtClean="0">
+                <a:latin typeface="メイリオ" panose="020B0604030504040204" pitchFamily="50" charset="-128"/>
+                <a:ea typeface="メイリオ" panose="020B0604030504040204" pitchFamily="50" charset="-128"/>
+              </a:rPr>
+              <a:t/>
+            </a:r>
+            <a:br>
+              <a:rPr lang="en-US" altLang="ja-JP" dirty="0" smtClean="0">
+                <a:latin typeface="メイリオ" panose="020B0604030504040204" pitchFamily="50" charset="-128"/>
+                <a:ea typeface="メイリオ" panose="020B0604030504040204" pitchFamily="50" charset="-128"/>
+              </a:rPr>
+            </a:br>
+            <a:r>
+              <a:rPr lang="ja-JP" altLang="en-US" dirty="0" smtClean="0">
+                <a:latin typeface="メイリオ" panose="020B0604030504040204" pitchFamily="50" charset="-128"/>
+                <a:ea typeface="メイリオ" panose="020B0604030504040204" pitchFamily="50" charset="-128"/>
+              </a:rPr>
+              <a:t>と</a:t>
+            </a:r>
+            <a:r>
+              <a:rPr lang="ja-JP" altLang="en-US" dirty="0">
+                <a:latin typeface="メイリオ" panose="020B0604030504040204" pitchFamily="50" charset="-128"/>
+                <a:ea typeface="メイリオ" panose="020B0604030504040204" pitchFamily="50" charset="-128"/>
+              </a:rPr>
+              <a:t>いう</a:t>
+            </a:r>
+            <a:r>
+              <a:rPr lang="ja-JP" altLang="en-US" dirty="0" smtClean="0">
+                <a:latin typeface="メイリオ" panose="020B0604030504040204" pitchFamily="50" charset="-128"/>
+                <a:ea typeface="メイリオ" panose="020B0604030504040204" pitchFamily="50" charset="-128"/>
+              </a:rPr>
+              <a:t>イキヨイで出してみました</a:t>
+            </a:r>
+            <a:r>
+              <a:rPr lang="ja-JP" altLang="en-US" dirty="0">
+                <a:latin typeface="メイリオ" panose="020B0604030504040204" pitchFamily="50" charset="-128"/>
+                <a:ea typeface="メイリオ" panose="020B0604030504040204" pitchFamily="50" charset="-128"/>
+              </a:rPr>
+              <a:t>。</a:t>
+            </a:r>
+            <a:endParaRPr lang="en-US" altLang="ja-JP" dirty="0">
               <a:latin typeface="メイリオ" panose="020B0604030504040204" pitchFamily="50" charset="-128"/>
               <a:ea typeface="メイリオ" panose="020B0604030504040204" pitchFamily="50" charset="-128"/>
             </a:endParaRPr>
@@ -4417,7 +4562,7 @@
                 <a:spcPts val="600"/>
               </a:spcBef>
             </a:pPr>
-            <a:endParaRPr lang="ja-JP" altLang="en-US">
+            <a:endParaRPr lang="en-US" altLang="ja-JP" dirty="0">
               <a:latin typeface="メイリオ" panose="020B0604030504040204" pitchFamily="50" charset="-128"/>
               <a:ea typeface="メイリオ" panose="020B0604030504040204" pitchFamily="50" charset="-128"/>
             </a:endParaRPr>
@@ -4432,12 +4577,16 @@
               </a:spcBef>
             </a:pPr>
             <a:r>
-              <a:rPr lang="ja-JP" altLang="en-US" sz="2400" b="1">
-                <a:latin typeface="メイリオ" panose="020B0604030504040204" pitchFamily="50" charset="-128"/>
-                <a:ea typeface="メイリオ" panose="020B0604030504040204" pitchFamily="50" charset="-128"/>
-              </a:rPr>
-              <a:t>☆組込み、そしてモデリングの未来へ一言</a:t>
-            </a:r>
+              <a:rPr lang="ja-JP" altLang="en-US" dirty="0">
+                <a:latin typeface="メイリオ" panose="020B0604030504040204" pitchFamily="50" charset="-128"/>
+                <a:ea typeface="メイリオ" panose="020B0604030504040204" pitchFamily="50" charset="-128"/>
+              </a:rPr>
+              <a:t>しんよこはいいぞ</a:t>
+            </a:r>
+            <a:endParaRPr lang="en-US" altLang="ja-JP" dirty="0">
+              <a:latin typeface="メイリオ" panose="020B0604030504040204" pitchFamily="50" charset="-128"/>
+              <a:ea typeface="メイリオ" panose="020B0604030504040204" pitchFamily="50" charset="-128"/>
+            </a:endParaRPr>
           </a:p>
           <a:p>
             <a:pPr eaLnBrk="1" hangingPunct="1">
@@ -4448,7 +4597,7 @@
                 <a:spcPts val="600"/>
               </a:spcBef>
             </a:pPr>
-            <a:endParaRPr lang="en-US" altLang="ja-JP">
+            <a:endParaRPr lang="ja-JP" altLang="en-US" dirty="0">
               <a:latin typeface="メイリオ" panose="020B0604030504040204" pitchFamily="50" charset="-128"/>
               <a:ea typeface="メイリオ" panose="020B0604030504040204" pitchFamily="50" charset="-128"/>
             </a:endParaRPr>
@@ -4463,16 +4612,12 @@
               </a:spcBef>
             </a:pPr>
             <a:r>
-              <a:rPr lang="ja-JP" altLang="en-US">
-                <a:latin typeface="メイリオ" panose="020B0604030504040204" pitchFamily="50" charset="-128"/>
-                <a:ea typeface="メイリオ" panose="020B0604030504040204" pitchFamily="50" charset="-128"/>
-              </a:rPr>
-              <a:t>現在、組み込み開発において、短期間で複数の複雑なプロダクトを作り、リリースしています。</a:t>
-            </a:r>
-            <a:endParaRPr lang="en-US" altLang="ja-JP">
-              <a:latin typeface="メイリオ" panose="020B0604030504040204" pitchFamily="50" charset="-128"/>
-              <a:ea typeface="メイリオ" panose="020B0604030504040204" pitchFamily="50" charset="-128"/>
-            </a:endParaRPr>
+              <a:rPr lang="ja-JP" altLang="en-US" sz="2400" b="1" u="sng" dirty="0">
+                <a:latin typeface="メイリオ" panose="020B0604030504040204" pitchFamily="50" charset="-128"/>
+                <a:ea typeface="メイリオ" panose="020B0604030504040204" pitchFamily="50" charset="-128"/>
+              </a:rPr>
+              <a:t>☆組込み、そしてモデリングの未来へ一言</a:t>
+            </a:r>
           </a:p>
           <a:p>
             <a:pPr eaLnBrk="1" hangingPunct="1">
@@ -4483,14 +4628,7 @@
                 <a:spcPts val="600"/>
               </a:spcBef>
             </a:pPr>
-            <a:r>
-              <a:rPr lang="ja-JP" altLang="en-US">
-                <a:latin typeface="メイリオ" panose="020B0604030504040204" pitchFamily="50" charset="-128"/>
-                <a:ea typeface="メイリオ" panose="020B0604030504040204" pitchFamily="50" charset="-128"/>
-              </a:rPr>
-              <a:t>難しい開発を成功させる為には、開発者間の情報共有が重要です。短時間で正しく「何を、どう作るか。また、変更しやすく作るか」を共有する為の手段として、モデリングは重要です。</a:t>
-            </a:r>
-            <a:endParaRPr lang="en-US" altLang="ja-JP">
+            <a:endParaRPr lang="en-US" altLang="ja-JP" dirty="0">
               <a:latin typeface="メイリオ" panose="020B0604030504040204" pitchFamily="50" charset="-128"/>
               <a:ea typeface="メイリオ" panose="020B0604030504040204" pitchFamily="50" charset="-128"/>
             </a:endParaRPr>
@@ -4504,7 +4642,14 @@
                 <a:spcPts val="600"/>
               </a:spcBef>
             </a:pPr>
-            <a:endParaRPr lang="en-US" altLang="ja-JP">
+            <a:r>
+              <a:rPr lang="ja-JP" altLang="en-US" dirty="0">
+                <a:latin typeface="メイリオ" panose="020B0604030504040204" pitchFamily="50" charset="-128"/>
+                <a:ea typeface="メイリオ" panose="020B0604030504040204" pitchFamily="50" charset="-128"/>
+              </a:rPr>
+              <a:t>現在、組み込み開発において、短期間で複数の複雑なプロダクトを作り、リリースしています。</a:t>
+            </a:r>
+            <a:endParaRPr lang="en-US" altLang="ja-JP" dirty="0">
               <a:latin typeface="メイリオ" panose="020B0604030504040204" pitchFamily="50" charset="-128"/>
               <a:ea typeface="メイリオ" panose="020B0604030504040204" pitchFamily="50" charset="-128"/>
             </a:endParaRPr>
@@ -4519,12 +4664,30 @@
               </a:spcBef>
             </a:pPr>
             <a:r>
-              <a:rPr lang="ja-JP" altLang="en-US" sz="2400" b="1">
-                <a:latin typeface="メイリオ" panose="020B0604030504040204" pitchFamily="50" charset="-128"/>
-                <a:ea typeface="メイリオ" panose="020B0604030504040204" pitchFamily="50" charset="-128"/>
-              </a:rPr>
-              <a:t>☆コンテストにかける意気込み、アピール</a:t>
-            </a:r>
+              <a:rPr lang="ja-JP" altLang="en-US" dirty="0">
+                <a:latin typeface="メイリオ" panose="020B0604030504040204" pitchFamily="50" charset="-128"/>
+                <a:ea typeface="メイリオ" panose="020B0604030504040204" pitchFamily="50" charset="-128"/>
+              </a:rPr>
+              <a:t>難しい開発を成功させる為には、開発者間の情報共有が重要です。短時間で正しく「何を、どう作るか。また、変更しやすく作るか」を共有する</a:t>
+            </a:r>
+            <a:r>
+              <a:rPr lang="ja-JP" altLang="en-US" dirty="0" smtClean="0">
+                <a:latin typeface="メイリオ" panose="020B0604030504040204" pitchFamily="50" charset="-128"/>
+                <a:ea typeface="メイリオ" panose="020B0604030504040204" pitchFamily="50" charset="-128"/>
+              </a:rPr>
+              <a:t>為に、設計の意図を正しくモデリングし</a:t>
+            </a:r>
+            <a:r>
+              <a:rPr lang="ja-JP" altLang="en-US" dirty="0" smtClean="0">
+                <a:latin typeface="メイリオ" panose="020B0604030504040204" pitchFamily="50" charset="-128"/>
+                <a:ea typeface="メイリオ" panose="020B0604030504040204" pitchFamily="50" charset="-128"/>
+              </a:rPr>
+              <a:t>、意図を正しく伝えるためにどうすべきかを、日々考え、実践していくことを願います。</a:t>
+            </a:r>
+            <a:endParaRPr lang="en-US" altLang="ja-JP" dirty="0">
+              <a:latin typeface="メイリオ" panose="020B0604030504040204" pitchFamily="50" charset="-128"/>
+              <a:ea typeface="メイリオ" panose="020B0604030504040204" pitchFamily="50" charset="-128"/>
+            </a:endParaRPr>
           </a:p>
           <a:p>
             <a:pPr eaLnBrk="1" hangingPunct="1">
@@ -4535,7 +4698,7 @@
                 <a:spcPts val="600"/>
               </a:spcBef>
             </a:pPr>
-            <a:endParaRPr lang="en-US" altLang="ja-JP">
+            <a:endParaRPr lang="en-US" altLang="ja-JP" dirty="0">
               <a:latin typeface="メイリオ" panose="020B0604030504040204" pitchFamily="50" charset="-128"/>
               <a:ea typeface="メイリオ" panose="020B0604030504040204" pitchFamily="50" charset="-128"/>
             </a:endParaRPr>
@@ -4550,16 +4713,12 @@
               </a:spcBef>
             </a:pPr>
             <a:r>
-              <a:rPr lang="ja-JP" altLang="en-US">
-                <a:latin typeface="メイリオ" panose="020B0604030504040204" pitchFamily="50" charset="-128"/>
-                <a:ea typeface="メイリオ" panose="020B0604030504040204" pitchFamily="50" charset="-128"/>
-              </a:rPr>
-              <a:t>今年は、「工数をかけずに、汎用可能な技術を盛り込み、安定した品質のプロダクトを作成する」を裏テーマに、がんばっています。</a:t>
-            </a:r>
-            <a:endParaRPr lang="en-US" altLang="ja-JP">
-              <a:latin typeface="メイリオ" panose="020B0604030504040204" pitchFamily="50" charset="-128"/>
-              <a:ea typeface="メイリオ" panose="020B0604030504040204" pitchFamily="50" charset="-128"/>
-            </a:endParaRPr>
+              <a:rPr lang="ja-JP" altLang="en-US" sz="2400" b="1" u="sng" dirty="0">
+                <a:latin typeface="メイリオ" panose="020B0604030504040204" pitchFamily="50" charset="-128"/>
+                <a:ea typeface="メイリオ" panose="020B0604030504040204" pitchFamily="50" charset="-128"/>
+              </a:rPr>
+              <a:t>☆コンテストにかける意気込み、アピール</a:t>
+            </a:r>
           </a:p>
           <a:p>
             <a:pPr eaLnBrk="1" hangingPunct="1">
@@ -4570,7 +4729,7 @@
                 <a:spcPts val="600"/>
               </a:spcBef>
             </a:pPr>
-            <a:endParaRPr lang="en-US" altLang="ja-JP">
+            <a:endParaRPr lang="en-US" altLang="ja-JP" dirty="0">
               <a:latin typeface="メイリオ" panose="020B0604030504040204" pitchFamily="50" charset="-128"/>
               <a:ea typeface="メイリオ" panose="020B0604030504040204" pitchFamily="50" charset="-128"/>
             </a:endParaRPr>
@@ -4585,34 +4744,153 @@
               </a:spcBef>
             </a:pPr>
             <a:r>
-              <a:rPr lang="ko-KR" altLang="en-US"/>
+              <a:rPr lang="ja-JP" altLang="en-US" b="1" dirty="0" smtClean="0">
+                <a:latin typeface="メイリオ" panose="020B0604030504040204" pitchFamily="50" charset="-128"/>
+                <a:ea typeface="メイリオ" panose="020B0604030504040204" pitchFamily="50" charset="-128"/>
+              </a:rPr>
+              <a:t>目標は、</a:t>
+            </a:r>
+            <a:r>
+              <a:rPr lang="en-US" altLang="ja-JP" b="1" dirty="0" smtClean="0">
+                <a:latin typeface="メイリオ" panose="020B0604030504040204" pitchFamily="50" charset="-128"/>
+                <a:ea typeface="メイリオ" panose="020B0604030504040204" pitchFamily="50" charset="-128"/>
+              </a:rPr>
+              <a:t>(</a:t>
+            </a:r>
+            <a:r>
+              <a:rPr lang="ja-JP" altLang="en-US" b="1" dirty="0" smtClean="0">
+                <a:latin typeface="メイリオ" panose="020B0604030504040204" pitchFamily="50" charset="-128"/>
+                <a:ea typeface="メイリオ" panose="020B0604030504040204" pitchFamily="50" charset="-128"/>
+              </a:rPr>
+              <a:t>事故ら</a:t>
+            </a:r>
+            <a:r>
+              <a:rPr lang="ja-JP" altLang="en-US" b="1" dirty="0" err="1" smtClean="0">
+                <a:latin typeface="メイリオ" panose="020B0604030504040204" pitchFamily="50" charset="-128"/>
+                <a:ea typeface="メイリオ" panose="020B0604030504040204" pitchFamily="50" charset="-128"/>
+              </a:rPr>
+              <a:t>ず</a:t>
+            </a:r>
+            <a:r>
+              <a:rPr lang="en-US" altLang="ja-JP" b="1" dirty="0">
+                <a:latin typeface="メイリオ" panose="020B0604030504040204" pitchFamily="50" charset="-128"/>
+                <a:ea typeface="メイリオ" panose="020B0604030504040204" pitchFamily="50" charset="-128"/>
+              </a:rPr>
+              <a:t>)</a:t>
+            </a:r>
+            <a:r>
+              <a:rPr lang="ja-JP" altLang="en-US" b="1" dirty="0" smtClean="0">
+                <a:latin typeface="メイリオ" panose="020B0604030504040204" pitchFamily="50" charset="-128"/>
+                <a:ea typeface="メイリオ" panose="020B0604030504040204" pitchFamily="50" charset="-128"/>
+              </a:rPr>
+              <a:t>完走！</a:t>
+            </a:r>
+            <a:endParaRPr lang="en-US" altLang="ja-JP" b="1" dirty="0" smtClean="0">
+              <a:latin typeface="メイリオ" panose="020B0604030504040204" pitchFamily="50" charset="-128"/>
+              <a:ea typeface="メイリオ" panose="020B0604030504040204" pitchFamily="50" charset="-128"/>
+            </a:endParaRPr>
+          </a:p>
+          <a:p>
+            <a:pPr eaLnBrk="1" hangingPunct="1">
+              <a:lnSpc>
+                <a:spcPct val="80000"/>
+              </a:lnSpc>
+              <a:spcBef>
+                <a:spcPts val="600"/>
+              </a:spcBef>
+            </a:pPr>
+            <a:r>
+              <a:rPr lang="ja-JP" altLang="en-US" dirty="0" smtClean="0">
+                <a:latin typeface="メイリオ" panose="020B0604030504040204" pitchFamily="50" charset="-128"/>
+                <a:ea typeface="メイリオ" panose="020B0604030504040204" pitchFamily="50" charset="-128"/>
+              </a:rPr>
+              <a:t>ここ数年、発進すら危うかったので、</a:t>
+            </a:r>
+            <a:r>
+              <a:rPr lang="en-US" altLang="ja-JP" dirty="0" smtClean="0">
+                <a:latin typeface="メイリオ" panose="020B0604030504040204" pitchFamily="50" charset="-128"/>
+                <a:ea typeface="メイリオ" panose="020B0604030504040204" pitchFamily="50" charset="-128"/>
+              </a:rPr>
+              <a:t>C++</a:t>
+            </a:r>
+            <a:r>
+              <a:rPr lang="ja-JP" altLang="en-US" dirty="0" smtClean="0">
+                <a:latin typeface="メイリオ" panose="020B0604030504040204" pitchFamily="50" charset="-128"/>
+                <a:ea typeface="メイリオ" panose="020B0604030504040204" pitchFamily="50" charset="-128"/>
+              </a:rPr>
+              <a:t>を採用し、着実に走行体を走らせる事を第一に考え、設計します。</a:t>
+            </a:r>
+            <a:endParaRPr lang="en-US" altLang="ja-JP" dirty="0" smtClean="0">
+              <a:latin typeface="メイリオ" panose="020B0604030504040204" pitchFamily="50" charset="-128"/>
+              <a:ea typeface="メイリオ" panose="020B0604030504040204" pitchFamily="50" charset="-128"/>
+            </a:endParaRPr>
+          </a:p>
+          <a:p>
+            <a:pPr eaLnBrk="1" hangingPunct="1">
+              <a:lnSpc>
+                <a:spcPct val="80000"/>
+              </a:lnSpc>
+              <a:spcBef>
+                <a:spcPts val="600"/>
+              </a:spcBef>
+            </a:pPr>
+            <a:r>
+              <a:rPr lang="ja-JP" altLang="en-US" dirty="0" smtClean="0">
+                <a:latin typeface="メイリオ" panose="020B0604030504040204" pitchFamily="50" charset="-128"/>
+                <a:ea typeface="メイリオ" panose="020B0604030504040204" pitchFamily="50" charset="-128"/>
+              </a:rPr>
+              <a:t>また、今回は、変更にツヨイだけではなく、どう読まれるかも意識してモデル図を作成しました。</a:t>
+            </a:r>
+            <a:endParaRPr lang="en-US" altLang="ja-JP" dirty="0" smtClean="0">
+              <a:latin typeface="メイリオ" panose="020B0604030504040204" pitchFamily="50" charset="-128"/>
+              <a:ea typeface="メイリオ" panose="020B0604030504040204" pitchFamily="50" charset="-128"/>
+            </a:endParaRPr>
+          </a:p>
+          <a:p>
+            <a:pPr eaLnBrk="1" hangingPunct="1">
+              <a:lnSpc>
+                <a:spcPct val="80000"/>
+              </a:lnSpc>
+              <a:spcBef>
+                <a:spcPts val="600"/>
+              </a:spcBef>
+            </a:pPr>
+            <a:r>
+              <a:rPr lang="ja-JP" altLang="en-US" dirty="0" smtClean="0">
+                <a:latin typeface="メイリオ" panose="020B0604030504040204" pitchFamily="50" charset="-128"/>
+                <a:ea typeface="メイリオ" panose="020B0604030504040204" pitchFamily="50" charset="-128"/>
+              </a:rPr>
+              <a:t>     </a:t>
+            </a:r>
+            <a:r>
+              <a:rPr lang="ko-KR" altLang="en-US" dirty="0" smtClean="0"/>
               <a:t>╭</a:t>
             </a:r>
             <a:r>
-              <a:rPr lang="en-US" altLang="ko-KR"/>
+              <a:rPr lang="en-US" altLang="ko-KR" dirty="0"/>
               <a:t>( </a:t>
             </a:r>
             <a:r>
-              <a:rPr lang="ko-KR" altLang="en-US"/>
+              <a:rPr lang="ko-KR" altLang="en-US" dirty="0"/>
               <a:t>･ㅂ･</a:t>
             </a:r>
             <a:r>
-              <a:rPr lang="en-US" altLang="ko-KR"/>
+              <a:rPr lang="en-US" altLang="ko-KR" dirty="0"/>
               <a:t>)</a:t>
             </a:r>
             <a:r>
-              <a:rPr lang="ar-AE" altLang="ja-JP"/>
+              <a:rPr lang="ar-AE" altLang="ja-JP" dirty="0"/>
               <a:t>و ̑̑ </a:t>
             </a:r>
             <a:r>
-              <a:rPr lang="ja-JP" altLang="en-US"/>
+              <a:rPr lang="ja-JP" altLang="en-US" dirty="0"/>
               <a:t> ｸﾞｯ </a:t>
             </a:r>
             <a:r>
-              <a:rPr lang="en-US" altLang="ja-JP"/>
+              <a:rPr lang="en-US" altLang="ja-JP" dirty="0" smtClean="0"/>
               <a:t>!</a:t>
             </a:r>
-            <a:endParaRPr lang="en-US" altLang="ja-JP">
+            <a:endParaRPr lang="en-US" altLang="ja-JP" dirty="0">
               <a:latin typeface="メイリオ" panose="020B0604030504040204" pitchFamily="50" charset="-128"/>
               <a:ea typeface="メイリオ" panose="020B0604030504040204" pitchFamily="50" charset="-128"/>
             </a:endParaRPr>

--- a/design/2016/models/concept_sheet2016_253.pptx
+++ b/design/2016/models/concept_sheet2016_253.pptx
@@ -3831,88 +3831,53 @@
               </a:spcBef>
             </a:pPr>
             <a:r>
+              <a:rPr lang="ja-JP" altLang="en-US" b="1" dirty="0" smtClean="0">
+                <a:latin typeface="メイリオ" panose="020B0604030504040204" pitchFamily="50" charset="-128"/>
+                <a:ea typeface="メイリオ" panose="020B0604030504040204" pitchFamily="50" charset="-128"/>
+              </a:rPr>
+              <a:t>ラインに縛られずに走行する</a:t>
+            </a:r>
+            <a:endParaRPr lang="en-US" altLang="ja-JP" b="1" dirty="0" smtClean="0">
+              <a:latin typeface="メイリオ" panose="020B0604030504040204" pitchFamily="50" charset="-128"/>
+              <a:ea typeface="メイリオ" panose="020B0604030504040204" pitchFamily="50" charset="-128"/>
+            </a:endParaRPr>
+          </a:p>
+          <a:p>
+            <a:pPr marL="0" indent="0" eaLnBrk="1" hangingPunct="1">
+              <a:lnSpc>
+                <a:spcPct val="80000"/>
+              </a:lnSpc>
+              <a:spcBef>
+                <a:spcPct val="20000"/>
+              </a:spcBef>
+            </a:pPr>
+            <a:r>
               <a:rPr lang="ja-JP" altLang="en-US" dirty="0" smtClean="0">
                 <a:latin typeface="メイリオ" panose="020B0604030504040204" pitchFamily="50" charset="-128"/>
                 <a:ea typeface="メイリオ" panose="020B0604030504040204" pitchFamily="50" charset="-128"/>
               </a:rPr>
-              <a:t>地図情報の利用</a:t>
+              <a:t>次の</a:t>
             </a:r>
             <a:r>
               <a:rPr lang="en-US" altLang="ja-JP" dirty="0" smtClean="0">
                 <a:latin typeface="メイリオ" panose="020B0604030504040204" pitchFamily="50" charset="-128"/>
                 <a:ea typeface="メイリオ" panose="020B0604030504040204" pitchFamily="50" charset="-128"/>
               </a:rPr>
-              <a:t>(3-2, 3-3, 3-6</a:t>
+              <a:t>3</a:t>
+            </a:r>
+            <a:r>
+              <a:rPr lang="ja-JP" altLang="en-US" dirty="0" err="1" smtClean="0">
+                <a:latin typeface="メイリオ" panose="020B0604030504040204" pitchFamily="50" charset="-128"/>
+                <a:ea typeface="メイリオ" panose="020B0604030504040204" pitchFamily="50" charset="-128"/>
+              </a:rPr>
+              <a:t>つを</a:t>
             </a:r>
             <a:r>
               <a:rPr lang="ja-JP" altLang="en-US" dirty="0" smtClean="0">
                 <a:latin typeface="メイリオ" panose="020B0604030504040204" pitchFamily="50" charset="-128"/>
                 <a:ea typeface="メイリオ" panose="020B0604030504040204" pitchFamily="50" charset="-128"/>
               </a:rPr>
-              <a:t>参照</a:t>
-            </a:r>
-            <a:r>
-              <a:rPr lang="en-US" altLang="ja-JP" dirty="0" smtClean="0">
-                <a:latin typeface="メイリオ" panose="020B0604030504040204" pitchFamily="50" charset="-128"/>
-                <a:ea typeface="メイリオ" panose="020B0604030504040204" pitchFamily="50" charset="-128"/>
-              </a:rPr>
-              <a:t>)</a:t>
-            </a:r>
-            <a:r>
-              <a:rPr lang="ja-JP" altLang="en-US" dirty="0" smtClean="0">
-                <a:latin typeface="メイリオ" panose="020B0604030504040204" pitchFamily="50" charset="-128"/>
-                <a:ea typeface="メイリオ" panose="020B0604030504040204" pitchFamily="50" charset="-128"/>
-              </a:rPr>
-              <a:t>とモーターの性能差をプログラムで吸収する</a:t>
-            </a:r>
-            <a:r>
-              <a:rPr lang="en-US" altLang="ja-JP" dirty="0" smtClean="0">
-                <a:latin typeface="メイリオ" panose="020B0604030504040204" pitchFamily="50" charset="-128"/>
-                <a:ea typeface="メイリオ" panose="020B0604030504040204" pitchFamily="50" charset="-128"/>
-              </a:rPr>
-              <a:t>(3-4</a:t>
-            </a:r>
-            <a:r>
-              <a:rPr lang="ja-JP" altLang="en-US" dirty="0" smtClean="0">
-                <a:latin typeface="メイリオ" panose="020B0604030504040204" pitchFamily="50" charset="-128"/>
-                <a:ea typeface="メイリオ" panose="020B0604030504040204" pitchFamily="50" charset="-128"/>
-              </a:rPr>
-              <a:t>参照</a:t>
-            </a:r>
-            <a:r>
-              <a:rPr lang="en-US" altLang="ja-JP" dirty="0" smtClean="0">
-                <a:latin typeface="メイリオ" panose="020B0604030504040204" pitchFamily="50" charset="-128"/>
-                <a:ea typeface="メイリオ" panose="020B0604030504040204" pitchFamily="50" charset="-128"/>
-              </a:rPr>
-              <a:t>)</a:t>
-            </a:r>
-            <a:r>
-              <a:rPr lang="ja-JP" altLang="en-US" dirty="0" smtClean="0">
-                <a:latin typeface="メイリオ" panose="020B0604030504040204" pitchFamily="50" charset="-128"/>
-                <a:ea typeface="メイリオ" panose="020B0604030504040204" pitchFamily="50" charset="-128"/>
-              </a:rPr>
-              <a:t>事により、エリアを問わず、</a:t>
-            </a:r>
-            <a:r>
-              <a:rPr lang="ja-JP" altLang="en-US" dirty="0" smtClean="0">
-                <a:latin typeface="メイリオ" panose="020B0604030504040204" pitchFamily="50" charset="-128"/>
-                <a:ea typeface="メイリオ" panose="020B0604030504040204" pitchFamily="50" charset="-128"/>
-              </a:rPr>
-              <a:t>「どの個体、どの</a:t>
-            </a:r>
-            <a:r>
-              <a:rPr lang="ja-JP" altLang="en-US" dirty="0">
-                <a:latin typeface="メイリオ" panose="020B0604030504040204" pitchFamily="50" charset="-128"/>
-                <a:ea typeface="メイリオ" panose="020B0604030504040204" pitchFamily="50" charset="-128"/>
-              </a:rPr>
-              <a:t>コースでも」安定</a:t>
-            </a:r>
-            <a:r>
-              <a:rPr lang="ja-JP" altLang="en-US" dirty="0" smtClean="0">
-                <a:latin typeface="メイリオ" panose="020B0604030504040204" pitchFamily="50" charset="-128"/>
-                <a:ea typeface="メイリオ" panose="020B0604030504040204" pitchFamily="50" charset="-128"/>
-              </a:rPr>
-              <a:t>した走行を目指しました。</a:t>
+              <a:t>設計の軸としました。</a:t>
             </a:r>
             <a:endParaRPr lang="en-US" altLang="ja-JP" dirty="0" smtClean="0">
               <a:latin typeface="メイリオ" panose="020B0604030504040204" pitchFamily="50" charset="-128"/>
@@ -3920,6 +3885,79 @@
             </a:endParaRPr>
           </a:p>
           <a:p>
+            <a:pPr marL="342900" indent="-342900" eaLnBrk="1" hangingPunct="1">
+              <a:lnSpc>
+                <a:spcPct val="80000"/>
+              </a:lnSpc>
+              <a:spcBef>
+                <a:spcPct val="20000"/>
+              </a:spcBef>
+              <a:buAutoNum type="arabicPeriod"/>
+            </a:pPr>
+            <a:r>
+              <a:rPr lang="ja-JP" altLang="en-US" dirty="0" smtClean="0">
+                <a:latin typeface="メイリオ" panose="020B0604030504040204" pitchFamily="50" charset="-128"/>
+                <a:ea typeface="メイリオ" panose="020B0604030504040204" pitchFamily="50" charset="-128"/>
+              </a:rPr>
+              <a:t>地図情報を抽象マップ経由で参照する事</a:t>
+            </a:r>
+            <a:endParaRPr lang="en-US" altLang="ja-JP" dirty="0" smtClean="0">
+              <a:latin typeface="メイリオ" panose="020B0604030504040204" pitchFamily="50" charset="-128"/>
+              <a:ea typeface="メイリオ" panose="020B0604030504040204" pitchFamily="50" charset="-128"/>
+            </a:endParaRPr>
+          </a:p>
+          <a:p>
+            <a:pPr marL="342900" indent="-342900" eaLnBrk="1" hangingPunct="1">
+              <a:lnSpc>
+                <a:spcPct val="80000"/>
+              </a:lnSpc>
+              <a:spcBef>
+                <a:spcPct val="20000"/>
+              </a:spcBef>
+              <a:buAutoNum type="arabicPeriod"/>
+            </a:pPr>
+            <a:r>
+              <a:rPr lang="ja-JP" altLang="en-US" dirty="0" smtClean="0">
+                <a:latin typeface="メイリオ" panose="020B0604030504040204" pitchFamily="50" charset="-128"/>
+                <a:ea typeface="メイリオ" panose="020B0604030504040204" pitchFamily="50" charset="-128"/>
+              </a:rPr>
+              <a:t>コースの特徴から、自己位置を更新する事</a:t>
+            </a:r>
+            <a:endParaRPr lang="en-US" altLang="ja-JP" dirty="0" smtClean="0">
+              <a:latin typeface="メイリオ" panose="020B0604030504040204" pitchFamily="50" charset="-128"/>
+              <a:ea typeface="メイリオ" panose="020B0604030504040204" pitchFamily="50" charset="-128"/>
+            </a:endParaRPr>
+          </a:p>
+          <a:p>
+            <a:pPr marL="342900" indent="-342900" eaLnBrk="1" hangingPunct="1">
+              <a:lnSpc>
+                <a:spcPct val="80000"/>
+              </a:lnSpc>
+              <a:spcBef>
+                <a:spcPct val="20000"/>
+              </a:spcBef>
+              <a:buAutoNum type="arabicPeriod"/>
+            </a:pPr>
+            <a:r>
+              <a:rPr lang="ja-JP" altLang="en-US" dirty="0">
+                <a:latin typeface="メイリオ" panose="020B0604030504040204" pitchFamily="50" charset="-128"/>
+                <a:ea typeface="メイリオ" panose="020B0604030504040204" pitchFamily="50" charset="-128"/>
+              </a:rPr>
+              <a:t>機体</a:t>
+            </a:r>
+            <a:r>
+              <a:rPr lang="ja-JP" altLang="en-US" dirty="0" smtClean="0">
+                <a:latin typeface="メイリオ" panose="020B0604030504040204" pitchFamily="50" charset="-128"/>
+                <a:ea typeface="メイリオ" panose="020B0604030504040204" pitchFamily="50" charset="-128"/>
+              </a:rPr>
+              <a:t>性能を把握し、走行時に差を吸収する事</a:t>
+            </a:r>
+            <a:endParaRPr lang="en-US" altLang="ja-JP" dirty="0" smtClean="0">
+              <a:latin typeface="メイリオ" panose="020B0604030504040204" pitchFamily="50" charset="-128"/>
+              <a:ea typeface="メイリオ" panose="020B0604030504040204" pitchFamily="50" charset="-128"/>
+            </a:endParaRPr>
+          </a:p>
+          <a:p>
             <a:pPr marL="0" indent="0" eaLnBrk="1" hangingPunct="1">
               <a:lnSpc>
                 <a:spcPct val="80000"/>
@@ -3928,12 +3966,71 @@
                 <a:spcPct val="20000"/>
               </a:spcBef>
             </a:pPr>
+            <a:endParaRPr lang="en-US" altLang="ja-JP" dirty="0" smtClean="0">
+              <a:latin typeface="メイリオ" panose="020B0604030504040204" pitchFamily="50" charset="-128"/>
+              <a:ea typeface="メイリオ" panose="020B0604030504040204" pitchFamily="50" charset="-128"/>
+            </a:endParaRPr>
+          </a:p>
+          <a:p>
+            <a:pPr marL="0" indent="0" eaLnBrk="1" hangingPunct="1">
+              <a:lnSpc>
+                <a:spcPct val="80000"/>
+              </a:lnSpc>
+              <a:spcBef>
+                <a:spcPct val="20000"/>
+              </a:spcBef>
+            </a:pPr>
+            <a:r>
+              <a:rPr lang="ja-JP" altLang="en-US" dirty="0" smtClean="0">
+                <a:latin typeface="メイリオ" panose="020B0604030504040204" pitchFamily="50" charset="-128"/>
+                <a:ea typeface="メイリオ" panose="020B0604030504040204" pitchFamily="50" charset="-128"/>
+              </a:rPr>
+              <a:t>地図情報を更新する事で、どのコースでも走る事が可能です。</a:t>
+            </a:r>
+            <a:endParaRPr lang="en-US" altLang="ja-JP" dirty="0" smtClean="0">
+              <a:latin typeface="メイリオ" panose="020B0604030504040204" pitchFamily="50" charset="-128"/>
+              <a:ea typeface="メイリオ" panose="020B0604030504040204" pitchFamily="50" charset="-128"/>
+            </a:endParaRPr>
+          </a:p>
+          <a:p>
+            <a:pPr marL="0" indent="0" eaLnBrk="1" hangingPunct="1">
+              <a:lnSpc>
+                <a:spcPct val="80000"/>
+              </a:lnSpc>
+              <a:spcBef>
+                <a:spcPct val="20000"/>
+              </a:spcBef>
+            </a:pPr>
             <a:endParaRPr lang="en-US" altLang="ja-JP" dirty="0">
               <a:latin typeface="メイリオ" panose="020B0604030504040204" pitchFamily="50" charset="-128"/>
               <a:ea typeface="メイリオ" panose="020B0604030504040204" pitchFamily="50" charset="-128"/>
             </a:endParaRPr>
           </a:p>
           <a:p>
+            <a:pPr eaLnBrk="1" hangingPunct="1">
+              <a:lnSpc>
+                <a:spcPct val="80000"/>
+              </a:lnSpc>
+              <a:spcBef>
+                <a:spcPct val="20000"/>
+              </a:spcBef>
+            </a:pPr>
+            <a:r>
+              <a:rPr lang="ja-JP" altLang="en-US" sz="2400" b="1" u="sng" dirty="0" smtClean="0">
+                <a:latin typeface="メイリオ" panose="020B0604030504040204" pitchFamily="50" charset="-128"/>
+                <a:ea typeface="メイリオ" panose="020B0604030504040204" pitchFamily="50" charset="-128"/>
+              </a:rPr>
+              <a:t>☆</a:t>
+            </a:r>
+            <a:r>
+              <a:rPr lang="ja-JP" altLang="en-US" sz="2400" b="1" u="sng" dirty="0">
+                <a:latin typeface="メイリオ" panose="020B0604030504040204" pitchFamily="50" charset="-128"/>
+                <a:ea typeface="メイリオ" panose="020B0604030504040204" pitchFamily="50" charset="-128"/>
+              </a:rPr>
+              <a:t>モデルのここに注目！</a:t>
+            </a:r>
+          </a:p>
+          <a:p>
             <a:pPr marL="0" indent="0" eaLnBrk="1" hangingPunct="1">
               <a:lnSpc>
                 <a:spcPct val="80000"/>
@@ -3942,50 +4039,12 @@
                 <a:spcPct val="20000"/>
               </a:spcBef>
             </a:pPr>
-            <a:r>
-              <a:rPr lang="ja-JP" altLang="en-US" dirty="0" smtClean="0">
-                <a:latin typeface="メイリオ" panose="020B0604030504040204" pitchFamily="50" charset="-128"/>
-                <a:ea typeface="メイリオ" panose="020B0604030504040204" pitchFamily="50" charset="-128"/>
-              </a:rPr>
-              <a:t>ひとことで言うなら、「量産型」です。</a:t>
-            </a:r>
             <a:endParaRPr lang="en-US" altLang="ja-JP" dirty="0" smtClean="0">
               <a:latin typeface="メイリオ" panose="020B0604030504040204" pitchFamily="50" charset="-128"/>
               <a:ea typeface="メイリオ" panose="020B0604030504040204" pitchFamily="50" charset="-128"/>
             </a:endParaRPr>
           </a:p>
           <a:p>
-            <a:pPr eaLnBrk="1" hangingPunct="1">
-              <a:lnSpc>
-                <a:spcPct val="80000"/>
-              </a:lnSpc>
-              <a:spcBef>
-                <a:spcPct val="20000"/>
-              </a:spcBef>
-            </a:pPr>
-            <a:endParaRPr lang="en-US" altLang="ja-JP" dirty="0">
-              <a:latin typeface="メイリオ" panose="020B0604030504040204" pitchFamily="50" charset="-128"/>
-              <a:ea typeface="メイリオ" panose="020B0604030504040204" pitchFamily="50" charset="-128"/>
-            </a:endParaRPr>
-          </a:p>
-          <a:p>
-            <a:pPr eaLnBrk="1" hangingPunct="1">
-              <a:lnSpc>
-                <a:spcPct val="80000"/>
-              </a:lnSpc>
-              <a:spcBef>
-                <a:spcPct val="20000"/>
-              </a:spcBef>
-            </a:pPr>
-            <a:r>
-              <a:rPr lang="ja-JP" altLang="en-US" sz="2400" b="1" u="sng" dirty="0">
-                <a:latin typeface="メイリオ" panose="020B0604030504040204" pitchFamily="50" charset="-128"/>
-                <a:ea typeface="メイリオ" panose="020B0604030504040204" pitchFamily="50" charset="-128"/>
-              </a:rPr>
-              <a:t>☆モデルのここに注目！</a:t>
-            </a:r>
-          </a:p>
-          <a:p>
             <a:pPr marL="0" indent="0" eaLnBrk="1" hangingPunct="1">
               <a:lnSpc>
                 <a:spcPct val="80000"/>
@@ -3994,6 +4053,13 @@
                 <a:spcPct val="20000"/>
               </a:spcBef>
             </a:pPr>
+            <a:r>
+              <a:rPr lang="ja-JP" altLang="en-US" dirty="0" smtClean="0">
+                <a:latin typeface="メイリオ" panose="020B0604030504040204" pitchFamily="50" charset="-128"/>
+                <a:ea typeface="メイリオ" panose="020B0604030504040204" pitchFamily="50" charset="-128"/>
+              </a:rPr>
+              <a:t>座標指定でコースを滑らかに移動させる為の方法</a:t>
+            </a:r>
             <a:endParaRPr lang="en-US" altLang="ja-JP" dirty="0" smtClean="0">
               <a:latin typeface="メイリオ" panose="020B0604030504040204" pitchFamily="50" charset="-128"/>
               <a:ea typeface="メイリオ" panose="020B0604030504040204" pitchFamily="50" charset="-128"/>
@@ -4008,160 +4074,6 @@
                 <a:spcPct val="20000"/>
               </a:spcBef>
             </a:pPr>
-            <a:r>
-              <a:rPr lang="ja-JP" altLang="en-US" dirty="0" smtClean="0">
-                <a:latin typeface="メイリオ" panose="020B0604030504040204" pitchFamily="50" charset="-128"/>
-                <a:ea typeface="メイリオ" panose="020B0604030504040204" pitchFamily="50" charset="-128"/>
-              </a:rPr>
-              <a:t>今年のしんよこは、ライントレースに</a:t>
-            </a:r>
-            <a:r>
-              <a:rPr lang="en-US" altLang="ja-JP" dirty="0" smtClean="0">
-                <a:latin typeface="メイリオ" panose="020B0604030504040204" pitchFamily="50" charset="-128"/>
-                <a:ea typeface="メイリオ" panose="020B0604030504040204" pitchFamily="50" charset="-128"/>
-              </a:rPr>
-              <a:t>PID</a:t>
-            </a:r>
-            <a:r>
-              <a:rPr lang="ja-JP" altLang="en-US" dirty="0" smtClean="0">
-                <a:latin typeface="メイリオ" panose="020B0604030504040204" pitchFamily="50" charset="-128"/>
-                <a:ea typeface="メイリオ" panose="020B0604030504040204" pitchFamily="50" charset="-128"/>
-              </a:rPr>
-              <a:t>を利用しません。</a:t>
-            </a:r>
-            <a:endParaRPr lang="en-US" altLang="ja-JP" dirty="0" smtClean="0">
-              <a:latin typeface="メイリオ" panose="020B0604030504040204" pitchFamily="50" charset="-128"/>
-              <a:ea typeface="メイリオ" panose="020B0604030504040204" pitchFamily="50" charset="-128"/>
-            </a:endParaRPr>
-          </a:p>
-          <a:p>
-            <a:pPr marL="261937" lvl="1" indent="0" eaLnBrk="1" hangingPunct="1">
-              <a:lnSpc>
-                <a:spcPct val="80000"/>
-              </a:lnSpc>
-              <a:spcBef>
-                <a:spcPct val="20000"/>
-              </a:spcBef>
-            </a:pPr>
-            <a:r>
-              <a:rPr lang="en-US" altLang="ja-JP" sz="1400" dirty="0" smtClean="0">
-                <a:latin typeface="メイリオ" panose="020B0604030504040204" pitchFamily="50" charset="-128"/>
-                <a:ea typeface="メイリオ" panose="020B0604030504040204" pitchFamily="50" charset="-128"/>
-              </a:rPr>
-              <a:t>PID</a:t>
-            </a:r>
-            <a:r>
-              <a:rPr lang="ja-JP" altLang="en-US" sz="1400" dirty="0" smtClean="0">
-                <a:latin typeface="メイリオ" panose="020B0604030504040204" pitchFamily="50" charset="-128"/>
-                <a:ea typeface="メイリオ" panose="020B0604030504040204" pitchFamily="50" charset="-128"/>
-              </a:rPr>
-              <a:t>を利用する事により、モーターの性能差やバッテリー残量により、走行速度が変わり、</a:t>
-            </a:r>
-            <a:r>
-              <a:rPr lang="en-US" altLang="ja-JP" sz="1400" dirty="0" smtClean="0">
-                <a:latin typeface="メイリオ" panose="020B0604030504040204" pitchFamily="50" charset="-128"/>
-                <a:ea typeface="メイリオ" panose="020B0604030504040204" pitchFamily="50" charset="-128"/>
-              </a:rPr>
-              <a:t>PID</a:t>
-            </a:r>
-            <a:r>
-              <a:rPr lang="ja-JP" altLang="en-US" sz="1400" dirty="0" smtClean="0">
-                <a:latin typeface="メイリオ" panose="020B0604030504040204" pitchFamily="50" charset="-128"/>
-                <a:ea typeface="メイリオ" panose="020B0604030504040204" pitchFamily="50" charset="-128"/>
-              </a:rPr>
-              <a:t>も影響を受けるだけでなく、変更に工数がかか</a:t>
-            </a:r>
-            <a:r>
-              <a:rPr lang="ja-JP" altLang="en-US" sz="1400" dirty="0" smtClean="0">
-                <a:latin typeface="メイリオ" panose="020B0604030504040204" pitchFamily="50" charset="-128"/>
-                <a:ea typeface="メイリオ" panose="020B0604030504040204" pitchFamily="50" charset="-128"/>
-              </a:rPr>
-              <a:t>る為、少人数での開発には向かないと判断しました</a:t>
-            </a:r>
-            <a:endParaRPr lang="en-US" altLang="ja-JP" sz="1400" dirty="0" smtClean="0">
-              <a:latin typeface="メイリオ" panose="020B0604030504040204" pitchFamily="50" charset="-128"/>
-              <a:ea typeface="メイリオ" panose="020B0604030504040204" pitchFamily="50" charset="-128"/>
-            </a:endParaRPr>
-          </a:p>
-          <a:p>
-            <a:pPr marL="0" indent="0" eaLnBrk="1" hangingPunct="1">
-              <a:lnSpc>
-                <a:spcPct val="80000"/>
-              </a:lnSpc>
-              <a:spcBef>
-                <a:spcPct val="20000"/>
-              </a:spcBef>
-            </a:pPr>
-            <a:endParaRPr lang="en-US" altLang="ja-JP" dirty="0" smtClean="0">
-              <a:latin typeface="メイリオ" panose="020B0604030504040204" pitchFamily="50" charset="-128"/>
-              <a:ea typeface="メイリオ" panose="020B0604030504040204" pitchFamily="50" charset="-128"/>
-            </a:endParaRPr>
-          </a:p>
-          <a:p>
-            <a:pPr marL="0" indent="0" eaLnBrk="1" hangingPunct="1">
-              <a:lnSpc>
-                <a:spcPct val="80000"/>
-              </a:lnSpc>
-              <a:spcBef>
-                <a:spcPct val="20000"/>
-              </a:spcBef>
-            </a:pPr>
-            <a:r>
-              <a:rPr lang="ja-JP" altLang="en-US" dirty="0" smtClean="0">
-                <a:latin typeface="メイリオ" panose="020B0604030504040204" pitchFamily="50" charset="-128"/>
-                <a:ea typeface="メイリオ" panose="020B0604030504040204" pitchFamily="50" charset="-128"/>
-              </a:rPr>
-              <a:t>リリース済み</a:t>
-            </a:r>
-            <a:r>
-              <a:rPr lang="ja-JP" altLang="en-US" dirty="0">
-                <a:latin typeface="メイリオ" panose="020B0604030504040204" pitchFamily="50" charset="-128"/>
-                <a:ea typeface="メイリオ" panose="020B0604030504040204" pitchFamily="50" charset="-128"/>
-              </a:rPr>
-              <a:t>の</a:t>
-            </a:r>
-            <a:r>
-              <a:rPr lang="ja-JP" altLang="en-US" dirty="0" smtClean="0">
-                <a:latin typeface="メイリオ" panose="020B0604030504040204" pitchFamily="50" charset="-128"/>
-                <a:ea typeface="メイリオ" panose="020B0604030504040204" pitchFamily="50" charset="-128"/>
-              </a:rPr>
-              <a:t>コースのファイルと</a:t>
-            </a:r>
-            <a:r>
-              <a:rPr lang="ja-JP" altLang="en-US" dirty="0">
-                <a:latin typeface="メイリオ" panose="020B0604030504040204" pitchFamily="50" charset="-128"/>
-                <a:ea typeface="メイリオ" panose="020B0604030504040204" pitchFamily="50" charset="-128"/>
-              </a:rPr>
-              <a:t>実際のコースを基に</a:t>
-            </a:r>
-            <a:r>
-              <a:rPr lang="ja-JP" altLang="en-US" dirty="0" smtClean="0">
-                <a:latin typeface="メイリオ" panose="020B0604030504040204" pitchFamily="50" charset="-128"/>
-                <a:ea typeface="メイリオ" panose="020B0604030504040204" pitchFamily="50" charset="-128"/>
-              </a:rPr>
-              <a:t>、地図を作成し、エリアごとに最適な走行を実現します。</a:t>
-            </a:r>
-            <a:endParaRPr lang="en-US" altLang="ja-JP" dirty="0" smtClean="0">
-              <a:latin typeface="メイリオ" panose="020B0604030504040204" pitchFamily="50" charset="-128"/>
-              <a:ea typeface="メイリオ" panose="020B0604030504040204" pitchFamily="50" charset="-128"/>
-            </a:endParaRPr>
-          </a:p>
-          <a:p>
-            <a:pPr marL="0" indent="0" eaLnBrk="1" hangingPunct="1">
-              <a:lnSpc>
-                <a:spcPct val="80000"/>
-              </a:lnSpc>
-              <a:spcBef>
-                <a:spcPct val="20000"/>
-              </a:spcBef>
-            </a:pPr>
-            <a:r>
-              <a:rPr lang="ja-JP" altLang="en-US" dirty="0" smtClean="0">
-                <a:latin typeface="メイリオ" panose="020B0604030504040204" pitchFamily="50" charset="-128"/>
-                <a:ea typeface="メイリオ" panose="020B0604030504040204" pitchFamily="50" charset="-128"/>
-              </a:rPr>
-              <a:t>そして、コースデータと設定を入れ替える事で、どのコースでも走れるようにします。</a:t>
-            </a:r>
             <a:endParaRPr lang="en-US" altLang="ja-JP" dirty="0" smtClean="0">
               <a:latin typeface="メイリオ" panose="020B0604030504040204" pitchFamily="50" charset="-128"/>
               <a:ea typeface="メイリオ" panose="020B0604030504040204" pitchFamily="50" charset="-128"/>
@@ -4373,14 +4285,7 @@
                 <a:latin typeface="メイリオ" panose="020B0604030504040204" pitchFamily="50" charset="-128"/>
                 <a:ea typeface="メイリオ" panose="020B0604030504040204" pitchFamily="50" charset="-128"/>
               </a:rPr>
-              <a:t>人で</a:t>
-            </a:r>
-            <a:r>
-              <a:rPr lang="ja-JP" altLang="en-US" dirty="0" smtClean="0">
-                <a:latin typeface="メイリオ" panose="020B0604030504040204" pitchFamily="50" charset="-128"/>
-                <a:ea typeface="メイリオ" panose="020B0604030504040204" pitchFamily="50" charset="-128"/>
-              </a:rPr>
-              <a:t>す。</a:t>
+              <a:t>人です。</a:t>
             </a:r>
             <a:endParaRPr lang="en-US" altLang="ja-JP" dirty="0" smtClean="0">
               <a:latin typeface="メイリオ" panose="020B0604030504040204" pitchFamily="50" charset="-128"/>
@@ -4450,7 +4355,14 @@
                 <a:latin typeface="メイリオ" panose="020B0604030504040204" pitchFamily="50" charset="-128"/>
                 <a:ea typeface="メイリオ" panose="020B0604030504040204" pitchFamily="50" charset="-128"/>
               </a:rPr>
-              <a:t>でチーム名、出しとくね」</a:t>
+              <a:t>でチーム名、</a:t>
+            </a:r>
+            <a:r>
+              <a:rPr lang="ja-JP" altLang="en-US" dirty="0" smtClean="0">
+                <a:latin typeface="メイリオ" panose="020B0604030504040204" pitchFamily="50" charset="-128"/>
+                <a:ea typeface="メイリオ" panose="020B0604030504040204" pitchFamily="50" charset="-128"/>
+              </a:rPr>
+              <a:t>出しとくゾイ」</a:t>
             </a:r>
             <a:r>
               <a:rPr lang="en-US" altLang="ja-JP" dirty="0" smtClean="0">
@@ -4675,14 +4587,7 @@
                 <a:latin typeface="メイリオ" panose="020B0604030504040204" pitchFamily="50" charset="-128"/>
                 <a:ea typeface="メイリオ" panose="020B0604030504040204" pitchFamily="50" charset="-128"/>
               </a:rPr>
-              <a:t>為に、設計の意図を正しくモデリングし</a:t>
-            </a:r>
-            <a:r>
-              <a:rPr lang="ja-JP" altLang="en-US" dirty="0" smtClean="0">
-                <a:latin typeface="メイリオ" panose="020B0604030504040204" pitchFamily="50" charset="-128"/>
-                <a:ea typeface="メイリオ" panose="020B0604030504040204" pitchFamily="50" charset="-128"/>
-              </a:rPr>
-              <a:t>、意図を正しく伝えるためにどうすべきかを、日々考え、実践していくことを願います。</a:t>
+              <a:t>為に、設計の意図を正しくモデリングし、意図を正しく伝えるためにどうすべきかを、日々考え、実践していくことを願います。</a:t>
             </a:r>
             <a:endParaRPr lang="en-US" altLang="ja-JP" dirty="0">
               <a:latin typeface="メイリオ" panose="020B0604030504040204" pitchFamily="50" charset="-128"/>
@@ -4891,6 +4796,361 @@
               <a:t>!</a:t>
             </a:r>
             <a:endParaRPr lang="en-US" altLang="ja-JP" dirty="0">
+              <a:latin typeface="メイリオ" panose="020B0604030504040204" pitchFamily="50" charset="-128"/>
+              <a:ea typeface="メイリオ" panose="020B0604030504040204" pitchFamily="50" charset="-128"/>
+            </a:endParaRPr>
+          </a:p>
+        </p:txBody>
+      </p:sp>
+      <p:sp>
+        <p:nvSpPr>
+          <p:cNvPr id="2" name="ホームベース 1"/>
+          <p:cNvSpPr/>
+          <p:nvPr/>
+        </p:nvSpPr>
+        <p:spPr bwMode="auto">
+          <a:xfrm>
+            <a:off x="13271872" y="5489922"/>
+            <a:ext cx="1152128" cy="288032"/>
+          </a:xfrm>
+          <a:prstGeom prst="homePlate">
+            <a:avLst/>
+          </a:prstGeom>
+          <a:solidFill>
+            <a:schemeClr val="accent1"/>
+          </a:solidFill>
+          <a:ln w="19050" cap="flat" cmpd="sng" algn="ctr">
+            <a:solidFill>
+              <a:schemeClr val="tx1"/>
+            </a:solidFill>
+            <a:prstDash val="solid"/>
+            <a:round/>
+            <a:headEnd type="none" w="med" len="med"/>
+            <a:tailEnd type="none" w="med" len="med"/>
+          </a:ln>
+          <a:effectLst/>
+        </p:spPr>
+        <p:txBody>
+          <a:bodyPr vert="horz" wrap="square" lIns="91440" tIns="45720" rIns="91440" bIns="45720" numCol="1" rtlCol="0" anchor="t" anchorCtr="0" compatLnSpc="1">
+            <a:prstTxWarp prst="textNoShape">
+              <a:avLst/>
+            </a:prstTxWarp>
+          </a:bodyPr>
+          <a:lstStyle/>
+          <a:p>
+            <a:pPr marL="0" marR="0" indent="0" algn="l" defTabSz="611188" rtl="0" eaLnBrk="1" fontAlgn="base" latinLnBrk="0" hangingPunct="1">
+              <a:lnSpc>
+                <a:spcPct val="100000"/>
+              </a:lnSpc>
+              <a:spcBef>
+                <a:spcPct val="0"/>
+              </a:spcBef>
+              <a:spcAft>
+                <a:spcPct val="0"/>
+              </a:spcAft>
+              <a:buClrTx/>
+              <a:buSzTx/>
+              <a:buFontTx/>
+              <a:buNone/>
+              <a:tabLst/>
+            </a:pPr>
+            <a:r>
+              <a:rPr kumimoji="1" lang="en-US" altLang="ja-JP" sz="1600" b="1" i="0" u="none" strike="noStrike" cap="none" normalizeH="0" baseline="0" dirty="0" smtClean="0">
+                <a:ln>
+                  <a:noFill/>
+                </a:ln>
+                <a:solidFill>
+                  <a:schemeClr val="tx1"/>
+                </a:solidFill>
+                <a:effectLst/>
+                <a:latin typeface="メイリオ" panose="020B0604030504040204" pitchFamily="50" charset="-128"/>
+                <a:ea typeface="メイリオ" panose="020B0604030504040204" pitchFamily="50" charset="-128"/>
+              </a:rPr>
+              <a:t>2-1</a:t>
+            </a:r>
+            <a:r>
+              <a:rPr kumimoji="1" lang="ja-JP" altLang="en-US" sz="1600" b="1" i="0" u="none" strike="noStrike" cap="none" normalizeH="0" baseline="0" dirty="0" smtClean="0">
+                <a:ln>
+                  <a:noFill/>
+                </a:ln>
+                <a:solidFill>
+                  <a:schemeClr val="tx1"/>
+                </a:solidFill>
+                <a:effectLst/>
+                <a:latin typeface="メイリオ" panose="020B0604030504040204" pitchFamily="50" charset="-128"/>
+                <a:ea typeface="メイリオ" panose="020B0604030504040204" pitchFamily="50" charset="-128"/>
+              </a:rPr>
+              <a:t>参照</a:t>
+            </a:r>
+            <a:endParaRPr kumimoji="1" lang="ja-JP" altLang="en-US" sz="1600" b="1" i="0" u="none" strike="noStrike" cap="none" normalizeH="0" baseline="0" dirty="0" smtClean="0">
+              <a:ln>
+                <a:noFill/>
+              </a:ln>
+              <a:solidFill>
+                <a:schemeClr val="tx1"/>
+              </a:solidFill>
+              <a:effectLst/>
+              <a:latin typeface="メイリオ" panose="020B0604030504040204" pitchFamily="50" charset="-128"/>
+              <a:ea typeface="メイリオ" panose="020B0604030504040204" pitchFamily="50" charset="-128"/>
+            </a:endParaRPr>
+          </a:p>
+        </p:txBody>
+      </p:sp>
+      <p:sp>
+        <p:nvSpPr>
+          <p:cNvPr id="10" name="ホームベース 9"/>
+          <p:cNvSpPr/>
+          <p:nvPr/>
+        </p:nvSpPr>
+        <p:spPr bwMode="auto">
+          <a:xfrm>
+            <a:off x="13271872" y="6086378"/>
+            <a:ext cx="1152128" cy="288032"/>
+          </a:xfrm>
+          <a:prstGeom prst="homePlate">
+            <a:avLst/>
+          </a:prstGeom>
+          <a:solidFill>
+            <a:schemeClr val="accent1"/>
+          </a:solidFill>
+          <a:ln w="19050" cap="flat" cmpd="sng" algn="ctr">
+            <a:solidFill>
+              <a:schemeClr val="tx1"/>
+            </a:solidFill>
+            <a:prstDash val="solid"/>
+            <a:round/>
+            <a:headEnd type="none" w="med" len="med"/>
+            <a:tailEnd type="none" w="med" len="med"/>
+          </a:ln>
+          <a:effectLst/>
+        </p:spPr>
+        <p:txBody>
+          <a:bodyPr vert="horz" wrap="square" lIns="91440" tIns="45720" rIns="91440" bIns="45720" numCol="1" rtlCol="0" anchor="t" anchorCtr="0" compatLnSpc="1">
+            <a:prstTxWarp prst="textNoShape">
+              <a:avLst/>
+            </a:prstTxWarp>
+          </a:bodyPr>
+          <a:lstStyle/>
+          <a:p>
+            <a:pPr marL="0" marR="0" indent="0" algn="l" defTabSz="611188" rtl="0" eaLnBrk="1" fontAlgn="base" latinLnBrk="0" hangingPunct="1">
+              <a:lnSpc>
+                <a:spcPct val="100000"/>
+              </a:lnSpc>
+              <a:spcBef>
+                <a:spcPct val="0"/>
+              </a:spcBef>
+              <a:spcAft>
+                <a:spcPct val="0"/>
+              </a:spcAft>
+              <a:buClrTx/>
+              <a:buSzTx/>
+              <a:buFontTx/>
+              <a:buNone/>
+              <a:tabLst/>
+            </a:pPr>
+            <a:r>
+              <a:rPr lang="en-US" altLang="ja-JP" sz="1600" b="1" dirty="0" smtClean="0">
+                <a:latin typeface="メイリオ" panose="020B0604030504040204" pitchFamily="50" charset="-128"/>
+                <a:ea typeface="メイリオ" panose="020B0604030504040204" pitchFamily="50" charset="-128"/>
+              </a:rPr>
+              <a:t>3-4</a:t>
+            </a:r>
+            <a:r>
+              <a:rPr kumimoji="1" lang="ja-JP" altLang="en-US" sz="1600" b="1" i="0" u="none" strike="noStrike" cap="none" normalizeH="0" baseline="0" dirty="0" smtClean="0">
+                <a:ln>
+                  <a:noFill/>
+                </a:ln>
+                <a:solidFill>
+                  <a:schemeClr val="tx1"/>
+                </a:solidFill>
+                <a:effectLst/>
+                <a:latin typeface="メイリオ" panose="020B0604030504040204" pitchFamily="50" charset="-128"/>
+                <a:ea typeface="メイリオ" panose="020B0604030504040204" pitchFamily="50" charset="-128"/>
+              </a:rPr>
+              <a:t>参照</a:t>
+            </a:r>
+            <a:endParaRPr kumimoji="1" lang="ja-JP" altLang="en-US" sz="1600" b="1" i="0" u="none" strike="noStrike" cap="none" normalizeH="0" baseline="0" dirty="0" smtClean="0">
+              <a:ln>
+                <a:noFill/>
+              </a:ln>
+              <a:solidFill>
+                <a:schemeClr val="tx1"/>
+              </a:solidFill>
+              <a:effectLst/>
+              <a:latin typeface="メイリオ" panose="020B0604030504040204" pitchFamily="50" charset="-128"/>
+              <a:ea typeface="メイリオ" panose="020B0604030504040204" pitchFamily="50" charset="-128"/>
+            </a:endParaRPr>
+          </a:p>
+        </p:txBody>
+      </p:sp>
+      <p:sp>
+        <p:nvSpPr>
+          <p:cNvPr id="11" name="ホームベース 10"/>
+          <p:cNvSpPr/>
+          <p:nvPr/>
+        </p:nvSpPr>
+        <p:spPr bwMode="auto">
+          <a:xfrm>
+            <a:off x="13271872" y="5787927"/>
+            <a:ext cx="1152128" cy="288032"/>
+          </a:xfrm>
+          <a:prstGeom prst="homePlate">
+            <a:avLst/>
+          </a:prstGeom>
+          <a:solidFill>
+            <a:schemeClr val="accent1"/>
+          </a:solidFill>
+          <a:ln w="19050" cap="flat" cmpd="sng" algn="ctr">
+            <a:solidFill>
+              <a:schemeClr val="tx1"/>
+            </a:solidFill>
+            <a:prstDash val="solid"/>
+            <a:round/>
+            <a:headEnd type="none" w="med" len="med"/>
+            <a:tailEnd type="none" w="med" len="med"/>
+          </a:ln>
+          <a:effectLst/>
+        </p:spPr>
+        <p:txBody>
+          <a:bodyPr vert="horz" wrap="square" lIns="91440" tIns="45720" rIns="91440" bIns="45720" numCol="1" rtlCol="0" anchor="t" anchorCtr="0" compatLnSpc="1">
+            <a:prstTxWarp prst="textNoShape">
+              <a:avLst/>
+            </a:prstTxWarp>
+          </a:bodyPr>
+          <a:lstStyle/>
+          <a:p>
+            <a:pPr marL="0" marR="0" indent="0" algn="l" defTabSz="611188" rtl="0" eaLnBrk="1" fontAlgn="base" latinLnBrk="0" hangingPunct="1">
+              <a:lnSpc>
+                <a:spcPct val="100000"/>
+              </a:lnSpc>
+              <a:spcBef>
+                <a:spcPct val="0"/>
+              </a:spcBef>
+              <a:spcAft>
+                <a:spcPct val="0"/>
+              </a:spcAft>
+              <a:buClrTx/>
+              <a:buSzTx/>
+              <a:buFontTx/>
+              <a:buNone/>
+              <a:tabLst/>
+            </a:pPr>
+            <a:r>
+              <a:rPr lang="en-US" altLang="ja-JP" sz="1600" b="1" dirty="0" smtClean="0">
+                <a:latin typeface="メイリオ" panose="020B0604030504040204" pitchFamily="50" charset="-128"/>
+                <a:ea typeface="メイリオ" panose="020B0604030504040204" pitchFamily="50" charset="-128"/>
+              </a:rPr>
+              <a:t>3-2</a:t>
+            </a:r>
+            <a:r>
+              <a:rPr kumimoji="1" lang="ja-JP" altLang="en-US" sz="1600" b="1" i="0" u="none" strike="noStrike" cap="none" normalizeH="0" baseline="0" dirty="0" smtClean="0">
+                <a:ln>
+                  <a:noFill/>
+                </a:ln>
+                <a:solidFill>
+                  <a:schemeClr val="tx1"/>
+                </a:solidFill>
+                <a:effectLst/>
+                <a:latin typeface="メイリオ" panose="020B0604030504040204" pitchFamily="50" charset="-128"/>
+                <a:ea typeface="メイリオ" panose="020B0604030504040204" pitchFamily="50" charset="-128"/>
+              </a:rPr>
+              <a:t>参照</a:t>
+            </a:r>
+            <a:endParaRPr kumimoji="1" lang="ja-JP" altLang="en-US" sz="1600" b="1" i="0" u="none" strike="noStrike" cap="none" normalizeH="0" baseline="0" dirty="0" smtClean="0">
+              <a:ln>
+                <a:noFill/>
+              </a:ln>
+              <a:solidFill>
+                <a:schemeClr val="tx1"/>
+              </a:solidFill>
+              <a:effectLst/>
+              <a:latin typeface="メイリオ" panose="020B0604030504040204" pitchFamily="50" charset="-128"/>
+              <a:ea typeface="メイリオ" panose="020B0604030504040204" pitchFamily="50" charset="-128"/>
+            </a:endParaRPr>
+          </a:p>
+        </p:txBody>
+      </p:sp>
+      <p:sp>
+        <p:nvSpPr>
+          <p:cNvPr id="13" name="ホームベース 12"/>
+          <p:cNvSpPr/>
+          <p:nvPr/>
+        </p:nvSpPr>
+        <p:spPr bwMode="auto">
+          <a:xfrm>
+            <a:off x="13260785" y="7722170"/>
+            <a:ext cx="1152128" cy="288032"/>
+          </a:xfrm>
+          <a:prstGeom prst="homePlate">
+            <a:avLst/>
+          </a:prstGeom>
+          <a:solidFill>
+            <a:schemeClr val="accent1"/>
+          </a:solidFill>
+          <a:ln w="19050" cap="flat" cmpd="sng" algn="ctr">
+            <a:solidFill>
+              <a:schemeClr val="tx1"/>
+            </a:solidFill>
+            <a:prstDash val="solid"/>
+            <a:round/>
+            <a:headEnd type="none" w="med" len="med"/>
+            <a:tailEnd type="none" w="med" len="med"/>
+          </a:ln>
+          <a:effectLst/>
+        </p:spPr>
+        <p:txBody>
+          <a:bodyPr vert="horz" wrap="square" lIns="91440" tIns="45720" rIns="91440" bIns="45720" numCol="1" rtlCol="0" anchor="t" anchorCtr="0" compatLnSpc="1">
+            <a:prstTxWarp prst="textNoShape">
+              <a:avLst/>
+            </a:prstTxWarp>
+          </a:bodyPr>
+          <a:lstStyle/>
+          <a:p>
+            <a:pPr marL="0" marR="0" indent="0" algn="l" defTabSz="611188" rtl="0" eaLnBrk="1" fontAlgn="base" latinLnBrk="0" hangingPunct="1">
+              <a:lnSpc>
+                <a:spcPct val="100000"/>
+              </a:lnSpc>
+              <a:spcBef>
+                <a:spcPct val="0"/>
+              </a:spcBef>
+              <a:spcAft>
+                <a:spcPct val="0"/>
+              </a:spcAft>
+              <a:buClrTx/>
+              <a:buSzTx/>
+              <a:buFontTx/>
+              <a:buNone/>
+              <a:tabLst/>
+            </a:pPr>
+            <a:r>
+              <a:rPr lang="en-US" altLang="ja-JP" sz="1600" b="1" dirty="0" smtClean="0">
+                <a:latin typeface="メイリオ" panose="020B0604030504040204" pitchFamily="50" charset="-128"/>
+                <a:ea typeface="メイリオ" panose="020B0604030504040204" pitchFamily="50" charset="-128"/>
+              </a:rPr>
+              <a:t>3-3</a:t>
+            </a:r>
+            <a:r>
+              <a:rPr kumimoji="1" lang="ja-JP" altLang="en-US" sz="1600" b="1" i="0" u="none" strike="noStrike" cap="none" normalizeH="0" baseline="0" dirty="0" smtClean="0">
+                <a:ln>
+                  <a:noFill/>
+                </a:ln>
+                <a:solidFill>
+                  <a:schemeClr val="tx1"/>
+                </a:solidFill>
+                <a:effectLst/>
+                <a:latin typeface="メイリオ" panose="020B0604030504040204" pitchFamily="50" charset="-128"/>
+                <a:ea typeface="メイリオ" panose="020B0604030504040204" pitchFamily="50" charset="-128"/>
+              </a:rPr>
+              <a:t>参照</a:t>
+            </a:r>
+            <a:endParaRPr kumimoji="1" lang="ja-JP" altLang="en-US" sz="1600" b="1" i="0" u="none" strike="noStrike" cap="none" normalizeH="0" baseline="0" dirty="0" smtClean="0">
+              <a:ln>
+                <a:noFill/>
+              </a:ln>
+              <a:solidFill>
+                <a:schemeClr val="tx1"/>
+              </a:solidFill>
+              <a:effectLst/>
               <a:latin typeface="メイリオ" panose="020B0604030504040204" pitchFamily="50" charset="-128"/>
               <a:ea typeface="メイリオ" panose="020B0604030504040204" pitchFamily="50" charset="-128"/>
             </a:endParaRPr>

--- a/design/2016/models/concept_sheet2016_253.pptx
+++ b/design/2016/models/concept_sheet2016_253.pptx
@@ -4058,7 +4058,14 @@
                 <a:latin typeface="メイリオ" panose="020B0604030504040204" pitchFamily="50" charset="-128"/>
                 <a:ea typeface="メイリオ" panose="020B0604030504040204" pitchFamily="50" charset="-128"/>
               </a:rPr>
-              <a:t>座標指定でコースを滑らかに移動させる為の方法</a:t>
+              <a:t>・座標</a:t>
+            </a:r>
+            <a:r>
+              <a:rPr lang="ja-JP" altLang="en-US" dirty="0" smtClean="0">
+                <a:latin typeface="メイリオ" panose="020B0604030504040204" pitchFamily="50" charset="-128"/>
+                <a:ea typeface="メイリオ" panose="020B0604030504040204" pitchFamily="50" charset="-128"/>
+              </a:rPr>
+              <a:t>指定でコースを滑らかに移動させる為の方法</a:t>
             </a:r>
             <a:endParaRPr lang="en-US" altLang="ja-JP" dirty="0" smtClean="0">
               <a:latin typeface="メイリオ" panose="020B0604030504040204" pitchFamily="50" charset="-128"/>
@@ -4074,6 +4081,62 @@
                 <a:spcPct val="20000"/>
               </a:spcBef>
             </a:pPr>
+            <a:r>
+              <a:rPr lang="en-US" altLang="ja-JP" dirty="0">
+                <a:latin typeface="メイリオ" panose="020B0604030504040204" pitchFamily="50" charset="-128"/>
+                <a:ea typeface="メイリオ" panose="020B0604030504040204" pitchFamily="50" charset="-128"/>
+              </a:rPr>
+              <a:t> </a:t>
+            </a:r>
+            <a:r>
+              <a:rPr lang="en-US" altLang="ja-JP" dirty="0" smtClean="0">
+                <a:latin typeface="メイリオ" panose="020B0604030504040204" pitchFamily="50" charset="-128"/>
+                <a:ea typeface="メイリオ" panose="020B0604030504040204" pitchFamily="50" charset="-128"/>
+              </a:rPr>
+              <a:t> </a:t>
+            </a:r>
+            <a:r>
+              <a:rPr lang="ja-JP" altLang="en-US" dirty="0" smtClean="0">
+                <a:latin typeface="メイリオ" panose="020B0604030504040204" pitchFamily="50" charset="-128"/>
+                <a:ea typeface="メイリオ" panose="020B0604030504040204" pitchFamily="50" charset="-128"/>
+              </a:rPr>
+              <a:t> 座標指定での点移動でも滑らかに移動できるようにしたことで無駄のない動きで、安定走行を実現させました！</a:t>
+            </a:r>
+            <a:endParaRPr lang="en-US" altLang="ja-JP" dirty="0" smtClean="0">
+              <a:latin typeface="メイリオ" panose="020B0604030504040204" pitchFamily="50" charset="-128"/>
+              <a:ea typeface="メイリオ" panose="020B0604030504040204" pitchFamily="50" charset="-128"/>
+            </a:endParaRPr>
+          </a:p>
+          <a:p>
+            <a:pPr marL="0" indent="0" eaLnBrk="1" hangingPunct="1">
+              <a:lnSpc>
+                <a:spcPct val="80000"/>
+              </a:lnSpc>
+              <a:spcBef>
+                <a:spcPct val="20000"/>
+              </a:spcBef>
+            </a:pPr>
+            <a:endParaRPr lang="en-US" altLang="ja-JP" dirty="0">
+              <a:latin typeface="メイリオ" panose="020B0604030504040204" pitchFamily="50" charset="-128"/>
+              <a:ea typeface="メイリオ" panose="020B0604030504040204" pitchFamily="50" charset="-128"/>
+            </a:endParaRPr>
+          </a:p>
+          <a:p>
+            <a:pPr marL="0" indent="0" eaLnBrk="1" hangingPunct="1">
+              <a:lnSpc>
+                <a:spcPct val="80000"/>
+              </a:lnSpc>
+              <a:spcBef>
+                <a:spcPct val="20000"/>
+              </a:spcBef>
+            </a:pPr>
+            <a:r>
+              <a:rPr lang="ja-JP" altLang="en-US" dirty="0" smtClean="0">
+                <a:latin typeface="メイリオ" panose="020B0604030504040204" pitchFamily="50" charset="-128"/>
+                <a:ea typeface="メイリオ" panose="020B0604030504040204" pitchFamily="50" charset="-128"/>
+              </a:rPr>
+              <a:t>・</a:t>
+            </a:r>
             <a:endParaRPr lang="en-US" altLang="ja-JP" dirty="0" smtClean="0">
               <a:latin typeface="メイリオ" panose="020B0604030504040204" pitchFamily="50" charset="-128"/>
               <a:ea typeface="メイリオ" panose="020B0604030504040204" pitchFamily="50" charset="-128"/>
@@ -4355,14 +4418,7 @@
                 <a:latin typeface="メイリオ" panose="020B0604030504040204" pitchFamily="50" charset="-128"/>
                 <a:ea typeface="メイリオ" panose="020B0604030504040204" pitchFamily="50" charset="-128"/>
               </a:rPr>
-              <a:t>でチーム名、</a:t>
-            </a:r>
-            <a:r>
-              <a:rPr lang="ja-JP" altLang="en-US" dirty="0" smtClean="0">
-                <a:latin typeface="メイリオ" panose="020B0604030504040204" pitchFamily="50" charset="-128"/>
-                <a:ea typeface="メイリオ" panose="020B0604030504040204" pitchFamily="50" charset="-128"/>
-              </a:rPr>
-              <a:t>出しとくゾイ」</a:t>
+              <a:t>でチーム名、出しとくゾイ」</a:t>
             </a:r>
             <a:r>
               <a:rPr lang="en-US" altLang="ja-JP" dirty="0" smtClean="0">
@@ -4882,17 +4938,6 @@
               </a:rPr>
               <a:t>参照</a:t>
             </a:r>
-            <a:endParaRPr kumimoji="1" lang="ja-JP" altLang="en-US" sz="1600" b="1" i="0" u="none" strike="noStrike" cap="none" normalizeH="0" baseline="0" dirty="0" smtClean="0">
-              <a:ln>
-                <a:noFill/>
-              </a:ln>
-              <a:solidFill>
-                <a:schemeClr val="tx1"/>
-              </a:solidFill>
-              <a:effectLst/>
-              <a:latin typeface="メイリオ" panose="020B0604030504040204" pitchFamily="50" charset="-128"/>
-              <a:ea typeface="メイリオ" panose="020B0604030504040204" pitchFamily="50" charset="-128"/>
-            </a:endParaRPr>
           </a:p>
         </p:txBody>
       </p:sp>
@@ -4969,17 +5014,6 @@
               </a:rPr>
               <a:t>参照</a:t>
             </a:r>
-            <a:endParaRPr kumimoji="1" lang="ja-JP" altLang="en-US" sz="1600" b="1" i="0" u="none" strike="noStrike" cap="none" normalizeH="0" baseline="0" dirty="0" smtClean="0">
-              <a:ln>
-                <a:noFill/>
-              </a:ln>
-              <a:solidFill>
-                <a:schemeClr val="tx1"/>
-              </a:solidFill>
-              <a:effectLst/>
-              <a:latin typeface="メイリオ" panose="020B0604030504040204" pitchFamily="50" charset="-128"/>
-              <a:ea typeface="メイリオ" panose="020B0604030504040204" pitchFamily="50" charset="-128"/>
-            </a:endParaRPr>
           </a:p>
         </p:txBody>
       </p:sp>
@@ -5056,17 +5090,6 @@
               </a:rPr>
               <a:t>参照</a:t>
             </a:r>
-            <a:endParaRPr kumimoji="1" lang="ja-JP" altLang="en-US" sz="1600" b="1" i="0" u="none" strike="noStrike" cap="none" normalizeH="0" baseline="0" dirty="0" smtClean="0">
-              <a:ln>
-                <a:noFill/>
-              </a:ln>
-              <a:solidFill>
-                <a:schemeClr val="tx1"/>
-              </a:solidFill>
-              <a:effectLst/>
-              <a:latin typeface="メイリオ" panose="020B0604030504040204" pitchFamily="50" charset="-128"/>
-              <a:ea typeface="メイリオ" panose="020B0604030504040204" pitchFamily="50" charset="-128"/>
-            </a:endParaRPr>
           </a:p>
         </p:txBody>
       </p:sp>
@@ -5143,17 +5166,6 @@
               </a:rPr>
               <a:t>参照</a:t>
             </a:r>
-            <a:endParaRPr kumimoji="1" lang="ja-JP" altLang="en-US" sz="1600" b="1" i="0" u="none" strike="noStrike" cap="none" normalizeH="0" baseline="0" dirty="0" smtClean="0">
-              <a:ln>
-                <a:noFill/>
-              </a:ln>
-              <a:solidFill>
-                <a:schemeClr val="tx1"/>
-              </a:solidFill>
-              <a:effectLst/>
-              <a:latin typeface="メイリオ" panose="020B0604030504040204" pitchFamily="50" charset="-128"/>
-              <a:ea typeface="メイリオ" panose="020B0604030504040204" pitchFamily="50" charset="-128"/>
-            </a:endParaRPr>
           </a:p>
         </p:txBody>
       </p:sp>

--- a/design/2016/models/concept_sheet2016_253.pptx
+++ b/design/2016/models/concept_sheet2016_253.pptx
@@ -2479,937 +2479,265 @@
       </p:grpSpPr>
       <p:sp>
         <p:nvSpPr>
-          <p:cNvPr id="4098" name="Rectangle 5"/>
-          <p:cNvSpPr>
-            <a:spLocks noChangeArrowheads="1"/>
-          </p:cNvSpPr>
+          <p:cNvPr id="3" name="横巻き 2"/>
+          <p:cNvSpPr/>
           <p:nvPr/>
         </p:nvSpPr>
         <p:spPr bwMode="auto">
           <a:xfrm>
-            <a:off x="503238" y="1365250"/>
-            <a:ext cx="1924050" cy="593725"/>
+            <a:off x="7932737" y="7030319"/>
+            <a:ext cx="6480175" cy="703672"/>
           </a:xfrm>
-          <a:prstGeom prst="rect">
+          <a:prstGeom prst="horizontalScroll">
             <a:avLst/>
           </a:prstGeom>
-          <a:noFill/>
-          <a:ln>
-            <a:noFill/>
+          <a:solidFill>
+            <a:srgbClr val="D24726"/>
+          </a:solidFill>
+          <a:ln w="9525" cap="flat" cmpd="sng" algn="ctr">
+            <a:solidFill>
+              <a:schemeClr val="tx1"/>
+            </a:solidFill>
+            <a:prstDash val="solid"/>
+            <a:round/>
+            <a:headEnd type="none" w="med" len="med"/>
+            <a:tailEnd type="none" w="med" len="med"/>
           </a:ln>
-          <a:extLst>
-            <a:ext uri="{909E8E84-426E-40DD-AFC4-6F175D3DCCD1}">
-              <a14:hiddenFill xmlns:a14="http://schemas.microsoft.com/office/drawing/2010/main">
-                <a:solidFill>
-                  <a:srgbClr val="FFFFFF"/>
-                </a:solidFill>
-              </a14:hiddenFill>
-            </a:ext>
-            <a:ext uri="{91240B29-F687-4F45-9708-019B960494DF}">
-              <a14:hiddenLine xmlns:a14="http://schemas.microsoft.com/office/drawing/2010/main" w="9525">
-                <a:solidFill>
-                  <a:srgbClr val="000000"/>
-                </a:solidFill>
-                <a:miter lim="800000"/>
-                <a:headEnd/>
-                <a:tailEnd/>
-              </a14:hiddenLine>
-            </a:ext>
-          </a:extLst>
+          <a:effectLst/>
         </p:spPr>
         <p:txBody>
-          <a:bodyPr wrap="none" lIns="142537" tIns="71269" rIns="142537" bIns="71269" anchor="ctr"/>
-          <a:lstStyle>
-            <a:lvl1pPr defTabSz="1279525">
-              <a:defRPr kumimoji="1" sz="1600">
-                <a:solidFill>
-                  <a:schemeClr val="tx1"/>
-                </a:solidFill>
-                <a:latin typeface="Times New Roman" panose="02020603050405020304" pitchFamily="18" charset="0"/>
-                <a:ea typeface="ＭＳ Ｐゴシック" panose="020B0600070205080204" pitchFamily="50" charset="-128"/>
-              </a:defRPr>
-            </a:lvl1pPr>
-            <a:lvl2pPr marL="742950" indent="-285750" defTabSz="1279525">
-              <a:defRPr kumimoji="1" sz="1600">
-                <a:solidFill>
-                  <a:schemeClr val="tx1"/>
-                </a:solidFill>
-                <a:latin typeface="Times New Roman" panose="02020603050405020304" pitchFamily="18" charset="0"/>
-                <a:ea typeface="ＭＳ Ｐゴシック" panose="020B0600070205080204" pitchFamily="50" charset="-128"/>
-              </a:defRPr>
-            </a:lvl2pPr>
-            <a:lvl3pPr marL="1143000" indent="-228600" defTabSz="1279525">
-              <a:defRPr kumimoji="1" sz="1600">
-                <a:solidFill>
-                  <a:schemeClr val="tx1"/>
-                </a:solidFill>
-                <a:latin typeface="Times New Roman" panose="02020603050405020304" pitchFamily="18" charset="0"/>
-                <a:ea typeface="ＭＳ Ｐゴシック" panose="020B0600070205080204" pitchFamily="50" charset="-128"/>
-              </a:defRPr>
-            </a:lvl3pPr>
-            <a:lvl4pPr marL="1600200" indent="-228600" defTabSz="1279525">
-              <a:defRPr kumimoji="1" sz="1600">
-                <a:solidFill>
-                  <a:schemeClr val="tx1"/>
-                </a:solidFill>
-                <a:latin typeface="Times New Roman" panose="02020603050405020304" pitchFamily="18" charset="0"/>
-                <a:ea typeface="ＭＳ Ｐゴシック" panose="020B0600070205080204" pitchFamily="50" charset="-128"/>
-              </a:defRPr>
-            </a:lvl4pPr>
-            <a:lvl5pPr marL="2057400" indent="-228600" defTabSz="1279525">
-              <a:defRPr kumimoji="1" sz="1600">
-                <a:solidFill>
-                  <a:schemeClr val="tx1"/>
-                </a:solidFill>
-                <a:latin typeface="Times New Roman" panose="02020603050405020304" pitchFamily="18" charset="0"/>
-                <a:ea typeface="ＭＳ Ｐゴシック" panose="020B0600070205080204" pitchFamily="50" charset="-128"/>
-              </a:defRPr>
-            </a:lvl5pPr>
-            <a:lvl6pPr marL="2514600" indent="-228600" defTabSz="1279525" eaLnBrk="0" fontAlgn="base" hangingPunct="0">
+          <a:bodyPr vert="horz" wrap="square" lIns="91440" tIns="45720" rIns="91440" bIns="45720" numCol="1" rtlCol="0" anchor="t" anchorCtr="0" compatLnSpc="1">
+            <a:prstTxWarp prst="textNoShape">
+              <a:avLst/>
+            </a:prstTxWarp>
+          </a:bodyPr>
+          <a:lstStyle/>
+          <a:p>
+            <a:pPr marL="0" marR="0" indent="0" algn="l" defTabSz="611188" rtl="0" eaLnBrk="1" fontAlgn="base" latinLnBrk="0" hangingPunct="1">
+              <a:lnSpc>
+                <a:spcPct val="100000"/>
+              </a:lnSpc>
               <a:spcBef>
                 <a:spcPct val="0"/>
               </a:spcBef>
               <a:spcAft>
                 <a:spcPct val="0"/>
               </a:spcAft>
-              <a:defRPr kumimoji="1" sz="1600">
-                <a:solidFill>
-                  <a:schemeClr val="tx1"/>
-                </a:solidFill>
-                <a:latin typeface="Times New Roman" panose="02020603050405020304" pitchFamily="18" charset="0"/>
-                <a:ea typeface="ＭＳ Ｐゴシック" panose="020B0600070205080204" pitchFamily="50" charset="-128"/>
-              </a:defRPr>
-            </a:lvl6pPr>
-            <a:lvl7pPr marL="2971800" indent="-228600" defTabSz="1279525" eaLnBrk="0" fontAlgn="base" hangingPunct="0">
-              <a:spcBef>
-                <a:spcPct val="0"/>
-              </a:spcBef>
-              <a:spcAft>
-                <a:spcPct val="0"/>
-              </a:spcAft>
-              <a:defRPr kumimoji="1" sz="1600">
-                <a:solidFill>
-                  <a:schemeClr val="tx1"/>
-                </a:solidFill>
-                <a:latin typeface="Times New Roman" panose="02020603050405020304" pitchFamily="18" charset="0"/>
-                <a:ea typeface="ＭＳ Ｐゴシック" panose="020B0600070205080204" pitchFamily="50" charset="-128"/>
-              </a:defRPr>
-            </a:lvl7pPr>
-            <a:lvl8pPr marL="3429000" indent="-228600" defTabSz="1279525" eaLnBrk="0" fontAlgn="base" hangingPunct="0">
-              <a:spcBef>
-                <a:spcPct val="0"/>
-              </a:spcBef>
-              <a:spcAft>
-                <a:spcPct val="0"/>
-              </a:spcAft>
-              <a:defRPr kumimoji="1" sz="1600">
-                <a:solidFill>
-                  <a:schemeClr val="tx1"/>
-                </a:solidFill>
-                <a:latin typeface="Times New Roman" panose="02020603050405020304" pitchFamily="18" charset="0"/>
-                <a:ea typeface="ＭＳ Ｐゴシック" panose="020B0600070205080204" pitchFamily="50" charset="-128"/>
-              </a:defRPr>
-            </a:lvl8pPr>
-            <a:lvl9pPr marL="3886200" indent="-228600" defTabSz="1279525" eaLnBrk="0" fontAlgn="base" hangingPunct="0">
-              <a:spcBef>
-                <a:spcPct val="0"/>
-              </a:spcBef>
-              <a:spcAft>
-                <a:spcPct val="0"/>
-              </a:spcAft>
-              <a:defRPr kumimoji="1" sz="1600">
-                <a:solidFill>
-                  <a:schemeClr val="tx1"/>
-                </a:solidFill>
-                <a:latin typeface="Times New Roman" panose="02020603050405020304" pitchFamily="18" charset="0"/>
-                <a:ea typeface="ＭＳ Ｐゴシック" panose="020B0600070205080204" pitchFamily="50" charset="-128"/>
-              </a:defRPr>
-            </a:lvl9pPr>
-          </a:lstStyle>
-          <a:p>
-            <a:pPr eaLnBrk="1" hangingPunct="1">
-              <a:defRPr/>
-            </a:pPr>
-            <a:r>
-              <a:rPr lang="ja-JP" altLang="en-US" sz="1800" dirty="0" smtClean="0">
-                <a:latin typeface="+mj-ea"/>
-                <a:ea typeface="+mj-ea"/>
-              </a:rPr>
-              <a:t>チームＮｏ</a:t>
-            </a:r>
-            <a:r>
-              <a:rPr lang="ja-JP" altLang="en-US" sz="1800" smtClean="0">
-                <a:latin typeface="+mj-ea"/>
-                <a:ea typeface="+mj-ea"/>
-              </a:rPr>
-              <a:t>．２５３</a:t>
-            </a:r>
-            <a:endParaRPr lang="ja-JP" altLang="en-US" sz="1800" dirty="0">
-              <a:latin typeface="+mj-ea"/>
-              <a:ea typeface="+mj-ea"/>
+              <a:buClrTx/>
+              <a:buSzTx/>
+              <a:buFontTx/>
+              <a:buNone/>
+              <a:tabLst/>
+            </a:pPr>
+            <a:endParaRPr kumimoji="1" lang="ja-JP" altLang="en-US" sz="1600" b="0" i="0" u="none" strike="noStrike" cap="none" normalizeH="0" baseline="0" smtClean="0">
+              <a:ln>
+                <a:noFill/>
+              </a:ln>
+              <a:solidFill>
+                <a:schemeClr val="tx1"/>
+              </a:solidFill>
+              <a:effectLst/>
+              <a:latin typeface="Times New Roman" pitchFamily="18" charset="0"/>
+              <a:ea typeface="ＭＳ Ｐゴシック" pitchFamily="50" charset="-128"/>
             </a:endParaRPr>
           </a:p>
         </p:txBody>
       </p:sp>
       <p:sp>
         <p:nvSpPr>
-          <p:cNvPr id="4099" name="Rectangle 6"/>
-          <p:cNvSpPr>
-            <a:spLocks noChangeArrowheads="1"/>
-          </p:cNvSpPr>
+          <p:cNvPr id="21" name="横巻き 20"/>
+          <p:cNvSpPr/>
           <p:nvPr/>
         </p:nvSpPr>
         <p:spPr bwMode="auto">
           <a:xfrm>
-            <a:off x="6580188" y="1363663"/>
-            <a:ext cx="5940425" cy="595312"/>
+            <a:off x="719136" y="7712118"/>
+            <a:ext cx="6480175" cy="703672"/>
           </a:xfrm>
-          <a:prstGeom prst="rect">
+          <a:prstGeom prst="horizontalScroll">
             <a:avLst/>
           </a:prstGeom>
-          <a:noFill/>
-          <a:ln>
-            <a:noFill/>
+          <a:solidFill>
+            <a:srgbClr val="D24726"/>
+          </a:solidFill>
+          <a:ln w="9525" cap="flat" cmpd="sng" algn="ctr">
+            <a:solidFill>
+              <a:schemeClr val="tx1"/>
+            </a:solidFill>
+            <a:prstDash val="solid"/>
+            <a:round/>
+            <a:headEnd type="none" w="med" len="med"/>
+            <a:tailEnd type="none" w="med" len="med"/>
           </a:ln>
-          <a:extLst>
-            <a:ext uri="{909E8E84-426E-40DD-AFC4-6F175D3DCCD1}">
-              <a14:hiddenFill xmlns:a14="http://schemas.microsoft.com/office/drawing/2010/main">
-                <a:solidFill>
-                  <a:srgbClr val="FFFFFF"/>
-                </a:solidFill>
-              </a14:hiddenFill>
-            </a:ext>
-            <a:ext uri="{91240B29-F687-4F45-9708-019B960494DF}">
-              <a14:hiddenLine xmlns:a14="http://schemas.microsoft.com/office/drawing/2010/main" w="9525">
-                <a:solidFill>
-                  <a:srgbClr val="000000"/>
-                </a:solidFill>
-                <a:miter lim="800000"/>
-                <a:headEnd/>
-                <a:tailEnd/>
-              </a14:hiddenLine>
-            </a:ext>
-          </a:extLst>
+          <a:effectLst/>
         </p:spPr>
         <p:txBody>
-          <a:bodyPr wrap="none" lIns="142537" tIns="71269" rIns="142537" bIns="71269" anchor="ctr"/>
-          <a:lstStyle>
-            <a:lvl1pPr defTabSz="1279525">
-              <a:defRPr kumimoji="1" sz="1600">
-                <a:solidFill>
-                  <a:schemeClr val="tx1"/>
-                </a:solidFill>
-                <a:latin typeface="Times New Roman" panose="02020603050405020304" pitchFamily="18" charset="0"/>
-                <a:ea typeface="ＭＳ Ｐゴシック" panose="020B0600070205080204" pitchFamily="50" charset="-128"/>
-              </a:defRPr>
-            </a:lvl1pPr>
-            <a:lvl2pPr marL="742950" indent="-285750" defTabSz="1279525">
-              <a:defRPr kumimoji="1" sz="1600">
-                <a:solidFill>
-                  <a:schemeClr val="tx1"/>
-                </a:solidFill>
-                <a:latin typeface="Times New Roman" panose="02020603050405020304" pitchFamily="18" charset="0"/>
-                <a:ea typeface="ＭＳ Ｐゴシック" panose="020B0600070205080204" pitchFamily="50" charset="-128"/>
-              </a:defRPr>
-            </a:lvl2pPr>
-            <a:lvl3pPr marL="1143000" indent="-228600" defTabSz="1279525">
-              <a:defRPr kumimoji="1" sz="1600">
-                <a:solidFill>
-                  <a:schemeClr val="tx1"/>
-                </a:solidFill>
-                <a:latin typeface="Times New Roman" panose="02020603050405020304" pitchFamily="18" charset="0"/>
-                <a:ea typeface="ＭＳ Ｐゴシック" panose="020B0600070205080204" pitchFamily="50" charset="-128"/>
-              </a:defRPr>
-            </a:lvl3pPr>
-            <a:lvl4pPr marL="1600200" indent="-228600" defTabSz="1279525">
-              <a:defRPr kumimoji="1" sz="1600">
-                <a:solidFill>
-                  <a:schemeClr val="tx1"/>
-                </a:solidFill>
-                <a:latin typeface="Times New Roman" panose="02020603050405020304" pitchFamily="18" charset="0"/>
-                <a:ea typeface="ＭＳ Ｐゴシック" panose="020B0600070205080204" pitchFamily="50" charset="-128"/>
-              </a:defRPr>
-            </a:lvl4pPr>
-            <a:lvl5pPr marL="2057400" indent="-228600" defTabSz="1279525">
-              <a:defRPr kumimoji="1" sz="1600">
-                <a:solidFill>
-                  <a:schemeClr val="tx1"/>
-                </a:solidFill>
-                <a:latin typeface="Times New Roman" panose="02020603050405020304" pitchFamily="18" charset="0"/>
-                <a:ea typeface="ＭＳ Ｐゴシック" panose="020B0600070205080204" pitchFamily="50" charset="-128"/>
-              </a:defRPr>
-            </a:lvl5pPr>
-            <a:lvl6pPr marL="2514600" indent="-228600" defTabSz="1279525" eaLnBrk="0" fontAlgn="base" hangingPunct="0">
+          <a:bodyPr vert="horz" wrap="square" lIns="91440" tIns="45720" rIns="91440" bIns="45720" numCol="1" rtlCol="0" anchor="t" anchorCtr="0" compatLnSpc="1">
+            <a:prstTxWarp prst="textNoShape">
+              <a:avLst/>
+            </a:prstTxWarp>
+          </a:bodyPr>
+          <a:lstStyle/>
+          <a:p>
+            <a:pPr marL="0" marR="0" indent="0" algn="l" defTabSz="611188" rtl="0" eaLnBrk="1" fontAlgn="base" latinLnBrk="0" hangingPunct="1">
+              <a:lnSpc>
+                <a:spcPct val="100000"/>
+              </a:lnSpc>
               <a:spcBef>
                 <a:spcPct val="0"/>
               </a:spcBef>
               <a:spcAft>
                 <a:spcPct val="0"/>
               </a:spcAft>
-              <a:defRPr kumimoji="1" sz="1600">
-                <a:solidFill>
-                  <a:schemeClr val="tx1"/>
-                </a:solidFill>
-                <a:latin typeface="Times New Roman" panose="02020603050405020304" pitchFamily="18" charset="0"/>
-                <a:ea typeface="ＭＳ Ｐゴシック" panose="020B0600070205080204" pitchFamily="50" charset="-128"/>
-              </a:defRPr>
-            </a:lvl6pPr>
-            <a:lvl7pPr marL="2971800" indent="-228600" defTabSz="1279525" eaLnBrk="0" fontAlgn="base" hangingPunct="0">
-              <a:spcBef>
-                <a:spcPct val="0"/>
-              </a:spcBef>
-              <a:spcAft>
-                <a:spcPct val="0"/>
-              </a:spcAft>
-              <a:defRPr kumimoji="1" sz="1600">
-                <a:solidFill>
-                  <a:schemeClr val="tx1"/>
-                </a:solidFill>
-                <a:latin typeface="Times New Roman" panose="02020603050405020304" pitchFamily="18" charset="0"/>
-                <a:ea typeface="ＭＳ Ｐゴシック" panose="020B0600070205080204" pitchFamily="50" charset="-128"/>
-              </a:defRPr>
-            </a:lvl7pPr>
-            <a:lvl8pPr marL="3429000" indent="-228600" defTabSz="1279525" eaLnBrk="0" fontAlgn="base" hangingPunct="0">
-              <a:spcBef>
-                <a:spcPct val="0"/>
-              </a:spcBef>
-              <a:spcAft>
-                <a:spcPct val="0"/>
-              </a:spcAft>
-              <a:defRPr kumimoji="1" sz="1600">
-                <a:solidFill>
-                  <a:schemeClr val="tx1"/>
-                </a:solidFill>
-                <a:latin typeface="Times New Roman" panose="02020603050405020304" pitchFamily="18" charset="0"/>
-                <a:ea typeface="ＭＳ Ｐゴシック" panose="020B0600070205080204" pitchFamily="50" charset="-128"/>
-              </a:defRPr>
-            </a:lvl8pPr>
-            <a:lvl9pPr marL="3886200" indent="-228600" defTabSz="1279525" eaLnBrk="0" fontAlgn="base" hangingPunct="0">
-              <a:spcBef>
-                <a:spcPct val="0"/>
-              </a:spcBef>
-              <a:spcAft>
-                <a:spcPct val="0"/>
-              </a:spcAft>
-              <a:defRPr kumimoji="1" sz="1600">
-                <a:solidFill>
-                  <a:schemeClr val="tx1"/>
-                </a:solidFill>
-                <a:latin typeface="Times New Roman" panose="02020603050405020304" pitchFamily="18" charset="0"/>
-                <a:ea typeface="ＭＳ Ｐゴシック" panose="020B0600070205080204" pitchFamily="50" charset="-128"/>
-              </a:defRPr>
-            </a:lvl9pPr>
-          </a:lstStyle>
-          <a:p>
-            <a:pPr eaLnBrk="1" hangingPunct="1">
-              <a:defRPr/>
-            </a:pPr>
-            <a:r>
-              <a:rPr lang="ja-JP" altLang="en-US" sz="1800" dirty="0">
-                <a:latin typeface="+mj-ea"/>
-                <a:ea typeface="+mj-ea"/>
-              </a:rPr>
-              <a:t>所属</a:t>
-            </a:r>
-            <a:r>
-              <a:rPr lang="ja-JP" altLang="en-US" sz="1800" dirty="0" smtClean="0">
-                <a:latin typeface="+mj-ea"/>
-                <a:ea typeface="+mj-ea"/>
-              </a:rPr>
-              <a:t>：</a:t>
-            </a:r>
-            <a:r>
-              <a:rPr lang="ja-JP" altLang="en-US" sz="1800" dirty="0"/>
-              <a:t>リコー</a:t>
-            </a:r>
-            <a:r>
-              <a:rPr lang="en-US" altLang="ja-JP" sz="1800" dirty="0"/>
-              <a:t>IT</a:t>
-            </a:r>
-            <a:r>
-              <a:rPr lang="ja-JP" altLang="en-US" sz="1800" dirty="0"/>
-              <a:t>ソリューションズ株式会社 </a:t>
-            </a:r>
-            <a:r>
-              <a:rPr lang="en-US" altLang="ja-JP" sz="1800" dirty="0"/>
-              <a:t>ES</a:t>
-            </a:r>
-            <a:r>
-              <a:rPr lang="ja-JP" altLang="en-US" sz="1800" dirty="0" smtClean="0"/>
-              <a:t>事業部</a:t>
-            </a:r>
-            <a:endParaRPr lang="en-US" altLang="ja-JP" sz="1800" dirty="0" smtClean="0"/>
-          </a:p>
-          <a:p>
-            <a:pPr eaLnBrk="1" hangingPunct="1">
-              <a:defRPr/>
-            </a:pPr>
-            <a:r>
-              <a:rPr lang="ja-JP" altLang="en-US" sz="1800" dirty="0"/>
-              <a:t>　</a:t>
-            </a:r>
-            <a:r>
-              <a:rPr lang="ja-JP" altLang="en-US" sz="1800" dirty="0" smtClean="0"/>
-              <a:t>　　　首都圏</a:t>
-            </a:r>
-            <a:r>
-              <a:rPr lang="ja-JP" altLang="en-US" sz="1800" dirty="0"/>
-              <a:t>事業所</a:t>
-            </a:r>
-            <a:endParaRPr lang="ja-JP" altLang="en-US" sz="1800" dirty="0">
-              <a:latin typeface="+mj-ea"/>
-              <a:ea typeface="+mj-ea"/>
+              <a:buClrTx/>
+              <a:buSzTx/>
+              <a:buFontTx/>
+              <a:buNone/>
+              <a:tabLst/>
+            </a:pPr>
+            <a:endParaRPr kumimoji="1" lang="ja-JP" altLang="en-US" sz="1600" b="0" i="0" u="none" strike="noStrike" cap="none" normalizeH="0" baseline="0" smtClean="0">
+              <a:ln>
+                <a:noFill/>
+              </a:ln>
+              <a:solidFill>
+                <a:schemeClr val="tx1"/>
+              </a:solidFill>
+              <a:effectLst/>
+              <a:latin typeface="Times New Roman" pitchFamily="18" charset="0"/>
+              <a:ea typeface="ＭＳ Ｐゴシック" pitchFamily="50" charset="-128"/>
             </a:endParaRPr>
           </a:p>
         </p:txBody>
       </p:sp>
       <p:sp>
         <p:nvSpPr>
-          <p:cNvPr id="4101" name="Rectangle 16"/>
-          <p:cNvSpPr>
-            <a:spLocks noChangeArrowheads="1"/>
-          </p:cNvSpPr>
+          <p:cNvPr id="17" name="横巻き 16"/>
+          <p:cNvSpPr/>
           <p:nvPr/>
         </p:nvSpPr>
         <p:spPr bwMode="auto">
           <a:xfrm>
-            <a:off x="6580188" y="615950"/>
-            <a:ext cx="3035300" cy="593725"/>
+            <a:off x="7932737" y="4153583"/>
+            <a:ext cx="6480175" cy="703672"/>
           </a:xfrm>
-          <a:prstGeom prst="rect">
+          <a:prstGeom prst="horizontalScroll">
             <a:avLst/>
           </a:prstGeom>
-          <a:noFill/>
-          <a:ln>
-            <a:noFill/>
+          <a:solidFill>
+            <a:srgbClr val="D24726"/>
+          </a:solidFill>
+          <a:ln w="9525" cap="flat" cmpd="sng" algn="ctr">
+            <a:solidFill>
+              <a:schemeClr val="tx1"/>
+            </a:solidFill>
+            <a:prstDash val="solid"/>
+            <a:round/>
+            <a:headEnd type="none" w="med" len="med"/>
+            <a:tailEnd type="none" w="med" len="med"/>
           </a:ln>
-          <a:extLst>
-            <a:ext uri="{909E8E84-426E-40DD-AFC4-6F175D3DCCD1}">
-              <a14:hiddenFill xmlns:a14="http://schemas.microsoft.com/office/drawing/2010/main">
-                <a:solidFill>
-                  <a:srgbClr val="FFFFFF"/>
-                </a:solidFill>
-              </a14:hiddenFill>
-            </a:ext>
-            <a:ext uri="{91240B29-F687-4F45-9708-019B960494DF}">
-              <a14:hiddenLine xmlns:a14="http://schemas.microsoft.com/office/drawing/2010/main" w="9525">
-                <a:solidFill>
-                  <a:srgbClr val="000000"/>
-                </a:solidFill>
-                <a:miter lim="800000"/>
-                <a:headEnd/>
-                <a:tailEnd/>
-              </a14:hiddenLine>
-            </a:ext>
-          </a:extLst>
+          <a:effectLst/>
         </p:spPr>
         <p:txBody>
-          <a:bodyPr wrap="none" lIns="142537" tIns="71269" rIns="142537" bIns="71269" anchor="ctr"/>
-          <a:lstStyle>
-            <a:lvl1pPr defTabSz="1279525">
-              <a:defRPr kumimoji="1" sz="1600">
-                <a:solidFill>
-                  <a:schemeClr val="tx1"/>
-                </a:solidFill>
-                <a:latin typeface="Times New Roman" panose="02020603050405020304" pitchFamily="18" charset="0"/>
-                <a:ea typeface="ＭＳ Ｐゴシック" panose="020B0600070205080204" pitchFamily="50" charset="-128"/>
-              </a:defRPr>
-            </a:lvl1pPr>
-            <a:lvl2pPr marL="742950" indent="-285750" defTabSz="1279525">
-              <a:defRPr kumimoji="1" sz="1600">
-                <a:solidFill>
-                  <a:schemeClr val="tx1"/>
-                </a:solidFill>
-                <a:latin typeface="Times New Roman" panose="02020603050405020304" pitchFamily="18" charset="0"/>
-                <a:ea typeface="ＭＳ Ｐゴシック" panose="020B0600070205080204" pitchFamily="50" charset="-128"/>
-              </a:defRPr>
-            </a:lvl2pPr>
-            <a:lvl3pPr marL="1143000" indent="-228600" defTabSz="1279525">
-              <a:defRPr kumimoji="1" sz="1600">
-                <a:solidFill>
-                  <a:schemeClr val="tx1"/>
-                </a:solidFill>
-                <a:latin typeface="Times New Roman" panose="02020603050405020304" pitchFamily="18" charset="0"/>
-                <a:ea typeface="ＭＳ Ｐゴシック" panose="020B0600070205080204" pitchFamily="50" charset="-128"/>
-              </a:defRPr>
-            </a:lvl3pPr>
-            <a:lvl4pPr marL="1600200" indent="-228600" defTabSz="1279525">
-              <a:defRPr kumimoji="1" sz="1600">
-                <a:solidFill>
-                  <a:schemeClr val="tx1"/>
-                </a:solidFill>
-                <a:latin typeface="Times New Roman" panose="02020603050405020304" pitchFamily="18" charset="0"/>
-                <a:ea typeface="ＭＳ Ｐゴシック" panose="020B0600070205080204" pitchFamily="50" charset="-128"/>
-              </a:defRPr>
-            </a:lvl4pPr>
-            <a:lvl5pPr marL="2057400" indent="-228600" defTabSz="1279525">
-              <a:defRPr kumimoji="1" sz="1600">
-                <a:solidFill>
-                  <a:schemeClr val="tx1"/>
-                </a:solidFill>
-                <a:latin typeface="Times New Roman" panose="02020603050405020304" pitchFamily="18" charset="0"/>
-                <a:ea typeface="ＭＳ Ｐゴシック" panose="020B0600070205080204" pitchFamily="50" charset="-128"/>
-              </a:defRPr>
-            </a:lvl5pPr>
-            <a:lvl6pPr marL="2514600" indent="-228600" defTabSz="1279525" eaLnBrk="0" fontAlgn="base" hangingPunct="0">
+          <a:bodyPr vert="horz" wrap="square" lIns="91440" tIns="45720" rIns="91440" bIns="45720" numCol="1" rtlCol="0" anchor="t" anchorCtr="0" compatLnSpc="1">
+            <a:prstTxWarp prst="textNoShape">
+              <a:avLst/>
+            </a:prstTxWarp>
+          </a:bodyPr>
+          <a:lstStyle/>
+          <a:p>
+            <a:pPr marL="0" marR="0" indent="0" algn="l" defTabSz="611188" rtl="0" eaLnBrk="1" fontAlgn="base" latinLnBrk="0" hangingPunct="1">
+              <a:lnSpc>
+                <a:spcPct val="100000"/>
+              </a:lnSpc>
               <a:spcBef>
                 <a:spcPct val="0"/>
               </a:spcBef>
               <a:spcAft>
                 <a:spcPct val="0"/>
               </a:spcAft>
-              <a:defRPr kumimoji="1" sz="1600">
-                <a:solidFill>
-                  <a:schemeClr val="tx1"/>
-                </a:solidFill>
-                <a:latin typeface="Times New Roman" panose="02020603050405020304" pitchFamily="18" charset="0"/>
-                <a:ea typeface="ＭＳ Ｐゴシック" panose="020B0600070205080204" pitchFamily="50" charset="-128"/>
-              </a:defRPr>
-            </a:lvl6pPr>
-            <a:lvl7pPr marL="2971800" indent="-228600" defTabSz="1279525" eaLnBrk="0" fontAlgn="base" hangingPunct="0">
-              <a:spcBef>
-                <a:spcPct val="0"/>
-              </a:spcBef>
-              <a:spcAft>
-                <a:spcPct val="0"/>
-              </a:spcAft>
-              <a:defRPr kumimoji="1" sz="1600">
-                <a:solidFill>
-                  <a:schemeClr val="tx1"/>
-                </a:solidFill>
-                <a:latin typeface="Times New Roman" panose="02020603050405020304" pitchFamily="18" charset="0"/>
-                <a:ea typeface="ＭＳ Ｐゴシック" panose="020B0600070205080204" pitchFamily="50" charset="-128"/>
-              </a:defRPr>
-            </a:lvl7pPr>
-            <a:lvl8pPr marL="3429000" indent="-228600" defTabSz="1279525" eaLnBrk="0" fontAlgn="base" hangingPunct="0">
-              <a:spcBef>
-                <a:spcPct val="0"/>
-              </a:spcBef>
-              <a:spcAft>
-                <a:spcPct val="0"/>
-              </a:spcAft>
-              <a:defRPr kumimoji="1" sz="1600">
-                <a:solidFill>
-                  <a:schemeClr val="tx1"/>
-                </a:solidFill>
-                <a:latin typeface="Times New Roman" panose="02020603050405020304" pitchFamily="18" charset="0"/>
-                <a:ea typeface="ＭＳ Ｐゴシック" panose="020B0600070205080204" pitchFamily="50" charset="-128"/>
-              </a:defRPr>
-            </a:lvl8pPr>
-            <a:lvl9pPr marL="3886200" indent="-228600" defTabSz="1279525" eaLnBrk="0" fontAlgn="base" hangingPunct="0">
-              <a:spcBef>
-                <a:spcPct val="0"/>
-              </a:spcBef>
-              <a:spcAft>
-                <a:spcPct val="0"/>
-              </a:spcAft>
-              <a:defRPr kumimoji="1" sz="1600">
-                <a:solidFill>
-                  <a:schemeClr val="tx1"/>
-                </a:solidFill>
-                <a:latin typeface="Times New Roman" panose="02020603050405020304" pitchFamily="18" charset="0"/>
-                <a:ea typeface="ＭＳ Ｐゴシック" panose="020B0600070205080204" pitchFamily="50" charset="-128"/>
-              </a:defRPr>
-            </a:lvl9pPr>
-          </a:lstStyle>
-          <a:p>
-            <a:pPr eaLnBrk="1" hangingPunct="1">
-              <a:defRPr/>
-            </a:pPr>
-            <a:r>
-              <a:rPr lang="ja-JP" altLang="en-US" sz="1800" dirty="0" smtClean="0">
-                <a:latin typeface="+mj-ea"/>
-                <a:ea typeface="+mj-ea"/>
-              </a:rPr>
-              <a:t>地区：南関東</a:t>
-            </a:r>
-            <a:endParaRPr lang="ja-JP" altLang="en-US" sz="1800" dirty="0">
-              <a:latin typeface="+mj-ea"/>
-              <a:ea typeface="+mj-ea"/>
+              <a:buClrTx/>
+              <a:buSzTx/>
+              <a:buFontTx/>
+              <a:buNone/>
+              <a:tabLst/>
+            </a:pPr>
+            <a:endParaRPr kumimoji="1" lang="ja-JP" altLang="en-US" sz="1600" b="0" i="0" u="none" strike="noStrike" cap="none" normalizeH="0" baseline="0" smtClean="0">
+              <a:ln>
+                <a:noFill/>
+              </a:ln>
+              <a:solidFill>
+                <a:schemeClr val="tx1"/>
+              </a:solidFill>
+              <a:effectLst/>
+              <a:latin typeface="Times New Roman" pitchFamily="18" charset="0"/>
+              <a:ea typeface="ＭＳ Ｐゴシック" pitchFamily="50" charset="-128"/>
             </a:endParaRPr>
           </a:p>
         </p:txBody>
       </p:sp>
       <p:sp>
         <p:nvSpPr>
-          <p:cNvPr id="4103" name="Rectangle 18"/>
-          <p:cNvSpPr>
-            <a:spLocks noChangeArrowheads="1"/>
-          </p:cNvSpPr>
+          <p:cNvPr id="18" name="横巻き 17"/>
+          <p:cNvSpPr/>
           <p:nvPr/>
         </p:nvSpPr>
         <p:spPr bwMode="auto">
           <a:xfrm>
-            <a:off x="9615488" y="615950"/>
-            <a:ext cx="2905125" cy="593725"/>
+            <a:off x="7932737" y="2058204"/>
+            <a:ext cx="6480175" cy="551398"/>
           </a:xfrm>
-          <a:prstGeom prst="rect">
+          <a:prstGeom prst="horizontalScroll">
             <a:avLst/>
           </a:prstGeom>
-          <a:noFill/>
-          <a:ln>
-            <a:noFill/>
+          <a:solidFill>
+            <a:srgbClr val="D24726"/>
+          </a:solidFill>
+          <a:ln w="9525" cap="flat" cmpd="sng" algn="ctr">
+            <a:solidFill>
+              <a:schemeClr val="tx1"/>
+            </a:solidFill>
+            <a:prstDash val="solid"/>
+            <a:round/>
+            <a:headEnd type="none" w="med" len="med"/>
+            <a:tailEnd type="none" w="med" len="med"/>
           </a:ln>
-          <a:extLst>
-            <a:ext uri="{909E8E84-426E-40DD-AFC4-6F175D3DCCD1}">
-              <a14:hiddenFill xmlns:a14="http://schemas.microsoft.com/office/drawing/2010/main">
-                <a:solidFill>
-                  <a:srgbClr val="FFFFFF"/>
-                </a:solidFill>
-              </a14:hiddenFill>
-            </a:ext>
-            <a:ext uri="{91240B29-F687-4F45-9708-019B960494DF}">
-              <a14:hiddenLine xmlns:a14="http://schemas.microsoft.com/office/drawing/2010/main" w="9525">
-                <a:solidFill>
-                  <a:srgbClr val="000000"/>
-                </a:solidFill>
-                <a:miter lim="800000"/>
-                <a:headEnd/>
-                <a:tailEnd/>
-              </a14:hiddenLine>
-            </a:ext>
-          </a:extLst>
+          <a:effectLst/>
         </p:spPr>
         <p:txBody>
-          <a:bodyPr wrap="none" lIns="142537" tIns="71269" rIns="142537" bIns="71269" anchor="ctr"/>
-          <a:lstStyle>
-            <a:lvl1pPr defTabSz="1279525">
-              <a:defRPr kumimoji="1" sz="1600">
-                <a:solidFill>
-                  <a:schemeClr val="tx1"/>
-                </a:solidFill>
-                <a:latin typeface="Times New Roman" panose="02020603050405020304" pitchFamily="18" charset="0"/>
-                <a:ea typeface="ＭＳ Ｐゴシック" panose="020B0600070205080204" pitchFamily="50" charset="-128"/>
-              </a:defRPr>
-            </a:lvl1pPr>
-            <a:lvl2pPr marL="742950" indent="-285750" defTabSz="1279525">
-              <a:defRPr kumimoji="1" sz="1600">
-                <a:solidFill>
-                  <a:schemeClr val="tx1"/>
-                </a:solidFill>
-                <a:latin typeface="Times New Roman" panose="02020603050405020304" pitchFamily="18" charset="0"/>
-                <a:ea typeface="ＭＳ Ｐゴシック" panose="020B0600070205080204" pitchFamily="50" charset="-128"/>
-              </a:defRPr>
-            </a:lvl2pPr>
-            <a:lvl3pPr marL="1143000" indent="-228600" defTabSz="1279525">
-              <a:defRPr kumimoji="1" sz="1600">
-                <a:solidFill>
-                  <a:schemeClr val="tx1"/>
-                </a:solidFill>
-                <a:latin typeface="Times New Roman" panose="02020603050405020304" pitchFamily="18" charset="0"/>
-                <a:ea typeface="ＭＳ Ｐゴシック" panose="020B0600070205080204" pitchFamily="50" charset="-128"/>
-              </a:defRPr>
-            </a:lvl3pPr>
-            <a:lvl4pPr marL="1600200" indent="-228600" defTabSz="1279525">
-              <a:defRPr kumimoji="1" sz="1600">
-                <a:solidFill>
-                  <a:schemeClr val="tx1"/>
-                </a:solidFill>
-                <a:latin typeface="Times New Roman" panose="02020603050405020304" pitchFamily="18" charset="0"/>
-                <a:ea typeface="ＭＳ Ｐゴシック" panose="020B0600070205080204" pitchFamily="50" charset="-128"/>
-              </a:defRPr>
-            </a:lvl4pPr>
-            <a:lvl5pPr marL="2057400" indent="-228600" defTabSz="1279525">
-              <a:defRPr kumimoji="1" sz="1600">
-                <a:solidFill>
-                  <a:schemeClr val="tx1"/>
-                </a:solidFill>
-                <a:latin typeface="Times New Roman" panose="02020603050405020304" pitchFamily="18" charset="0"/>
-                <a:ea typeface="ＭＳ Ｐゴシック" panose="020B0600070205080204" pitchFamily="50" charset="-128"/>
-              </a:defRPr>
-            </a:lvl5pPr>
-            <a:lvl6pPr marL="2514600" indent="-228600" defTabSz="1279525" eaLnBrk="0" fontAlgn="base" hangingPunct="0">
+          <a:bodyPr vert="horz" wrap="square" lIns="91440" tIns="45720" rIns="91440" bIns="45720" numCol="1" rtlCol="0" anchor="t" anchorCtr="0" compatLnSpc="1">
+            <a:prstTxWarp prst="textNoShape">
+              <a:avLst/>
+            </a:prstTxWarp>
+          </a:bodyPr>
+          <a:lstStyle/>
+          <a:p>
+            <a:pPr marL="0" marR="0" indent="0" algn="l" defTabSz="611188" rtl="0" eaLnBrk="1" fontAlgn="base" latinLnBrk="0" hangingPunct="1">
+              <a:lnSpc>
+                <a:spcPct val="100000"/>
+              </a:lnSpc>
               <a:spcBef>
                 <a:spcPct val="0"/>
               </a:spcBef>
               <a:spcAft>
                 <a:spcPct val="0"/>
               </a:spcAft>
-              <a:defRPr kumimoji="1" sz="1600">
-                <a:solidFill>
-                  <a:schemeClr val="tx1"/>
-                </a:solidFill>
-                <a:latin typeface="Times New Roman" panose="02020603050405020304" pitchFamily="18" charset="0"/>
-                <a:ea typeface="ＭＳ Ｐゴシック" panose="020B0600070205080204" pitchFamily="50" charset="-128"/>
-              </a:defRPr>
-            </a:lvl6pPr>
-            <a:lvl7pPr marL="2971800" indent="-228600" defTabSz="1279525" eaLnBrk="0" fontAlgn="base" hangingPunct="0">
-              <a:spcBef>
-                <a:spcPct val="0"/>
-              </a:spcBef>
-              <a:spcAft>
-                <a:spcPct val="0"/>
-              </a:spcAft>
-              <a:defRPr kumimoji="1" sz="1600">
-                <a:solidFill>
-                  <a:schemeClr val="tx1"/>
-                </a:solidFill>
-                <a:latin typeface="Times New Roman" panose="02020603050405020304" pitchFamily="18" charset="0"/>
-                <a:ea typeface="ＭＳ Ｐゴシック" panose="020B0600070205080204" pitchFamily="50" charset="-128"/>
-              </a:defRPr>
-            </a:lvl7pPr>
-            <a:lvl8pPr marL="3429000" indent="-228600" defTabSz="1279525" eaLnBrk="0" fontAlgn="base" hangingPunct="0">
-              <a:spcBef>
-                <a:spcPct val="0"/>
-              </a:spcBef>
-              <a:spcAft>
-                <a:spcPct val="0"/>
-              </a:spcAft>
-              <a:defRPr kumimoji="1" sz="1600">
-                <a:solidFill>
-                  <a:schemeClr val="tx1"/>
-                </a:solidFill>
-                <a:latin typeface="Times New Roman" panose="02020603050405020304" pitchFamily="18" charset="0"/>
-                <a:ea typeface="ＭＳ Ｐゴシック" panose="020B0600070205080204" pitchFamily="50" charset="-128"/>
-              </a:defRPr>
-            </a:lvl8pPr>
-            <a:lvl9pPr marL="3886200" indent="-228600" defTabSz="1279525" eaLnBrk="0" fontAlgn="base" hangingPunct="0">
-              <a:spcBef>
-                <a:spcPct val="0"/>
-              </a:spcBef>
-              <a:spcAft>
-                <a:spcPct val="0"/>
-              </a:spcAft>
-              <a:defRPr kumimoji="1" sz="1600">
-                <a:solidFill>
-                  <a:schemeClr val="tx1"/>
-                </a:solidFill>
-                <a:latin typeface="Times New Roman" panose="02020603050405020304" pitchFamily="18" charset="0"/>
-                <a:ea typeface="ＭＳ Ｐゴシック" panose="020B0600070205080204" pitchFamily="50" charset="-128"/>
-              </a:defRPr>
-            </a:lvl9pPr>
-          </a:lstStyle>
-          <a:p>
-            <a:pPr eaLnBrk="1" hangingPunct="1">
-              <a:defRPr/>
-            </a:pPr>
-            <a:r>
-              <a:rPr lang="ja-JP" altLang="en-US" sz="1800" dirty="0">
-                <a:latin typeface="+mj-ea"/>
-                <a:ea typeface="+mj-ea"/>
-              </a:rPr>
-              <a:t>地域</a:t>
-            </a:r>
-            <a:r>
-              <a:rPr lang="ja-JP" altLang="en-US" sz="1800" dirty="0" smtClean="0">
-                <a:latin typeface="+mj-ea"/>
-                <a:ea typeface="+mj-ea"/>
-              </a:rPr>
-              <a:t>：</a:t>
-            </a:r>
-            <a:r>
-              <a:rPr lang="zh-CN" altLang="en-US" sz="1800" dirty="0"/>
-              <a:t>神奈川県横浜市</a:t>
-            </a:r>
-            <a:endParaRPr lang="ja-JP" altLang="en-US" sz="1800" dirty="0">
-              <a:latin typeface="+mj-ea"/>
-              <a:ea typeface="+mj-ea"/>
+              <a:buClrTx/>
+              <a:buSzTx/>
+              <a:buFontTx/>
+              <a:buNone/>
+              <a:tabLst/>
+            </a:pPr>
+            <a:endParaRPr kumimoji="1" lang="ja-JP" altLang="en-US" sz="1600" b="0" i="0" u="none" strike="noStrike" cap="none" normalizeH="0" baseline="0" smtClean="0">
+              <a:ln>
+                <a:noFill/>
+              </a:ln>
+              <a:solidFill>
+                <a:schemeClr val="tx1"/>
+              </a:solidFill>
+              <a:effectLst/>
+              <a:latin typeface="Times New Roman" pitchFamily="18" charset="0"/>
+              <a:ea typeface="ＭＳ Ｐゴシック" pitchFamily="50" charset="-128"/>
             </a:endParaRPr>
-          </a:p>
-        </p:txBody>
-      </p:sp>
-      <p:sp>
-        <p:nvSpPr>
-          <p:cNvPr id="15369" name="Rectangle 20"/>
-          <p:cNvSpPr>
-            <a:spLocks noChangeArrowheads="1"/>
-          </p:cNvSpPr>
-          <p:nvPr/>
-        </p:nvSpPr>
-        <p:spPr bwMode="auto">
-          <a:xfrm>
-            <a:off x="2401888" y="1365250"/>
-            <a:ext cx="4178300" cy="593725"/>
-          </a:xfrm>
-          <a:prstGeom prst="rect">
-            <a:avLst/>
-          </a:prstGeom>
-          <a:noFill/>
-          <a:ln>
-            <a:noFill/>
-          </a:ln>
-          <a:extLst>
-            <a:ext uri="{909E8E84-426E-40DD-AFC4-6F175D3DCCD1}">
-              <a14:hiddenFill xmlns:a14="http://schemas.microsoft.com/office/drawing/2010/main">
-                <a:solidFill>
-                  <a:srgbClr val="FFFFFF"/>
-                </a:solidFill>
-              </a14:hiddenFill>
-            </a:ext>
-            <a:ext uri="{91240B29-F687-4F45-9708-019B960494DF}">
-              <a14:hiddenLine xmlns:a14="http://schemas.microsoft.com/office/drawing/2010/main" w="9525">
-                <a:solidFill>
-                  <a:srgbClr val="000000"/>
-                </a:solidFill>
-                <a:miter lim="800000"/>
-                <a:headEnd/>
-                <a:tailEnd/>
-              </a14:hiddenLine>
-            </a:ext>
-          </a:extLst>
-        </p:spPr>
-        <p:txBody>
-          <a:bodyPr wrap="none" lIns="142537" tIns="71269" rIns="142537" bIns="71269" anchor="ctr"/>
-          <a:lstStyle>
-            <a:lvl1pPr defTabSz="1279525">
-              <a:defRPr kumimoji="1">
-                <a:solidFill>
-                  <a:schemeClr val="tx1"/>
-                </a:solidFill>
-                <a:latin typeface="Times New Roman" panose="02020603050405020304" pitchFamily="18" charset="0"/>
-                <a:ea typeface="ＭＳ Ｐゴシック" panose="020B0600070205080204" pitchFamily="50" charset="-128"/>
-              </a:defRPr>
-            </a:lvl1pPr>
-            <a:lvl2pPr marL="742950" indent="-285750" defTabSz="1279525">
-              <a:defRPr kumimoji="1">
-                <a:solidFill>
-                  <a:schemeClr val="tx1"/>
-                </a:solidFill>
-                <a:latin typeface="Times New Roman" panose="02020603050405020304" pitchFamily="18" charset="0"/>
-                <a:ea typeface="ＭＳ Ｐゴシック" panose="020B0600070205080204" pitchFamily="50" charset="-128"/>
-              </a:defRPr>
-            </a:lvl2pPr>
-            <a:lvl3pPr marL="1143000" indent="-228600" defTabSz="1279525">
-              <a:defRPr kumimoji="1">
-                <a:solidFill>
-                  <a:schemeClr val="tx1"/>
-                </a:solidFill>
-                <a:latin typeface="Times New Roman" panose="02020603050405020304" pitchFamily="18" charset="0"/>
-                <a:ea typeface="ＭＳ Ｐゴシック" panose="020B0600070205080204" pitchFamily="50" charset="-128"/>
-              </a:defRPr>
-            </a:lvl3pPr>
-            <a:lvl4pPr marL="1600200" indent="-228600" defTabSz="1279525">
-              <a:defRPr kumimoji="1">
-                <a:solidFill>
-                  <a:schemeClr val="tx1"/>
-                </a:solidFill>
-                <a:latin typeface="Times New Roman" panose="02020603050405020304" pitchFamily="18" charset="0"/>
-                <a:ea typeface="ＭＳ Ｐゴシック" panose="020B0600070205080204" pitchFamily="50" charset="-128"/>
-              </a:defRPr>
-            </a:lvl4pPr>
-            <a:lvl5pPr marL="2057400" indent="-228600" defTabSz="1279525">
-              <a:defRPr kumimoji="1">
-                <a:solidFill>
-                  <a:schemeClr val="tx1"/>
-                </a:solidFill>
-                <a:latin typeface="Times New Roman" panose="02020603050405020304" pitchFamily="18" charset="0"/>
-                <a:ea typeface="ＭＳ Ｐゴシック" panose="020B0600070205080204" pitchFamily="50" charset="-128"/>
-              </a:defRPr>
-            </a:lvl5pPr>
-            <a:lvl6pPr marL="2514600" indent="-228600" defTabSz="1279525" eaLnBrk="0" fontAlgn="base" hangingPunct="0">
-              <a:spcBef>
-                <a:spcPct val="0"/>
-              </a:spcBef>
-              <a:spcAft>
-                <a:spcPct val="0"/>
-              </a:spcAft>
-              <a:defRPr kumimoji="1">
-                <a:solidFill>
-                  <a:schemeClr val="tx1"/>
-                </a:solidFill>
-                <a:latin typeface="Times New Roman" panose="02020603050405020304" pitchFamily="18" charset="0"/>
-                <a:ea typeface="ＭＳ Ｐゴシック" panose="020B0600070205080204" pitchFamily="50" charset="-128"/>
-              </a:defRPr>
-            </a:lvl6pPr>
-            <a:lvl7pPr marL="2971800" indent="-228600" defTabSz="1279525" eaLnBrk="0" fontAlgn="base" hangingPunct="0">
-              <a:spcBef>
-                <a:spcPct val="0"/>
-              </a:spcBef>
-              <a:spcAft>
-                <a:spcPct val="0"/>
-              </a:spcAft>
-              <a:defRPr kumimoji="1">
-                <a:solidFill>
-                  <a:schemeClr val="tx1"/>
-                </a:solidFill>
-                <a:latin typeface="Times New Roman" panose="02020603050405020304" pitchFamily="18" charset="0"/>
-                <a:ea typeface="ＭＳ Ｐゴシック" panose="020B0600070205080204" pitchFamily="50" charset="-128"/>
-              </a:defRPr>
-            </a:lvl7pPr>
-            <a:lvl8pPr marL="3429000" indent="-228600" defTabSz="1279525" eaLnBrk="0" fontAlgn="base" hangingPunct="0">
-              <a:spcBef>
-                <a:spcPct val="0"/>
-              </a:spcBef>
-              <a:spcAft>
-                <a:spcPct val="0"/>
-              </a:spcAft>
-              <a:defRPr kumimoji="1">
-                <a:solidFill>
-                  <a:schemeClr val="tx1"/>
-                </a:solidFill>
-                <a:latin typeface="Times New Roman" panose="02020603050405020304" pitchFamily="18" charset="0"/>
-                <a:ea typeface="ＭＳ Ｐゴシック" panose="020B0600070205080204" pitchFamily="50" charset="-128"/>
-              </a:defRPr>
-            </a:lvl8pPr>
-            <a:lvl9pPr marL="3886200" indent="-228600" defTabSz="1279525" eaLnBrk="0" fontAlgn="base" hangingPunct="0">
-              <a:spcBef>
-                <a:spcPct val="0"/>
-              </a:spcBef>
-              <a:spcAft>
-                <a:spcPct val="0"/>
-              </a:spcAft>
-              <a:defRPr kumimoji="1">
-                <a:solidFill>
-                  <a:schemeClr val="tx1"/>
-                </a:solidFill>
-                <a:latin typeface="Times New Roman" panose="02020603050405020304" pitchFamily="18" charset="0"/>
-                <a:ea typeface="ＭＳ Ｐゴシック" panose="020B0600070205080204" pitchFamily="50" charset="-128"/>
-              </a:defRPr>
-            </a:lvl9pPr>
-          </a:lstStyle>
-          <a:p>
-            <a:pPr eaLnBrk="1" hangingPunct="1">
-              <a:defRPr/>
-            </a:pPr>
-            <a:r>
-              <a:rPr lang="ja-JP" altLang="en-US" dirty="0" smtClean="0">
-                <a:latin typeface="+mj-ea"/>
-                <a:ea typeface="+mj-ea"/>
-              </a:rPr>
-              <a:t>チーム名：しん</a:t>
-            </a:r>
-            <a:r>
-              <a:rPr lang="ja-JP" altLang="en-US" dirty="0">
-                <a:latin typeface="+mj-ea"/>
-                <a:ea typeface="+mj-ea"/>
-              </a:rPr>
-              <a:t>よこ</a:t>
-            </a:r>
-            <a:r>
-              <a:rPr lang="en-US" altLang="ja-JP" dirty="0">
-                <a:latin typeface="+mj-ea"/>
-                <a:ea typeface="+mj-ea"/>
-              </a:rPr>
-              <a:t>(</a:t>
-            </a:r>
-            <a:r>
-              <a:rPr lang="ja-JP" altLang="en-US" dirty="0" err="1">
-                <a:latin typeface="+mj-ea"/>
-                <a:ea typeface="+mj-ea"/>
-              </a:rPr>
-              <a:t>゜</a:t>
-            </a:r>
-            <a:r>
-              <a:rPr lang="en-US" altLang="ja-JP" dirty="0">
-                <a:latin typeface="+mj-ea"/>
-                <a:ea typeface="+mj-ea"/>
-              </a:rPr>
-              <a:t>д</a:t>
-            </a:r>
-            <a:r>
-              <a:rPr lang="ja-JP" altLang="en-US" dirty="0" err="1">
-                <a:latin typeface="+mj-ea"/>
-                <a:ea typeface="+mj-ea"/>
-              </a:rPr>
-              <a:t>゜</a:t>
-            </a:r>
-            <a:r>
-              <a:rPr lang="en-US" altLang="ja-JP" dirty="0">
-                <a:latin typeface="+mj-ea"/>
-                <a:ea typeface="+mj-ea"/>
-              </a:rPr>
-              <a:t>)</a:t>
-            </a:r>
           </a:p>
         </p:txBody>
       </p:sp>
@@ -3572,13 +2900,19 @@
               </a:spcBef>
             </a:pPr>
             <a:r>
-              <a:rPr lang="ja-JP" altLang="en-US" sz="2400" b="1" u="sng" dirty="0">
+              <a:rPr lang="ja-JP" altLang="en-US" sz="2400" b="1" dirty="0">
+                <a:solidFill>
+                  <a:schemeClr val="bg1"/>
+                </a:solidFill>
                 <a:latin typeface="メイリオ" panose="020B0604030504040204" pitchFamily="50" charset="-128"/>
                 <a:ea typeface="メイリオ" panose="020B0604030504040204" pitchFamily="50" charset="-128"/>
               </a:rPr>
               <a:t>☆モデルの概要</a:t>
             </a:r>
-            <a:endParaRPr lang="en-US" altLang="ja-JP" sz="2400" b="1" u="sng" dirty="0">
+            <a:endParaRPr lang="en-US" altLang="ja-JP" sz="2400" b="1" dirty="0">
+              <a:solidFill>
+                <a:schemeClr val="bg1"/>
+              </a:solidFill>
               <a:latin typeface="メイリオ" panose="020B0604030504040204" pitchFamily="50" charset="-128"/>
               <a:ea typeface="メイリオ" panose="020B0604030504040204" pitchFamily="50" charset="-128"/>
             </a:endParaRPr>
@@ -3775,6 +3109,17 @@
               </a:rPr>
               <a:t>(P.4, 5) : </a:t>
             </a:r>
+            <a:r>
+              <a:rPr lang="ja-JP" altLang="en-US" dirty="0" smtClean="0">
+                <a:latin typeface="メイリオ" panose="020B0604030504040204" pitchFamily="50" charset="-128"/>
+                <a:ea typeface="メイリオ" panose="020B0604030504040204" pitchFamily="50" charset="-128"/>
+              </a:rPr>
+              <a:t>ゲーム攻略に必要な構造と振舞を記載</a:t>
+            </a:r>
+            <a:endParaRPr lang="en-US" altLang="ja-JP" dirty="0" smtClean="0">
+              <a:latin typeface="メイリオ" panose="020B0604030504040204" pitchFamily="50" charset="-128"/>
+              <a:ea typeface="メイリオ" panose="020B0604030504040204" pitchFamily="50" charset="-128"/>
+            </a:endParaRPr>
           </a:p>
           <a:p>
             <a:pPr marL="0" indent="0" eaLnBrk="1" hangingPunct="1">
@@ -3800,7 +3145,10 @@
               </a:spcBef>
             </a:pPr>
             <a:r>
-              <a:rPr lang="ja-JP" altLang="en-US" sz="2400" b="1" u="sng" dirty="0">
+              <a:rPr lang="ja-JP" altLang="en-US" sz="2400" b="1" dirty="0">
+                <a:solidFill>
+                  <a:schemeClr val="bg1"/>
+                </a:solidFill>
                 <a:latin typeface="メイリオ" panose="020B0604030504040204" pitchFamily="50" charset="-128"/>
                 <a:ea typeface="メイリオ" panose="020B0604030504040204" pitchFamily="50" charset="-128"/>
               </a:rPr>
@@ -3831,11 +3179,39 @@
               </a:spcBef>
             </a:pPr>
             <a:r>
+              <a:rPr lang="en-US" altLang="ja-JP" b="1" dirty="0">
+                <a:latin typeface="メイリオ" panose="020B0604030504040204" pitchFamily="50" charset="-128"/>
+                <a:ea typeface="メイリオ" panose="020B0604030504040204" pitchFamily="50" charset="-128"/>
+              </a:rPr>
+              <a:t>『</a:t>
+            </a:r>
+            <a:r>
               <a:rPr lang="ja-JP" altLang="en-US" b="1" dirty="0" smtClean="0">
                 <a:latin typeface="メイリオ" panose="020B0604030504040204" pitchFamily="50" charset="-128"/>
                 <a:ea typeface="メイリオ" panose="020B0604030504040204" pitchFamily="50" charset="-128"/>
               </a:rPr>
-              <a:t>ラインに縛られずに走行する</a:t>
+              <a:t>ライン</a:t>
+            </a:r>
+            <a:r>
+              <a:rPr lang="ja-JP" altLang="en-US" b="1" dirty="0" smtClean="0">
+                <a:latin typeface="メイリオ" panose="020B0604030504040204" pitchFamily="50" charset="-128"/>
+                <a:ea typeface="メイリオ" panose="020B0604030504040204" pitchFamily="50" charset="-128"/>
+              </a:rPr>
+              <a:t>に縛られずに走行</a:t>
+            </a:r>
+            <a:r>
+              <a:rPr lang="ja-JP" altLang="en-US" b="1" dirty="0" smtClean="0">
+                <a:latin typeface="メイリオ" panose="020B0604030504040204" pitchFamily="50" charset="-128"/>
+                <a:ea typeface="メイリオ" panose="020B0604030504040204" pitchFamily="50" charset="-128"/>
+              </a:rPr>
+              <a:t>する</a:t>
+            </a:r>
+            <a:r>
+              <a:rPr lang="en-US" altLang="ja-JP" b="1" dirty="0" smtClean="0">
+                <a:latin typeface="メイリオ" panose="020B0604030504040204" pitchFamily="50" charset="-128"/>
+                <a:ea typeface="メイリオ" panose="020B0604030504040204" pitchFamily="50" charset="-128"/>
+              </a:rPr>
+              <a:t>』</a:t>
             </a:r>
             <a:endParaRPr lang="en-US" altLang="ja-JP" b="1" dirty="0" smtClean="0">
               <a:latin typeface="メイリオ" panose="020B0604030504040204" pitchFamily="50" charset="-128"/>
@@ -4016,14 +3392,20 @@
               </a:spcBef>
             </a:pPr>
             <a:r>
-              <a:rPr lang="ja-JP" altLang="en-US" sz="2400" b="1" u="sng" dirty="0" smtClean="0">
+              <a:rPr lang="ja-JP" altLang="en-US" sz="2400" b="1" dirty="0" smtClean="0">
+                <a:solidFill>
+                  <a:schemeClr val="bg1"/>
+                </a:solidFill>
                 <a:latin typeface="メイリオ" panose="020B0604030504040204" pitchFamily="50" charset="-128"/>
                 <a:ea typeface="メイリオ" panose="020B0604030504040204" pitchFamily="50" charset="-128"/>
               </a:rPr>
               <a:t>☆</a:t>
             </a:r>
             <a:r>
-              <a:rPr lang="ja-JP" altLang="en-US" sz="2400" b="1" u="sng" dirty="0">
+              <a:rPr lang="ja-JP" altLang="en-US" sz="2400" b="1" dirty="0">
+                <a:solidFill>
+                  <a:schemeClr val="bg1"/>
+                </a:solidFill>
                 <a:latin typeface="メイリオ" panose="020B0604030504040204" pitchFamily="50" charset="-128"/>
                 <a:ea typeface="メイリオ" panose="020B0604030504040204" pitchFamily="50" charset="-128"/>
               </a:rPr>
@@ -4058,14 +3440,7 @@
                 <a:latin typeface="メイリオ" panose="020B0604030504040204" pitchFamily="50" charset="-128"/>
                 <a:ea typeface="メイリオ" panose="020B0604030504040204" pitchFamily="50" charset="-128"/>
               </a:rPr>
-              <a:t>・座標</a:t>
-            </a:r>
-            <a:r>
-              <a:rPr lang="ja-JP" altLang="en-US" dirty="0" smtClean="0">
-                <a:latin typeface="メイリオ" panose="020B0604030504040204" pitchFamily="50" charset="-128"/>
-                <a:ea typeface="メイリオ" panose="020B0604030504040204" pitchFamily="50" charset="-128"/>
-              </a:rPr>
-              <a:t>指定でコースを滑らかに移動させる為の方法</a:t>
+              <a:t>・抽象マップ上での経路探索と経路選択</a:t>
             </a:r>
             <a:endParaRPr lang="en-US" altLang="ja-JP" dirty="0" smtClean="0">
               <a:latin typeface="メイリオ" panose="020B0604030504040204" pitchFamily="50" charset="-128"/>
@@ -4082,26 +3457,33 @@
               </a:spcBef>
             </a:pPr>
             <a:r>
-              <a:rPr lang="en-US" altLang="ja-JP" dirty="0">
+              <a:rPr lang="ja-JP" altLang="en-US" dirty="0">
                 <a:latin typeface="メイリオ" panose="020B0604030504040204" pitchFamily="50" charset="-128"/>
                 <a:ea typeface="メイリオ" panose="020B0604030504040204" pitchFamily="50" charset="-128"/>
               </a:rPr>
               <a:t> </a:t>
             </a:r>
             <a:r>
-              <a:rPr lang="en-US" altLang="ja-JP" dirty="0" smtClean="0">
-                <a:latin typeface="メイリオ" panose="020B0604030504040204" pitchFamily="50" charset="-128"/>
-                <a:ea typeface="メイリオ" panose="020B0604030504040204" pitchFamily="50" charset="-128"/>
-              </a:rPr>
-              <a:t> </a:t>
-            </a:r>
-            <a:r>
               <a:rPr lang="ja-JP" altLang="en-US" dirty="0" smtClean="0">
                 <a:latin typeface="メイリオ" panose="020B0604030504040204" pitchFamily="50" charset="-128"/>
                 <a:ea typeface="メイリオ" panose="020B0604030504040204" pitchFamily="50" charset="-128"/>
               </a:rPr>
-              <a:t> 座標指定での点移動でも滑らかに移動できるようにしたことで無駄のない動きで、安定走行を実現させました！</a:t>
-            </a:r>
+              <a:t>  抽象マップ上で目的地への移動経路を探索し、さらにその中から移動コストが最小となる経路を選択する機能を考えました！</a:t>
+            </a:r>
+            <a:endParaRPr lang="en-US" altLang="ja-JP" dirty="0">
+              <a:latin typeface="メイリオ" panose="020B0604030504040204" pitchFamily="50" charset="-128"/>
+              <a:ea typeface="メイリオ" panose="020B0604030504040204" pitchFamily="50" charset="-128"/>
+            </a:endParaRPr>
+          </a:p>
+          <a:p>
+            <a:pPr marL="0" indent="0" eaLnBrk="1" hangingPunct="1">
+              <a:lnSpc>
+                <a:spcPct val="80000"/>
+              </a:lnSpc>
+              <a:spcBef>
+                <a:spcPct val="20000"/>
+              </a:spcBef>
+            </a:pPr>
             <a:endParaRPr lang="en-US" altLang="ja-JP" dirty="0" smtClean="0">
               <a:latin typeface="メイリオ" panose="020B0604030504040204" pitchFamily="50" charset="-128"/>
               <a:ea typeface="メイリオ" panose="020B0604030504040204" pitchFamily="50" charset="-128"/>
@@ -4116,30 +3498,274 @@
                 <a:spcPct val="20000"/>
               </a:spcBef>
             </a:pPr>
+            <a:r>
+              <a:rPr lang="ja-JP" altLang="en-US" dirty="0" smtClean="0">
+                <a:latin typeface="メイリオ" panose="020B0604030504040204" pitchFamily="50" charset="-128"/>
+                <a:ea typeface="メイリオ" panose="020B0604030504040204" pitchFamily="50" charset="-128"/>
+              </a:rPr>
+              <a:t>・座標指定でコースを滑らかに移動</a:t>
+            </a:r>
+            <a:r>
+              <a:rPr lang="ja-JP" altLang="en-US" dirty="0" smtClean="0">
+                <a:latin typeface="メイリオ" panose="020B0604030504040204" pitchFamily="50" charset="-128"/>
+                <a:ea typeface="メイリオ" panose="020B0604030504040204" pitchFamily="50" charset="-128"/>
+              </a:rPr>
+              <a:t>させる</a:t>
+            </a:r>
+            <a:endParaRPr lang="en-US" altLang="ja-JP" dirty="0" smtClean="0">
+              <a:latin typeface="メイリオ" panose="020B0604030504040204" pitchFamily="50" charset="-128"/>
+              <a:ea typeface="メイリオ" panose="020B0604030504040204" pitchFamily="50" charset="-128"/>
+            </a:endParaRPr>
+          </a:p>
+          <a:p>
+            <a:pPr marL="0" indent="0" eaLnBrk="1" hangingPunct="1">
+              <a:lnSpc>
+                <a:spcPct val="80000"/>
+              </a:lnSpc>
+              <a:spcBef>
+                <a:spcPct val="20000"/>
+              </a:spcBef>
+            </a:pPr>
+            <a:r>
+              <a:rPr lang="en-US" altLang="ja-JP" dirty="0">
+                <a:latin typeface="メイリオ" panose="020B0604030504040204" pitchFamily="50" charset="-128"/>
+                <a:ea typeface="メイリオ" panose="020B0604030504040204" pitchFamily="50" charset="-128"/>
+              </a:rPr>
+              <a:t> </a:t>
+            </a:r>
+            <a:r>
+              <a:rPr lang="en-US" altLang="ja-JP" dirty="0" smtClean="0">
+                <a:latin typeface="メイリオ" panose="020B0604030504040204" pitchFamily="50" charset="-128"/>
+                <a:ea typeface="メイリオ" panose="020B0604030504040204" pitchFamily="50" charset="-128"/>
+              </a:rPr>
+              <a:t> </a:t>
+            </a:r>
+            <a:r>
+              <a:rPr lang="ja-JP" altLang="en-US" dirty="0" smtClean="0">
+                <a:latin typeface="メイリオ" panose="020B0604030504040204" pitchFamily="50" charset="-128"/>
+                <a:ea typeface="メイリオ" panose="020B0604030504040204" pitchFamily="50" charset="-128"/>
+              </a:rPr>
+              <a:t> 座標</a:t>
+            </a:r>
+            <a:r>
+              <a:rPr lang="ja-JP" altLang="en-US" dirty="0" smtClean="0">
+                <a:latin typeface="メイリオ" panose="020B0604030504040204" pitchFamily="50" charset="-128"/>
+                <a:ea typeface="メイリオ" panose="020B0604030504040204" pitchFamily="50" charset="-128"/>
+              </a:rPr>
+              <a:t>指定</a:t>
+            </a:r>
+            <a:r>
+              <a:rPr lang="ja-JP" altLang="en-US" dirty="0" smtClean="0">
+                <a:latin typeface="メイリオ" panose="020B0604030504040204" pitchFamily="50" charset="-128"/>
+                <a:ea typeface="メイリオ" panose="020B0604030504040204" pitchFamily="50" charset="-128"/>
+              </a:rPr>
+              <a:t>によ</a:t>
+            </a:r>
+            <a:r>
+              <a:rPr lang="ja-JP" altLang="en-US" dirty="0">
+                <a:latin typeface="メイリオ" panose="020B0604030504040204" pitchFamily="50" charset="-128"/>
+                <a:ea typeface="メイリオ" panose="020B0604030504040204" pitchFamily="50" charset="-128"/>
+              </a:rPr>
+              <a:t>る</a:t>
+            </a:r>
+            <a:r>
+              <a:rPr lang="ja-JP" altLang="en-US" dirty="0" smtClean="0">
+                <a:latin typeface="メイリオ" panose="020B0604030504040204" pitchFamily="50" charset="-128"/>
+                <a:ea typeface="メイリオ" panose="020B0604030504040204" pitchFamily="50" charset="-128"/>
+              </a:rPr>
+              <a:t>点</a:t>
+            </a:r>
+            <a:r>
+              <a:rPr lang="ja-JP" altLang="en-US" dirty="0" smtClean="0">
+                <a:latin typeface="メイリオ" panose="020B0604030504040204" pitchFamily="50" charset="-128"/>
+                <a:ea typeface="メイリオ" panose="020B0604030504040204" pitchFamily="50" charset="-128"/>
+              </a:rPr>
+              <a:t>移動</a:t>
+            </a:r>
+            <a:r>
+              <a:rPr lang="ja-JP" altLang="en-US" dirty="0" smtClean="0">
+                <a:latin typeface="メイリオ" panose="020B0604030504040204" pitchFamily="50" charset="-128"/>
+                <a:ea typeface="メイリオ" panose="020B0604030504040204" pitchFamily="50" charset="-128"/>
+              </a:rPr>
+              <a:t>でも移動が滑らかになるようにしたことで無駄</a:t>
+            </a:r>
+            <a:r>
+              <a:rPr lang="ja-JP" altLang="en-US" dirty="0" smtClean="0">
+                <a:latin typeface="メイリオ" panose="020B0604030504040204" pitchFamily="50" charset="-128"/>
+                <a:ea typeface="メイリオ" panose="020B0604030504040204" pitchFamily="50" charset="-128"/>
+              </a:rPr>
+              <a:t>のない動きで</a:t>
+            </a:r>
+            <a:r>
+              <a:rPr lang="ja-JP" altLang="en-US" dirty="0" smtClean="0">
+                <a:latin typeface="メイリオ" panose="020B0604030504040204" pitchFamily="50" charset="-128"/>
+                <a:ea typeface="メイリオ" panose="020B0604030504040204" pitchFamily="50" charset="-128"/>
+              </a:rPr>
+              <a:t>、かつ、安定</a:t>
+            </a:r>
+            <a:r>
+              <a:rPr lang="ja-JP" altLang="en-US" dirty="0" smtClean="0">
+                <a:latin typeface="メイリオ" panose="020B0604030504040204" pitchFamily="50" charset="-128"/>
+                <a:ea typeface="メイリオ" panose="020B0604030504040204" pitchFamily="50" charset="-128"/>
+              </a:rPr>
+              <a:t>走行を実現</a:t>
+            </a:r>
+            <a:r>
+              <a:rPr lang="ja-JP" altLang="en-US" dirty="0" smtClean="0">
+                <a:latin typeface="メイリオ" panose="020B0604030504040204" pitchFamily="50" charset="-128"/>
+                <a:ea typeface="メイリオ" panose="020B0604030504040204" pitchFamily="50" charset="-128"/>
+              </a:rPr>
+              <a:t>させました！</a:t>
+            </a:r>
+            <a:endParaRPr lang="en-US" altLang="ja-JP" dirty="0" smtClean="0">
+              <a:latin typeface="メイリオ" panose="020B0604030504040204" pitchFamily="50" charset="-128"/>
+              <a:ea typeface="メイリオ" panose="020B0604030504040204" pitchFamily="50" charset="-128"/>
+            </a:endParaRPr>
+          </a:p>
+          <a:p>
+            <a:pPr marL="0" indent="0" eaLnBrk="1" hangingPunct="1">
+              <a:lnSpc>
+                <a:spcPct val="80000"/>
+              </a:lnSpc>
+              <a:spcBef>
+                <a:spcPct val="20000"/>
+              </a:spcBef>
+            </a:pPr>
             <a:endParaRPr lang="en-US" altLang="ja-JP" dirty="0">
               <a:latin typeface="メイリオ" panose="020B0604030504040204" pitchFamily="50" charset="-128"/>
               <a:ea typeface="メイリオ" panose="020B0604030504040204" pitchFamily="50" charset="-128"/>
             </a:endParaRPr>
           </a:p>
-          <a:p>
-            <a:pPr marL="0" indent="0" eaLnBrk="1" hangingPunct="1">
+        </p:txBody>
+      </p:sp>
+      <p:sp>
+        <p:nvSpPr>
+          <p:cNvPr id="19" name="横巻き 18"/>
+          <p:cNvSpPr/>
+          <p:nvPr/>
+        </p:nvSpPr>
+        <p:spPr bwMode="auto">
+          <a:xfrm>
+            <a:off x="719138" y="2058204"/>
+            <a:ext cx="6480175" cy="551398"/>
+          </a:xfrm>
+          <a:prstGeom prst="horizontalScroll">
+            <a:avLst/>
+          </a:prstGeom>
+          <a:solidFill>
+            <a:srgbClr val="D24726"/>
+          </a:solidFill>
+          <a:ln w="9525" cap="flat" cmpd="sng" algn="ctr">
+            <a:solidFill>
+              <a:schemeClr val="tx1"/>
+            </a:solidFill>
+            <a:prstDash val="solid"/>
+            <a:round/>
+            <a:headEnd type="none" w="med" len="med"/>
+            <a:tailEnd type="none" w="med" len="med"/>
+          </a:ln>
+          <a:effectLst/>
+        </p:spPr>
+        <p:txBody>
+          <a:bodyPr vert="horz" wrap="square" lIns="91440" tIns="45720" rIns="91440" bIns="45720" numCol="1" rtlCol="0" anchor="t" anchorCtr="0" compatLnSpc="1">
+            <a:prstTxWarp prst="textNoShape">
+              <a:avLst/>
+            </a:prstTxWarp>
+          </a:bodyPr>
+          <a:lstStyle/>
+          <a:p>
+            <a:pPr marL="0" marR="0" indent="0" algn="l" defTabSz="611188" rtl="0" eaLnBrk="1" fontAlgn="base" latinLnBrk="0" hangingPunct="1">
               <a:lnSpc>
-                <a:spcPct val="80000"/>
+                <a:spcPct val="100000"/>
               </a:lnSpc>
               <a:spcBef>
-                <a:spcPct val="20000"/>
-              </a:spcBef>
-            </a:pPr>
-            <a:r>
-              <a:rPr lang="ja-JP" altLang="en-US" dirty="0" smtClean="0">
-                <a:latin typeface="メイリオ" panose="020B0604030504040204" pitchFamily="50" charset="-128"/>
-                <a:ea typeface="メイリオ" panose="020B0604030504040204" pitchFamily="50" charset="-128"/>
-              </a:rPr>
-              <a:t>・</a:t>
-            </a:r>
-            <a:endParaRPr lang="en-US" altLang="ja-JP" dirty="0" smtClean="0">
-              <a:latin typeface="メイリオ" panose="020B0604030504040204" pitchFamily="50" charset="-128"/>
-              <a:ea typeface="メイリオ" panose="020B0604030504040204" pitchFamily="50" charset="-128"/>
+                <a:spcPct val="0"/>
+              </a:spcBef>
+              <a:spcAft>
+                <a:spcPct val="0"/>
+              </a:spcAft>
+              <a:buClrTx/>
+              <a:buSzTx/>
+              <a:buFontTx/>
+              <a:buNone/>
+              <a:tabLst/>
+            </a:pPr>
+            <a:endParaRPr kumimoji="1" lang="ja-JP" altLang="en-US" sz="1600" b="0" i="0" u="none" strike="noStrike" cap="none" normalizeH="0" baseline="0" smtClean="0">
+              <a:ln>
+                <a:noFill/>
+              </a:ln>
+              <a:solidFill>
+                <a:schemeClr val="tx1"/>
+              </a:solidFill>
+              <a:effectLst/>
+              <a:latin typeface="Times New Roman" pitchFamily="18" charset="0"/>
+              <a:ea typeface="ＭＳ Ｐゴシック" pitchFamily="50" charset="-128"/>
+            </a:endParaRPr>
+          </a:p>
+        </p:txBody>
+      </p:sp>
+      <p:sp>
+        <p:nvSpPr>
+          <p:cNvPr id="20" name="横巻き 19"/>
+          <p:cNvSpPr/>
+          <p:nvPr/>
+        </p:nvSpPr>
+        <p:spPr bwMode="auto">
+          <a:xfrm>
+            <a:off x="719137" y="4985866"/>
+            <a:ext cx="6480175" cy="703672"/>
+          </a:xfrm>
+          <a:prstGeom prst="horizontalScroll">
+            <a:avLst/>
+          </a:prstGeom>
+          <a:solidFill>
+            <a:srgbClr val="D24726"/>
+          </a:solidFill>
+          <a:ln w="9525" cap="flat" cmpd="sng" algn="ctr">
+            <a:solidFill>
+              <a:schemeClr val="tx1"/>
+            </a:solidFill>
+            <a:prstDash val="solid"/>
+            <a:round/>
+            <a:headEnd type="none" w="med" len="med"/>
+            <a:tailEnd type="none" w="med" len="med"/>
+          </a:ln>
+          <a:effectLst/>
+        </p:spPr>
+        <p:txBody>
+          <a:bodyPr vert="horz" wrap="square" lIns="91440" tIns="45720" rIns="91440" bIns="45720" numCol="1" rtlCol="0" anchor="t" anchorCtr="0" compatLnSpc="1">
+            <a:prstTxWarp prst="textNoShape">
+              <a:avLst/>
+            </a:prstTxWarp>
+          </a:bodyPr>
+          <a:lstStyle/>
+          <a:p>
+            <a:pPr marL="0" marR="0" indent="0" algn="l" defTabSz="611188" rtl="0" eaLnBrk="1" fontAlgn="base" latinLnBrk="0" hangingPunct="1">
+              <a:lnSpc>
+                <a:spcPct val="100000"/>
+              </a:lnSpc>
+              <a:spcBef>
+                <a:spcPct val="0"/>
+              </a:spcBef>
+              <a:spcAft>
+                <a:spcPct val="0"/>
+              </a:spcAft>
+              <a:buClrTx/>
+              <a:buSzTx/>
+              <a:buFontTx/>
+              <a:buNone/>
+              <a:tabLst/>
+            </a:pPr>
+            <a:endParaRPr kumimoji="1" lang="ja-JP" altLang="en-US" sz="1600" b="0" i="0" u="none" strike="noStrike" cap="none" normalizeH="0" baseline="0" smtClean="0">
+              <a:ln>
+                <a:noFill/>
+              </a:ln>
+              <a:solidFill>
+                <a:schemeClr val="tx1"/>
+              </a:solidFill>
+              <a:effectLst/>
+              <a:latin typeface="Times New Roman" pitchFamily="18" charset="0"/>
+              <a:ea typeface="ＭＳ Ｐゴシック" pitchFamily="50" charset="-128"/>
             </a:endParaRPr>
           </a:p>
         </p:txBody>
@@ -4285,14 +3911,20 @@
               </a:spcBef>
             </a:pPr>
             <a:r>
-              <a:rPr lang="en-US" altLang="ja-JP" sz="2400" b="1" u="sng" dirty="0">
+              <a:rPr lang="en-US" altLang="ja-JP" sz="2400" b="1" dirty="0">
+                <a:solidFill>
+                  <a:schemeClr val="bg1"/>
+                </a:solidFill>
                 <a:latin typeface="メイリオ" panose="020B0604030504040204" pitchFamily="50" charset="-128"/>
                 <a:ea typeface="メイリオ" panose="020B0604030504040204" pitchFamily="50" charset="-128"/>
               </a:rPr>
               <a:t>☆</a:t>
             </a:r>
             <a:r>
-              <a:rPr lang="ja-JP" altLang="en-US" sz="2400" b="1" u="sng" dirty="0">
+              <a:rPr lang="ja-JP" altLang="en-US" sz="2400" b="1" dirty="0">
+                <a:solidFill>
+                  <a:schemeClr val="bg1"/>
+                </a:solidFill>
                 <a:latin typeface="メイリオ" panose="020B0604030504040204" pitchFamily="50" charset="-128"/>
                 <a:ea typeface="メイリオ" panose="020B0604030504040204" pitchFamily="50" charset="-128"/>
               </a:rPr>
@@ -4580,7 +4212,10 @@
               </a:spcBef>
             </a:pPr>
             <a:r>
-              <a:rPr lang="ja-JP" altLang="en-US" sz="2400" b="1" u="sng" dirty="0">
+              <a:rPr lang="ja-JP" altLang="en-US" sz="2400" b="1" dirty="0">
+                <a:solidFill>
+                  <a:schemeClr val="bg1"/>
+                </a:solidFill>
                 <a:latin typeface="メイリオ" panose="020B0604030504040204" pitchFamily="50" charset="-128"/>
                 <a:ea typeface="メイリオ" panose="020B0604030504040204" pitchFamily="50" charset="-128"/>
               </a:rPr>
@@ -4674,7 +4309,10 @@
               </a:spcBef>
             </a:pPr>
             <a:r>
-              <a:rPr lang="ja-JP" altLang="en-US" sz="2400" b="1" u="sng" dirty="0">
+              <a:rPr lang="ja-JP" altLang="en-US" sz="2400" b="1" dirty="0">
+                <a:solidFill>
+                  <a:schemeClr val="bg1"/>
+                </a:solidFill>
                 <a:latin typeface="メイリオ" panose="020B0604030504040204" pitchFamily="50" charset="-128"/>
                 <a:ea typeface="メイリオ" panose="020B0604030504040204" pitchFamily="50" charset="-128"/>
               </a:rPr>
@@ -4855,6 +4493,943 @@
               <a:latin typeface="メイリオ" panose="020B0604030504040204" pitchFamily="50" charset="-128"/>
               <a:ea typeface="メイリオ" panose="020B0604030504040204" pitchFamily="50" charset="-128"/>
             </a:endParaRPr>
+          </a:p>
+        </p:txBody>
+      </p:sp>
+      <p:sp>
+        <p:nvSpPr>
+          <p:cNvPr id="4098" name="Rectangle 5"/>
+          <p:cNvSpPr>
+            <a:spLocks noChangeArrowheads="1"/>
+          </p:cNvSpPr>
+          <p:nvPr/>
+        </p:nvSpPr>
+        <p:spPr bwMode="auto">
+          <a:xfrm>
+            <a:off x="503238" y="1365250"/>
+            <a:ext cx="1924050" cy="593725"/>
+          </a:xfrm>
+          <a:prstGeom prst="rect">
+            <a:avLst/>
+          </a:prstGeom>
+          <a:noFill/>
+          <a:ln>
+            <a:noFill/>
+          </a:ln>
+          <a:extLst>
+            <a:ext uri="{909E8E84-426E-40DD-AFC4-6F175D3DCCD1}">
+              <a14:hiddenFill xmlns:a14="http://schemas.microsoft.com/office/drawing/2010/main">
+                <a:solidFill>
+                  <a:srgbClr val="FFFFFF"/>
+                </a:solidFill>
+              </a14:hiddenFill>
+            </a:ext>
+            <a:ext uri="{91240B29-F687-4F45-9708-019B960494DF}">
+              <a14:hiddenLine xmlns:a14="http://schemas.microsoft.com/office/drawing/2010/main" w="9525">
+                <a:solidFill>
+                  <a:srgbClr val="000000"/>
+                </a:solidFill>
+                <a:miter lim="800000"/>
+                <a:headEnd/>
+                <a:tailEnd/>
+              </a14:hiddenLine>
+            </a:ext>
+          </a:extLst>
+        </p:spPr>
+        <p:txBody>
+          <a:bodyPr wrap="none" lIns="142537" tIns="71269" rIns="142537" bIns="71269" anchor="ctr"/>
+          <a:lstStyle>
+            <a:lvl1pPr defTabSz="1279525">
+              <a:defRPr kumimoji="1" sz="1600">
+                <a:solidFill>
+                  <a:schemeClr val="tx1"/>
+                </a:solidFill>
+                <a:latin typeface="Times New Roman" panose="02020603050405020304" pitchFamily="18" charset="0"/>
+                <a:ea typeface="ＭＳ Ｐゴシック" panose="020B0600070205080204" pitchFamily="50" charset="-128"/>
+              </a:defRPr>
+            </a:lvl1pPr>
+            <a:lvl2pPr marL="742950" indent="-285750" defTabSz="1279525">
+              <a:defRPr kumimoji="1" sz="1600">
+                <a:solidFill>
+                  <a:schemeClr val="tx1"/>
+                </a:solidFill>
+                <a:latin typeface="Times New Roman" panose="02020603050405020304" pitchFamily="18" charset="0"/>
+                <a:ea typeface="ＭＳ Ｐゴシック" panose="020B0600070205080204" pitchFamily="50" charset="-128"/>
+              </a:defRPr>
+            </a:lvl2pPr>
+            <a:lvl3pPr marL="1143000" indent="-228600" defTabSz="1279525">
+              <a:defRPr kumimoji="1" sz="1600">
+                <a:solidFill>
+                  <a:schemeClr val="tx1"/>
+                </a:solidFill>
+                <a:latin typeface="Times New Roman" panose="02020603050405020304" pitchFamily="18" charset="0"/>
+                <a:ea typeface="ＭＳ Ｐゴシック" panose="020B0600070205080204" pitchFamily="50" charset="-128"/>
+              </a:defRPr>
+            </a:lvl3pPr>
+            <a:lvl4pPr marL="1600200" indent="-228600" defTabSz="1279525">
+              <a:defRPr kumimoji="1" sz="1600">
+                <a:solidFill>
+                  <a:schemeClr val="tx1"/>
+                </a:solidFill>
+                <a:latin typeface="Times New Roman" panose="02020603050405020304" pitchFamily="18" charset="0"/>
+                <a:ea typeface="ＭＳ Ｐゴシック" panose="020B0600070205080204" pitchFamily="50" charset="-128"/>
+              </a:defRPr>
+            </a:lvl4pPr>
+            <a:lvl5pPr marL="2057400" indent="-228600" defTabSz="1279525">
+              <a:defRPr kumimoji="1" sz="1600">
+                <a:solidFill>
+                  <a:schemeClr val="tx1"/>
+                </a:solidFill>
+                <a:latin typeface="Times New Roman" panose="02020603050405020304" pitchFamily="18" charset="0"/>
+                <a:ea typeface="ＭＳ Ｐゴシック" panose="020B0600070205080204" pitchFamily="50" charset="-128"/>
+              </a:defRPr>
+            </a:lvl5pPr>
+            <a:lvl6pPr marL="2514600" indent="-228600" defTabSz="1279525" eaLnBrk="0" fontAlgn="base" hangingPunct="0">
+              <a:spcBef>
+                <a:spcPct val="0"/>
+              </a:spcBef>
+              <a:spcAft>
+                <a:spcPct val="0"/>
+              </a:spcAft>
+              <a:defRPr kumimoji="1" sz="1600">
+                <a:solidFill>
+                  <a:schemeClr val="tx1"/>
+                </a:solidFill>
+                <a:latin typeface="Times New Roman" panose="02020603050405020304" pitchFamily="18" charset="0"/>
+                <a:ea typeface="ＭＳ Ｐゴシック" panose="020B0600070205080204" pitchFamily="50" charset="-128"/>
+              </a:defRPr>
+            </a:lvl6pPr>
+            <a:lvl7pPr marL="2971800" indent="-228600" defTabSz="1279525" eaLnBrk="0" fontAlgn="base" hangingPunct="0">
+              <a:spcBef>
+                <a:spcPct val="0"/>
+              </a:spcBef>
+              <a:spcAft>
+                <a:spcPct val="0"/>
+              </a:spcAft>
+              <a:defRPr kumimoji="1" sz="1600">
+                <a:solidFill>
+                  <a:schemeClr val="tx1"/>
+                </a:solidFill>
+                <a:latin typeface="Times New Roman" panose="02020603050405020304" pitchFamily="18" charset="0"/>
+                <a:ea typeface="ＭＳ Ｐゴシック" panose="020B0600070205080204" pitchFamily="50" charset="-128"/>
+              </a:defRPr>
+            </a:lvl7pPr>
+            <a:lvl8pPr marL="3429000" indent="-228600" defTabSz="1279525" eaLnBrk="0" fontAlgn="base" hangingPunct="0">
+              <a:spcBef>
+                <a:spcPct val="0"/>
+              </a:spcBef>
+              <a:spcAft>
+                <a:spcPct val="0"/>
+              </a:spcAft>
+              <a:defRPr kumimoji="1" sz="1600">
+                <a:solidFill>
+                  <a:schemeClr val="tx1"/>
+                </a:solidFill>
+                <a:latin typeface="Times New Roman" panose="02020603050405020304" pitchFamily="18" charset="0"/>
+                <a:ea typeface="ＭＳ Ｐゴシック" panose="020B0600070205080204" pitchFamily="50" charset="-128"/>
+              </a:defRPr>
+            </a:lvl8pPr>
+            <a:lvl9pPr marL="3886200" indent="-228600" defTabSz="1279525" eaLnBrk="0" fontAlgn="base" hangingPunct="0">
+              <a:spcBef>
+                <a:spcPct val="0"/>
+              </a:spcBef>
+              <a:spcAft>
+                <a:spcPct val="0"/>
+              </a:spcAft>
+              <a:defRPr kumimoji="1" sz="1600">
+                <a:solidFill>
+                  <a:schemeClr val="tx1"/>
+                </a:solidFill>
+                <a:latin typeface="Times New Roman" panose="02020603050405020304" pitchFamily="18" charset="0"/>
+                <a:ea typeface="ＭＳ Ｐゴシック" panose="020B0600070205080204" pitchFamily="50" charset="-128"/>
+              </a:defRPr>
+            </a:lvl9pPr>
+          </a:lstStyle>
+          <a:p>
+            <a:pPr eaLnBrk="1" hangingPunct="1">
+              <a:defRPr/>
+            </a:pPr>
+            <a:r>
+              <a:rPr lang="ja-JP" altLang="en-US" sz="1800" dirty="0" smtClean="0">
+                <a:latin typeface="+mj-ea"/>
+                <a:ea typeface="+mj-ea"/>
+              </a:rPr>
+              <a:t>チームＮｏ</a:t>
+            </a:r>
+            <a:r>
+              <a:rPr lang="ja-JP" altLang="en-US" sz="1800" smtClean="0">
+                <a:latin typeface="+mj-ea"/>
+                <a:ea typeface="+mj-ea"/>
+              </a:rPr>
+              <a:t>．２５３</a:t>
+            </a:r>
+            <a:endParaRPr lang="ja-JP" altLang="en-US" sz="1800" dirty="0">
+              <a:latin typeface="+mj-ea"/>
+              <a:ea typeface="+mj-ea"/>
+            </a:endParaRPr>
+          </a:p>
+        </p:txBody>
+      </p:sp>
+      <p:sp>
+        <p:nvSpPr>
+          <p:cNvPr id="4099" name="Rectangle 6"/>
+          <p:cNvSpPr>
+            <a:spLocks noChangeArrowheads="1"/>
+          </p:cNvSpPr>
+          <p:nvPr/>
+        </p:nvSpPr>
+        <p:spPr bwMode="auto">
+          <a:xfrm>
+            <a:off x="6580188" y="1363663"/>
+            <a:ext cx="5940425" cy="595312"/>
+          </a:xfrm>
+          <a:prstGeom prst="rect">
+            <a:avLst/>
+          </a:prstGeom>
+          <a:noFill/>
+          <a:ln>
+            <a:noFill/>
+          </a:ln>
+          <a:extLst>
+            <a:ext uri="{909E8E84-426E-40DD-AFC4-6F175D3DCCD1}">
+              <a14:hiddenFill xmlns:a14="http://schemas.microsoft.com/office/drawing/2010/main">
+                <a:solidFill>
+                  <a:srgbClr val="FFFFFF"/>
+                </a:solidFill>
+              </a14:hiddenFill>
+            </a:ext>
+            <a:ext uri="{91240B29-F687-4F45-9708-019B960494DF}">
+              <a14:hiddenLine xmlns:a14="http://schemas.microsoft.com/office/drawing/2010/main" w="9525">
+                <a:solidFill>
+                  <a:srgbClr val="000000"/>
+                </a:solidFill>
+                <a:miter lim="800000"/>
+                <a:headEnd/>
+                <a:tailEnd/>
+              </a14:hiddenLine>
+            </a:ext>
+          </a:extLst>
+        </p:spPr>
+        <p:txBody>
+          <a:bodyPr wrap="none" lIns="142537" tIns="71269" rIns="142537" bIns="71269" anchor="ctr"/>
+          <a:lstStyle>
+            <a:lvl1pPr defTabSz="1279525">
+              <a:defRPr kumimoji="1" sz="1600">
+                <a:solidFill>
+                  <a:schemeClr val="tx1"/>
+                </a:solidFill>
+                <a:latin typeface="Times New Roman" panose="02020603050405020304" pitchFamily="18" charset="0"/>
+                <a:ea typeface="ＭＳ Ｐゴシック" panose="020B0600070205080204" pitchFamily="50" charset="-128"/>
+              </a:defRPr>
+            </a:lvl1pPr>
+            <a:lvl2pPr marL="742950" indent="-285750" defTabSz="1279525">
+              <a:defRPr kumimoji="1" sz="1600">
+                <a:solidFill>
+                  <a:schemeClr val="tx1"/>
+                </a:solidFill>
+                <a:latin typeface="Times New Roman" panose="02020603050405020304" pitchFamily="18" charset="0"/>
+                <a:ea typeface="ＭＳ Ｐゴシック" panose="020B0600070205080204" pitchFamily="50" charset="-128"/>
+              </a:defRPr>
+            </a:lvl2pPr>
+            <a:lvl3pPr marL="1143000" indent="-228600" defTabSz="1279525">
+              <a:defRPr kumimoji="1" sz="1600">
+                <a:solidFill>
+                  <a:schemeClr val="tx1"/>
+                </a:solidFill>
+                <a:latin typeface="Times New Roman" panose="02020603050405020304" pitchFamily="18" charset="0"/>
+                <a:ea typeface="ＭＳ Ｐゴシック" panose="020B0600070205080204" pitchFamily="50" charset="-128"/>
+              </a:defRPr>
+            </a:lvl3pPr>
+            <a:lvl4pPr marL="1600200" indent="-228600" defTabSz="1279525">
+              <a:defRPr kumimoji="1" sz="1600">
+                <a:solidFill>
+                  <a:schemeClr val="tx1"/>
+                </a:solidFill>
+                <a:latin typeface="Times New Roman" panose="02020603050405020304" pitchFamily="18" charset="0"/>
+                <a:ea typeface="ＭＳ Ｐゴシック" panose="020B0600070205080204" pitchFamily="50" charset="-128"/>
+              </a:defRPr>
+            </a:lvl4pPr>
+            <a:lvl5pPr marL="2057400" indent="-228600" defTabSz="1279525">
+              <a:defRPr kumimoji="1" sz="1600">
+                <a:solidFill>
+                  <a:schemeClr val="tx1"/>
+                </a:solidFill>
+                <a:latin typeface="Times New Roman" panose="02020603050405020304" pitchFamily="18" charset="0"/>
+                <a:ea typeface="ＭＳ Ｐゴシック" panose="020B0600070205080204" pitchFamily="50" charset="-128"/>
+              </a:defRPr>
+            </a:lvl5pPr>
+            <a:lvl6pPr marL="2514600" indent="-228600" defTabSz="1279525" eaLnBrk="0" fontAlgn="base" hangingPunct="0">
+              <a:spcBef>
+                <a:spcPct val="0"/>
+              </a:spcBef>
+              <a:spcAft>
+                <a:spcPct val="0"/>
+              </a:spcAft>
+              <a:defRPr kumimoji="1" sz="1600">
+                <a:solidFill>
+                  <a:schemeClr val="tx1"/>
+                </a:solidFill>
+                <a:latin typeface="Times New Roman" panose="02020603050405020304" pitchFamily="18" charset="0"/>
+                <a:ea typeface="ＭＳ Ｐゴシック" panose="020B0600070205080204" pitchFamily="50" charset="-128"/>
+              </a:defRPr>
+            </a:lvl6pPr>
+            <a:lvl7pPr marL="2971800" indent="-228600" defTabSz="1279525" eaLnBrk="0" fontAlgn="base" hangingPunct="0">
+              <a:spcBef>
+                <a:spcPct val="0"/>
+              </a:spcBef>
+              <a:spcAft>
+                <a:spcPct val="0"/>
+              </a:spcAft>
+              <a:defRPr kumimoji="1" sz="1600">
+                <a:solidFill>
+                  <a:schemeClr val="tx1"/>
+                </a:solidFill>
+                <a:latin typeface="Times New Roman" panose="02020603050405020304" pitchFamily="18" charset="0"/>
+                <a:ea typeface="ＭＳ Ｐゴシック" panose="020B0600070205080204" pitchFamily="50" charset="-128"/>
+              </a:defRPr>
+            </a:lvl7pPr>
+            <a:lvl8pPr marL="3429000" indent="-228600" defTabSz="1279525" eaLnBrk="0" fontAlgn="base" hangingPunct="0">
+              <a:spcBef>
+                <a:spcPct val="0"/>
+              </a:spcBef>
+              <a:spcAft>
+                <a:spcPct val="0"/>
+              </a:spcAft>
+              <a:defRPr kumimoji="1" sz="1600">
+                <a:solidFill>
+                  <a:schemeClr val="tx1"/>
+                </a:solidFill>
+                <a:latin typeface="Times New Roman" panose="02020603050405020304" pitchFamily="18" charset="0"/>
+                <a:ea typeface="ＭＳ Ｐゴシック" panose="020B0600070205080204" pitchFamily="50" charset="-128"/>
+              </a:defRPr>
+            </a:lvl8pPr>
+            <a:lvl9pPr marL="3886200" indent="-228600" defTabSz="1279525" eaLnBrk="0" fontAlgn="base" hangingPunct="0">
+              <a:spcBef>
+                <a:spcPct val="0"/>
+              </a:spcBef>
+              <a:spcAft>
+                <a:spcPct val="0"/>
+              </a:spcAft>
+              <a:defRPr kumimoji="1" sz="1600">
+                <a:solidFill>
+                  <a:schemeClr val="tx1"/>
+                </a:solidFill>
+                <a:latin typeface="Times New Roman" panose="02020603050405020304" pitchFamily="18" charset="0"/>
+                <a:ea typeface="ＭＳ Ｐゴシック" panose="020B0600070205080204" pitchFamily="50" charset="-128"/>
+              </a:defRPr>
+            </a:lvl9pPr>
+          </a:lstStyle>
+          <a:p>
+            <a:pPr eaLnBrk="1" hangingPunct="1">
+              <a:defRPr/>
+            </a:pPr>
+            <a:r>
+              <a:rPr lang="ja-JP" altLang="en-US" sz="1800" dirty="0">
+                <a:latin typeface="+mj-ea"/>
+                <a:ea typeface="+mj-ea"/>
+              </a:rPr>
+              <a:t>所属</a:t>
+            </a:r>
+            <a:r>
+              <a:rPr lang="ja-JP" altLang="en-US" sz="1800" dirty="0" smtClean="0">
+                <a:latin typeface="+mj-ea"/>
+                <a:ea typeface="+mj-ea"/>
+              </a:rPr>
+              <a:t>：</a:t>
+            </a:r>
+            <a:r>
+              <a:rPr lang="ja-JP" altLang="en-US" sz="1800" dirty="0"/>
+              <a:t>リコー</a:t>
+            </a:r>
+            <a:r>
+              <a:rPr lang="en-US" altLang="ja-JP" sz="1800" dirty="0"/>
+              <a:t>IT</a:t>
+            </a:r>
+            <a:r>
+              <a:rPr lang="ja-JP" altLang="en-US" sz="1800" dirty="0"/>
+              <a:t>ソリューションズ株式会社 </a:t>
+            </a:r>
+            <a:r>
+              <a:rPr lang="en-US" altLang="ja-JP" sz="1800" dirty="0" smtClean="0"/>
+              <a:t/>
+            </a:r>
+            <a:br>
+              <a:rPr lang="en-US" altLang="ja-JP" sz="1800" dirty="0" smtClean="0"/>
+            </a:br>
+            <a:r>
+              <a:rPr lang="en-US" altLang="ja-JP" sz="1800" dirty="0" smtClean="0"/>
+              <a:t>          ES</a:t>
+            </a:r>
+            <a:r>
+              <a:rPr lang="ja-JP" altLang="en-US" sz="1800" dirty="0" smtClean="0"/>
+              <a:t>事業部</a:t>
+            </a:r>
+            <a:r>
+              <a:rPr lang="ja-JP" altLang="en-US" sz="1800" dirty="0"/>
+              <a:t> </a:t>
+            </a:r>
+            <a:r>
+              <a:rPr lang="ja-JP" altLang="en-US" sz="1800" dirty="0" smtClean="0"/>
+              <a:t>首都圏</a:t>
+            </a:r>
+            <a:r>
+              <a:rPr lang="ja-JP" altLang="en-US" sz="1800" dirty="0"/>
+              <a:t>事業所</a:t>
+            </a:r>
+            <a:endParaRPr lang="ja-JP" altLang="en-US" sz="1800" dirty="0">
+              <a:latin typeface="+mj-ea"/>
+              <a:ea typeface="+mj-ea"/>
+            </a:endParaRPr>
+          </a:p>
+        </p:txBody>
+      </p:sp>
+      <p:sp>
+        <p:nvSpPr>
+          <p:cNvPr id="4101" name="Rectangle 16"/>
+          <p:cNvSpPr>
+            <a:spLocks noChangeArrowheads="1"/>
+          </p:cNvSpPr>
+          <p:nvPr/>
+        </p:nvSpPr>
+        <p:spPr bwMode="auto">
+          <a:xfrm>
+            <a:off x="6580188" y="615950"/>
+            <a:ext cx="3035300" cy="593725"/>
+          </a:xfrm>
+          <a:prstGeom prst="rect">
+            <a:avLst/>
+          </a:prstGeom>
+          <a:noFill/>
+          <a:ln>
+            <a:noFill/>
+          </a:ln>
+          <a:extLst>
+            <a:ext uri="{909E8E84-426E-40DD-AFC4-6F175D3DCCD1}">
+              <a14:hiddenFill xmlns:a14="http://schemas.microsoft.com/office/drawing/2010/main">
+                <a:solidFill>
+                  <a:srgbClr val="FFFFFF"/>
+                </a:solidFill>
+              </a14:hiddenFill>
+            </a:ext>
+            <a:ext uri="{91240B29-F687-4F45-9708-019B960494DF}">
+              <a14:hiddenLine xmlns:a14="http://schemas.microsoft.com/office/drawing/2010/main" w="9525">
+                <a:solidFill>
+                  <a:srgbClr val="000000"/>
+                </a:solidFill>
+                <a:miter lim="800000"/>
+                <a:headEnd/>
+                <a:tailEnd/>
+              </a14:hiddenLine>
+            </a:ext>
+          </a:extLst>
+        </p:spPr>
+        <p:txBody>
+          <a:bodyPr wrap="none" lIns="142537" tIns="71269" rIns="142537" bIns="71269" anchor="ctr"/>
+          <a:lstStyle>
+            <a:lvl1pPr defTabSz="1279525">
+              <a:defRPr kumimoji="1" sz="1600">
+                <a:solidFill>
+                  <a:schemeClr val="tx1"/>
+                </a:solidFill>
+                <a:latin typeface="Times New Roman" panose="02020603050405020304" pitchFamily="18" charset="0"/>
+                <a:ea typeface="ＭＳ Ｐゴシック" panose="020B0600070205080204" pitchFamily="50" charset="-128"/>
+              </a:defRPr>
+            </a:lvl1pPr>
+            <a:lvl2pPr marL="742950" indent="-285750" defTabSz="1279525">
+              <a:defRPr kumimoji="1" sz="1600">
+                <a:solidFill>
+                  <a:schemeClr val="tx1"/>
+                </a:solidFill>
+                <a:latin typeface="Times New Roman" panose="02020603050405020304" pitchFamily="18" charset="0"/>
+                <a:ea typeface="ＭＳ Ｐゴシック" panose="020B0600070205080204" pitchFamily="50" charset="-128"/>
+              </a:defRPr>
+            </a:lvl2pPr>
+            <a:lvl3pPr marL="1143000" indent="-228600" defTabSz="1279525">
+              <a:defRPr kumimoji="1" sz="1600">
+                <a:solidFill>
+                  <a:schemeClr val="tx1"/>
+                </a:solidFill>
+                <a:latin typeface="Times New Roman" panose="02020603050405020304" pitchFamily="18" charset="0"/>
+                <a:ea typeface="ＭＳ Ｐゴシック" panose="020B0600070205080204" pitchFamily="50" charset="-128"/>
+              </a:defRPr>
+            </a:lvl3pPr>
+            <a:lvl4pPr marL="1600200" indent="-228600" defTabSz="1279525">
+              <a:defRPr kumimoji="1" sz="1600">
+                <a:solidFill>
+                  <a:schemeClr val="tx1"/>
+                </a:solidFill>
+                <a:latin typeface="Times New Roman" panose="02020603050405020304" pitchFamily="18" charset="0"/>
+                <a:ea typeface="ＭＳ Ｐゴシック" panose="020B0600070205080204" pitchFamily="50" charset="-128"/>
+              </a:defRPr>
+            </a:lvl4pPr>
+            <a:lvl5pPr marL="2057400" indent="-228600" defTabSz="1279525">
+              <a:defRPr kumimoji="1" sz="1600">
+                <a:solidFill>
+                  <a:schemeClr val="tx1"/>
+                </a:solidFill>
+                <a:latin typeface="Times New Roman" panose="02020603050405020304" pitchFamily="18" charset="0"/>
+                <a:ea typeface="ＭＳ Ｐゴシック" panose="020B0600070205080204" pitchFamily="50" charset="-128"/>
+              </a:defRPr>
+            </a:lvl5pPr>
+            <a:lvl6pPr marL="2514600" indent="-228600" defTabSz="1279525" eaLnBrk="0" fontAlgn="base" hangingPunct="0">
+              <a:spcBef>
+                <a:spcPct val="0"/>
+              </a:spcBef>
+              <a:spcAft>
+                <a:spcPct val="0"/>
+              </a:spcAft>
+              <a:defRPr kumimoji="1" sz="1600">
+                <a:solidFill>
+                  <a:schemeClr val="tx1"/>
+                </a:solidFill>
+                <a:latin typeface="Times New Roman" panose="02020603050405020304" pitchFamily="18" charset="0"/>
+                <a:ea typeface="ＭＳ Ｐゴシック" panose="020B0600070205080204" pitchFamily="50" charset="-128"/>
+              </a:defRPr>
+            </a:lvl6pPr>
+            <a:lvl7pPr marL="2971800" indent="-228600" defTabSz="1279525" eaLnBrk="0" fontAlgn="base" hangingPunct="0">
+              <a:spcBef>
+                <a:spcPct val="0"/>
+              </a:spcBef>
+              <a:spcAft>
+                <a:spcPct val="0"/>
+              </a:spcAft>
+              <a:defRPr kumimoji="1" sz="1600">
+                <a:solidFill>
+                  <a:schemeClr val="tx1"/>
+                </a:solidFill>
+                <a:latin typeface="Times New Roman" panose="02020603050405020304" pitchFamily="18" charset="0"/>
+                <a:ea typeface="ＭＳ Ｐゴシック" panose="020B0600070205080204" pitchFamily="50" charset="-128"/>
+              </a:defRPr>
+            </a:lvl7pPr>
+            <a:lvl8pPr marL="3429000" indent="-228600" defTabSz="1279525" eaLnBrk="0" fontAlgn="base" hangingPunct="0">
+              <a:spcBef>
+                <a:spcPct val="0"/>
+              </a:spcBef>
+              <a:spcAft>
+                <a:spcPct val="0"/>
+              </a:spcAft>
+              <a:defRPr kumimoji="1" sz="1600">
+                <a:solidFill>
+                  <a:schemeClr val="tx1"/>
+                </a:solidFill>
+                <a:latin typeface="Times New Roman" panose="02020603050405020304" pitchFamily="18" charset="0"/>
+                <a:ea typeface="ＭＳ Ｐゴシック" panose="020B0600070205080204" pitchFamily="50" charset="-128"/>
+              </a:defRPr>
+            </a:lvl8pPr>
+            <a:lvl9pPr marL="3886200" indent="-228600" defTabSz="1279525" eaLnBrk="0" fontAlgn="base" hangingPunct="0">
+              <a:spcBef>
+                <a:spcPct val="0"/>
+              </a:spcBef>
+              <a:spcAft>
+                <a:spcPct val="0"/>
+              </a:spcAft>
+              <a:defRPr kumimoji="1" sz="1600">
+                <a:solidFill>
+                  <a:schemeClr val="tx1"/>
+                </a:solidFill>
+                <a:latin typeface="Times New Roman" panose="02020603050405020304" pitchFamily="18" charset="0"/>
+                <a:ea typeface="ＭＳ Ｐゴシック" panose="020B0600070205080204" pitchFamily="50" charset="-128"/>
+              </a:defRPr>
+            </a:lvl9pPr>
+          </a:lstStyle>
+          <a:p>
+            <a:pPr eaLnBrk="1" hangingPunct="1">
+              <a:defRPr/>
+            </a:pPr>
+            <a:r>
+              <a:rPr lang="ja-JP" altLang="en-US" sz="1800" dirty="0" smtClean="0">
+                <a:latin typeface="+mj-ea"/>
+                <a:ea typeface="+mj-ea"/>
+              </a:rPr>
+              <a:t>地区：南関東</a:t>
+            </a:r>
+            <a:endParaRPr lang="ja-JP" altLang="en-US" sz="1800" dirty="0">
+              <a:latin typeface="+mj-ea"/>
+              <a:ea typeface="+mj-ea"/>
+            </a:endParaRPr>
+          </a:p>
+        </p:txBody>
+      </p:sp>
+      <p:sp>
+        <p:nvSpPr>
+          <p:cNvPr id="4103" name="Rectangle 18"/>
+          <p:cNvSpPr>
+            <a:spLocks noChangeArrowheads="1"/>
+          </p:cNvSpPr>
+          <p:nvPr/>
+        </p:nvSpPr>
+        <p:spPr bwMode="auto">
+          <a:xfrm>
+            <a:off x="9615488" y="615950"/>
+            <a:ext cx="2905125" cy="593725"/>
+          </a:xfrm>
+          <a:prstGeom prst="rect">
+            <a:avLst/>
+          </a:prstGeom>
+          <a:noFill/>
+          <a:ln>
+            <a:noFill/>
+          </a:ln>
+          <a:extLst>
+            <a:ext uri="{909E8E84-426E-40DD-AFC4-6F175D3DCCD1}">
+              <a14:hiddenFill xmlns:a14="http://schemas.microsoft.com/office/drawing/2010/main">
+                <a:solidFill>
+                  <a:srgbClr val="FFFFFF"/>
+                </a:solidFill>
+              </a14:hiddenFill>
+            </a:ext>
+            <a:ext uri="{91240B29-F687-4F45-9708-019B960494DF}">
+              <a14:hiddenLine xmlns:a14="http://schemas.microsoft.com/office/drawing/2010/main" w="9525">
+                <a:solidFill>
+                  <a:srgbClr val="000000"/>
+                </a:solidFill>
+                <a:miter lim="800000"/>
+                <a:headEnd/>
+                <a:tailEnd/>
+              </a14:hiddenLine>
+            </a:ext>
+          </a:extLst>
+        </p:spPr>
+        <p:txBody>
+          <a:bodyPr wrap="none" lIns="142537" tIns="71269" rIns="142537" bIns="71269" anchor="ctr"/>
+          <a:lstStyle>
+            <a:lvl1pPr defTabSz="1279525">
+              <a:defRPr kumimoji="1" sz="1600">
+                <a:solidFill>
+                  <a:schemeClr val="tx1"/>
+                </a:solidFill>
+                <a:latin typeface="Times New Roman" panose="02020603050405020304" pitchFamily="18" charset="0"/>
+                <a:ea typeface="ＭＳ Ｐゴシック" panose="020B0600070205080204" pitchFamily="50" charset="-128"/>
+              </a:defRPr>
+            </a:lvl1pPr>
+            <a:lvl2pPr marL="742950" indent="-285750" defTabSz="1279525">
+              <a:defRPr kumimoji="1" sz="1600">
+                <a:solidFill>
+                  <a:schemeClr val="tx1"/>
+                </a:solidFill>
+                <a:latin typeface="Times New Roman" panose="02020603050405020304" pitchFamily="18" charset="0"/>
+                <a:ea typeface="ＭＳ Ｐゴシック" panose="020B0600070205080204" pitchFamily="50" charset="-128"/>
+              </a:defRPr>
+            </a:lvl2pPr>
+            <a:lvl3pPr marL="1143000" indent="-228600" defTabSz="1279525">
+              <a:defRPr kumimoji="1" sz="1600">
+                <a:solidFill>
+                  <a:schemeClr val="tx1"/>
+                </a:solidFill>
+                <a:latin typeface="Times New Roman" panose="02020603050405020304" pitchFamily="18" charset="0"/>
+                <a:ea typeface="ＭＳ Ｐゴシック" panose="020B0600070205080204" pitchFamily="50" charset="-128"/>
+              </a:defRPr>
+            </a:lvl3pPr>
+            <a:lvl4pPr marL="1600200" indent="-228600" defTabSz="1279525">
+              <a:defRPr kumimoji="1" sz="1600">
+                <a:solidFill>
+                  <a:schemeClr val="tx1"/>
+                </a:solidFill>
+                <a:latin typeface="Times New Roman" panose="02020603050405020304" pitchFamily="18" charset="0"/>
+                <a:ea typeface="ＭＳ Ｐゴシック" panose="020B0600070205080204" pitchFamily="50" charset="-128"/>
+              </a:defRPr>
+            </a:lvl4pPr>
+            <a:lvl5pPr marL="2057400" indent="-228600" defTabSz="1279525">
+              <a:defRPr kumimoji="1" sz="1600">
+                <a:solidFill>
+                  <a:schemeClr val="tx1"/>
+                </a:solidFill>
+                <a:latin typeface="Times New Roman" panose="02020603050405020304" pitchFamily="18" charset="0"/>
+                <a:ea typeface="ＭＳ Ｐゴシック" panose="020B0600070205080204" pitchFamily="50" charset="-128"/>
+              </a:defRPr>
+            </a:lvl5pPr>
+            <a:lvl6pPr marL="2514600" indent="-228600" defTabSz="1279525" eaLnBrk="0" fontAlgn="base" hangingPunct="0">
+              <a:spcBef>
+                <a:spcPct val="0"/>
+              </a:spcBef>
+              <a:spcAft>
+                <a:spcPct val="0"/>
+              </a:spcAft>
+              <a:defRPr kumimoji="1" sz="1600">
+                <a:solidFill>
+                  <a:schemeClr val="tx1"/>
+                </a:solidFill>
+                <a:latin typeface="Times New Roman" panose="02020603050405020304" pitchFamily="18" charset="0"/>
+                <a:ea typeface="ＭＳ Ｐゴシック" panose="020B0600070205080204" pitchFamily="50" charset="-128"/>
+              </a:defRPr>
+            </a:lvl6pPr>
+            <a:lvl7pPr marL="2971800" indent="-228600" defTabSz="1279525" eaLnBrk="0" fontAlgn="base" hangingPunct="0">
+              <a:spcBef>
+                <a:spcPct val="0"/>
+              </a:spcBef>
+              <a:spcAft>
+                <a:spcPct val="0"/>
+              </a:spcAft>
+              <a:defRPr kumimoji="1" sz="1600">
+                <a:solidFill>
+                  <a:schemeClr val="tx1"/>
+                </a:solidFill>
+                <a:latin typeface="Times New Roman" panose="02020603050405020304" pitchFamily="18" charset="0"/>
+                <a:ea typeface="ＭＳ Ｐゴシック" panose="020B0600070205080204" pitchFamily="50" charset="-128"/>
+              </a:defRPr>
+            </a:lvl7pPr>
+            <a:lvl8pPr marL="3429000" indent="-228600" defTabSz="1279525" eaLnBrk="0" fontAlgn="base" hangingPunct="0">
+              <a:spcBef>
+                <a:spcPct val="0"/>
+              </a:spcBef>
+              <a:spcAft>
+                <a:spcPct val="0"/>
+              </a:spcAft>
+              <a:defRPr kumimoji="1" sz="1600">
+                <a:solidFill>
+                  <a:schemeClr val="tx1"/>
+                </a:solidFill>
+                <a:latin typeface="Times New Roman" panose="02020603050405020304" pitchFamily="18" charset="0"/>
+                <a:ea typeface="ＭＳ Ｐゴシック" panose="020B0600070205080204" pitchFamily="50" charset="-128"/>
+              </a:defRPr>
+            </a:lvl8pPr>
+            <a:lvl9pPr marL="3886200" indent="-228600" defTabSz="1279525" eaLnBrk="0" fontAlgn="base" hangingPunct="0">
+              <a:spcBef>
+                <a:spcPct val="0"/>
+              </a:spcBef>
+              <a:spcAft>
+                <a:spcPct val="0"/>
+              </a:spcAft>
+              <a:defRPr kumimoji="1" sz="1600">
+                <a:solidFill>
+                  <a:schemeClr val="tx1"/>
+                </a:solidFill>
+                <a:latin typeface="Times New Roman" panose="02020603050405020304" pitchFamily="18" charset="0"/>
+                <a:ea typeface="ＭＳ Ｐゴシック" panose="020B0600070205080204" pitchFamily="50" charset="-128"/>
+              </a:defRPr>
+            </a:lvl9pPr>
+          </a:lstStyle>
+          <a:p>
+            <a:pPr eaLnBrk="1" hangingPunct="1">
+              <a:defRPr/>
+            </a:pPr>
+            <a:r>
+              <a:rPr lang="ja-JP" altLang="en-US" sz="1800" dirty="0">
+                <a:latin typeface="+mj-ea"/>
+                <a:ea typeface="+mj-ea"/>
+              </a:rPr>
+              <a:t>地域</a:t>
+            </a:r>
+            <a:r>
+              <a:rPr lang="ja-JP" altLang="en-US" sz="1800" dirty="0" smtClean="0">
+                <a:latin typeface="+mj-ea"/>
+                <a:ea typeface="+mj-ea"/>
+              </a:rPr>
+              <a:t>：</a:t>
+            </a:r>
+            <a:r>
+              <a:rPr lang="zh-CN" altLang="en-US" sz="1800" dirty="0"/>
+              <a:t>神奈川県横浜市</a:t>
+            </a:r>
+            <a:endParaRPr lang="ja-JP" altLang="en-US" sz="1800" dirty="0">
+              <a:latin typeface="+mj-ea"/>
+              <a:ea typeface="+mj-ea"/>
+            </a:endParaRPr>
+          </a:p>
+        </p:txBody>
+      </p:sp>
+      <p:sp>
+        <p:nvSpPr>
+          <p:cNvPr id="15369" name="Rectangle 20"/>
+          <p:cNvSpPr>
+            <a:spLocks noChangeArrowheads="1"/>
+          </p:cNvSpPr>
+          <p:nvPr/>
+        </p:nvSpPr>
+        <p:spPr bwMode="auto">
+          <a:xfrm>
+            <a:off x="2401888" y="1365250"/>
+            <a:ext cx="4178300" cy="593725"/>
+          </a:xfrm>
+          <a:prstGeom prst="rect">
+            <a:avLst/>
+          </a:prstGeom>
+          <a:noFill/>
+          <a:ln>
+            <a:noFill/>
+          </a:ln>
+          <a:extLst>
+            <a:ext uri="{909E8E84-426E-40DD-AFC4-6F175D3DCCD1}">
+              <a14:hiddenFill xmlns:a14="http://schemas.microsoft.com/office/drawing/2010/main">
+                <a:solidFill>
+                  <a:srgbClr val="FFFFFF"/>
+                </a:solidFill>
+              </a14:hiddenFill>
+            </a:ext>
+            <a:ext uri="{91240B29-F687-4F45-9708-019B960494DF}">
+              <a14:hiddenLine xmlns:a14="http://schemas.microsoft.com/office/drawing/2010/main" w="9525">
+                <a:solidFill>
+                  <a:srgbClr val="000000"/>
+                </a:solidFill>
+                <a:miter lim="800000"/>
+                <a:headEnd/>
+                <a:tailEnd/>
+              </a14:hiddenLine>
+            </a:ext>
+          </a:extLst>
+        </p:spPr>
+        <p:txBody>
+          <a:bodyPr wrap="none" lIns="142537" tIns="71269" rIns="142537" bIns="71269" anchor="ctr"/>
+          <a:lstStyle>
+            <a:lvl1pPr defTabSz="1279525">
+              <a:defRPr kumimoji="1">
+                <a:solidFill>
+                  <a:schemeClr val="tx1"/>
+                </a:solidFill>
+                <a:latin typeface="Times New Roman" panose="02020603050405020304" pitchFamily="18" charset="0"/>
+                <a:ea typeface="ＭＳ Ｐゴシック" panose="020B0600070205080204" pitchFamily="50" charset="-128"/>
+              </a:defRPr>
+            </a:lvl1pPr>
+            <a:lvl2pPr marL="742950" indent="-285750" defTabSz="1279525">
+              <a:defRPr kumimoji="1">
+                <a:solidFill>
+                  <a:schemeClr val="tx1"/>
+                </a:solidFill>
+                <a:latin typeface="Times New Roman" panose="02020603050405020304" pitchFamily="18" charset="0"/>
+                <a:ea typeface="ＭＳ Ｐゴシック" panose="020B0600070205080204" pitchFamily="50" charset="-128"/>
+              </a:defRPr>
+            </a:lvl2pPr>
+            <a:lvl3pPr marL="1143000" indent="-228600" defTabSz="1279525">
+              <a:defRPr kumimoji="1">
+                <a:solidFill>
+                  <a:schemeClr val="tx1"/>
+                </a:solidFill>
+                <a:latin typeface="Times New Roman" panose="02020603050405020304" pitchFamily="18" charset="0"/>
+                <a:ea typeface="ＭＳ Ｐゴシック" panose="020B0600070205080204" pitchFamily="50" charset="-128"/>
+              </a:defRPr>
+            </a:lvl3pPr>
+            <a:lvl4pPr marL="1600200" indent="-228600" defTabSz="1279525">
+              <a:defRPr kumimoji="1">
+                <a:solidFill>
+                  <a:schemeClr val="tx1"/>
+                </a:solidFill>
+                <a:latin typeface="Times New Roman" panose="02020603050405020304" pitchFamily="18" charset="0"/>
+                <a:ea typeface="ＭＳ Ｐゴシック" panose="020B0600070205080204" pitchFamily="50" charset="-128"/>
+              </a:defRPr>
+            </a:lvl4pPr>
+            <a:lvl5pPr marL="2057400" indent="-228600" defTabSz="1279525">
+              <a:defRPr kumimoji="1">
+                <a:solidFill>
+                  <a:schemeClr val="tx1"/>
+                </a:solidFill>
+                <a:latin typeface="Times New Roman" panose="02020603050405020304" pitchFamily="18" charset="0"/>
+                <a:ea typeface="ＭＳ Ｐゴシック" panose="020B0600070205080204" pitchFamily="50" charset="-128"/>
+              </a:defRPr>
+            </a:lvl5pPr>
+            <a:lvl6pPr marL="2514600" indent="-228600" defTabSz="1279525" eaLnBrk="0" fontAlgn="base" hangingPunct="0">
+              <a:spcBef>
+                <a:spcPct val="0"/>
+              </a:spcBef>
+              <a:spcAft>
+                <a:spcPct val="0"/>
+              </a:spcAft>
+              <a:defRPr kumimoji="1">
+                <a:solidFill>
+                  <a:schemeClr val="tx1"/>
+                </a:solidFill>
+                <a:latin typeface="Times New Roman" panose="02020603050405020304" pitchFamily="18" charset="0"/>
+                <a:ea typeface="ＭＳ Ｐゴシック" panose="020B0600070205080204" pitchFamily="50" charset="-128"/>
+              </a:defRPr>
+            </a:lvl6pPr>
+            <a:lvl7pPr marL="2971800" indent="-228600" defTabSz="1279525" eaLnBrk="0" fontAlgn="base" hangingPunct="0">
+              <a:spcBef>
+                <a:spcPct val="0"/>
+              </a:spcBef>
+              <a:spcAft>
+                <a:spcPct val="0"/>
+              </a:spcAft>
+              <a:defRPr kumimoji="1">
+                <a:solidFill>
+                  <a:schemeClr val="tx1"/>
+                </a:solidFill>
+                <a:latin typeface="Times New Roman" panose="02020603050405020304" pitchFamily="18" charset="0"/>
+                <a:ea typeface="ＭＳ Ｐゴシック" panose="020B0600070205080204" pitchFamily="50" charset="-128"/>
+              </a:defRPr>
+            </a:lvl7pPr>
+            <a:lvl8pPr marL="3429000" indent="-228600" defTabSz="1279525" eaLnBrk="0" fontAlgn="base" hangingPunct="0">
+              <a:spcBef>
+                <a:spcPct val="0"/>
+              </a:spcBef>
+              <a:spcAft>
+                <a:spcPct val="0"/>
+              </a:spcAft>
+              <a:defRPr kumimoji="1">
+                <a:solidFill>
+                  <a:schemeClr val="tx1"/>
+                </a:solidFill>
+                <a:latin typeface="Times New Roman" panose="02020603050405020304" pitchFamily="18" charset="0"/>
+                <a:ea typeface="ＭＳ Ｐゴシック" panose="020B0600070205080204" pitchFamily="50" charset="-128"/>
+              </a:defRPr>
+            </a:lvl8pPr>
+            <a:lvl9pPr marL="3886200" indent="-228600" defTabSz="1279525" eaLnBrk="0" fontAlgn="base" hangingPunct="0">
+              <a:spcBef>
+                <a:spcPct val="0"/>
+              </a:spcBef>
+              <a:spcAft>
+                <a:spcPct val="0"/>
+              </a:spcAft>
+              <a:defRPr kumimoji="1">
+                <a:solidFill>
+                  <a:schemeClr val="tx1"/>
+                </a:solidFill>
+                <a:latin typeface="Times New Roman" panose="02020603050405020304" pitchFamily="18" charset="0"/>
+                <a:ea typeface="ＭＳ Ｐゴシック" panose="020B0600070205080204" pitchFamily="50" charset="-128"/>
+              </a:defRPr>
+            </a:lvl9pPr>
+          </a:lstStyle>
+          <a:p>
+            <a:pPr eaLnBrk="1" hangingPunct="1">
+              <a:defRPr/>
+            </a:pPr>
+            <a:r>
+              <a:rPr lang="ja-JP" altLang="en-US" dirty="0" smtClean="0">
+                <a:latin typeface="+mj-ea"/>
+                <a:ea typeface="+mj-ea"/>
+              </a:rPr>
+              <a:t>チーム名：しん</a:t>
+            </a:r>
+            <a:r>
+              <a:rPr lang="ja-JP" altLang="en-US" dirty="0">
+                <a:latin typeface="+mj-ea"/>
+                <a:ea typeface="+mj-ea"/>
+              </a:rPr>
+              <a:t>よこ</a:t>
+            </a:r>
+            <a:r>
+              <a:rPr lang="en-US" altLang="ja-JP" dirty="0">
+                <a:latin typeface="+mj-ea"/>
+                <a:ea typeface="+mj-ea"/>
+              </a:rPr>
+              <a:t>(</a:t>
+            </a:r>
+            <a:r>
+              <a:rPr lang="ja-JP" altLang="en-US" dirty="0" err="1">
+                <a:latin typeface="+mj-ea"/>
+                <a:ea typeface="+mj-ea"/>
+              </a:rPr>
+              <a:t>゜</a:t>
+            </a:r>
+            <a:r>
+              <a:rPr lang="en-US" altLang="ja-JP" dirty="0">
+                <a:latin typeface="+mj-ea"/>
+                <a:ea typeface="+mj-ea"/>
+              </a:rPr>
+              <a:t>д</a:t>
+            </a:r>
+            <a:r>
+              <a:rPr lang="ja-JP" altLang="en-US" dirty="0" err="1">
+                <a:latin typeface="+mj-ea"/>
+                <a:ea typeface="+mj-ea"/>
+              </a:rPr>
+              <a:t>゜</a:t>
+            </a:r>
+            <a:r>
+              <a:rPr lang="en-US" altLang="ja-JP" dirty="0">
+                <a:latin typeface="+mj-ea"/>
+                <a:ea typeface="+mj-ea"/>
+              </a:rPr>
+              <a:t>)</a:t>
+            </a:r>
           </a:p>
         </p:txBody>
       </p:sp>
@@ -4866,7 +5441,7 @@
         </p:nvSpPr>
         <p:spPr bwMode="auto">
           <a:xfrm>
-            <a:off x="13271872" y="5489922"/>
+            <a:off x="13448706" y="5489922"/>
             <a:ext cx="1152128" cy="288032"/>
           </a:xfrm>
           <a:prstGeom prst="homePlate">
@@ -4949,7 +5524,7 @@
         </p:nvSpPr>
         <p:spPr bwMode="auto">
           <a:xfrm>
-            <a:off x="13271872" y="6086378"/>
+            <a:off x="13448706" y="6086378"/>
             <a:ext cx="1152128" cy="288032"/>
           </a:xfrm>
           <a:prstGeom prst="homePlate">
@@ -5025,7 +5600,7 @@
         </p:nvSpPr>
         <p:spPr bwMode="auto">
           <a:xfrm>
-            <a:off x="13271872" y="5787927"/>
+            <a:off x="13448706" y="5787927"/>
             <a:ext cx="1152128" cy="288032"/>
           </a:xfrm>
           <a:prstGeom prst="homePlate">
@@ -5101,7 +5676,7 @@
         </p:nvSpPr>
         <p:spPr bwMode="auto">
           <a:xfrm>
-            <a:off x="13260785" y="7722170"/>
+            <a:off x="13448706" y="9018314"/>
             <a:ext cx="1152128" cy="288032"/>
           </a:xfrm>
           <a:prstGeom prst="homePlate">
@@ -5166,6 +5741,169 @@
               </a:rPr>
               <a:t>参照</a:t>
             </a:r>
+          </a:p>
+        </p:txBody>
+      </p:sp>
+      <p:sp>
+        <p:nvSpPr>
+          <p:cNvPr id="14" name="ホームベース 13"/>
+          <p:cNvSpPr/>
+          <p:nvPr/>
+        </p:nvSpPr>
+        <p:spPr bwMode="auto">
+          <a:xfrm>
+            <a:off x="12240195" y="7775922"/>
+            <a:ext cx="1152128" cy="288032"/>
+          </a:xfrm>
+          <a:prstGeom prst="homePlate">
+            <a:avLst/>
+          </a:prstGeom>
+          <a:solidFill>
+            <a:schemeClr val="accent1"/>
+          </a:solidFill>
+          <a:ln w="19050" cap="flat" cmpd="sng" algn="ctr">
+            <a:solidFill>
+              <a:schemeClr val="tx1"/>
+            </a:solidFill>
+            <a:prstDash val="solid"/>
+            <a:round/>
+            <a:headEnd type="none" w="med" len="med"/>
+            <a:tailEnd type="none" w="med" len="med"/>
+          </a:ln>
+          <a:effectLst/>
+        </p:spPr>
+        <p:txBody>
+          <a:bodyPr vert="horz" wrap="square" lIns="91440" tIns="45720" rIns="91440" bIns="45720" numCol="1" rtlCol="0" anchor="t" anchorCtr="0" compatLnSpc="1">
+            <a:prstTxWarp prst="textNoShape">
+              <a:avLst/>
+            </a:prstTxWarp>
+          </a:bodyPr>
+          <a:lstStyle/>
+          <a:p>
+            <a:pPr marL="0" marR="0" indent="0" algn="l" defTabSz="611188" rtl="0" eaLnBrk="1" fontAlgn="base" latinLnBrk="0" hangingPunct="1">
+              <a:lnSpc>
+                <a:spcPct val="100000"/>
+              </a:lnSpc>
+              <a:spcBef>
+                <a:spcPct val="0"/>
+              </a:spcBef>
+              <a:spcAft>
+                <a:spcPct val="0"/>
+              </a:spcAft>
+              <a:buClrTx/>
+              <a:buSzTx/>
+              <a:buFontTx/>
+              <a:buNone/>
+              <a:tabLst/>
+            </a:pPr>
+            <a:r>
+              <a:rPr lang="en-US" altLang="ja-JP" sz="1600" b="1" dirty="0" smtClean="0">
+                <a:latin typeface="メイリオ" panose="020B0604030504040204" pitchFamily="50" charset="-128"/>
+                <a:ea typeface="メイリオ" panose="020B0604030504040204" pitchFamily="50" charset="-128"/>
+              </a:rPr>
+              <a:t>2-3</a:t>
+            </a:r>
+            <a:r>
+              <a:rPr kumimoji="1" lang="ja-JP" altLang="en-US" sz="1600" b="1" i="0" u="none" strike="noStrike" cap="none" normalizeH="0" baseline="0" dirty="0" smtClean="0">
+                <a:ln>
+                  <a:noFill/>
+                </a:ln>
+                <a:solidFill>
+                  <a:schemeClr val="tx1"/>
+                </a:solidFill>
+                <a:effectLst/>
+                <a:latin typeface="メイリオ" panose="020B0604030504040204" pitchFamily="50" charset="-128"/>
+                <a:ea typeface="メイリオ" panose="020B0604030504040204" pitchFamily="50" charset="-128"/>
+              </a:rPr>
+              <a:t>参照</a:t>
+            </a:r>
+          </a:p>
+        </p:txBody>
+      </p:sp>
+      <p:sp>
+        <p:nvSpPr>
+          <p:cNvPr id="15" name="ホームベース 14"/>
+          <p:cNvSpPr/>
+          <p:nvPr/>
+        </p:nvSpPr>
+        <p:spPr bwMode="auto">
+          <a:xfrm>
+            <a:off x="13448706" y="7775922"/>
+            <a:ext cx="1152128" cy="288032"/>
+          </a:xfrm>
+          <a:prstGeom prst="homePlate">
+            <a:avLst/>
+          </a:prstGeom>
+          <a:solidFill>
+            <a:schemeClr val="accent1"/>
+          </a:solidFill>
+          <a:ln w="19050" cap="flat" cmpd="sng" algn="ctr">
+            <a:solidFill>
+              <a:schemeClr val="tx1"/>
+            </a:solidFill>
+            <a:prstDash val="solid"/>
+            <a:round/>
+            <a:headEnd type="none" w="med" len="med"/>
+            <a:tailEnd type="none" w="med" len="med"/>
+          </a:ln>
+          <a:effectLst/>
+        </p:spPr>
+        <p:txBody>
+          <a:bodyPr vert="horz" wrap="square" lIns="91440" tIns="45720" rIns="91440" bIns="45720" numCol="1" rtlCol="0" anchor="t" anchorCtr="0" compatLnSpc="1">
+            <a:prstTxWarp prst="textNoShape">
+              <a:avLst/>
+            </a:prstTxWarp>
+          </a:bodyPr>
+          <a:lstStyle/>
+          <a:p>
+            <a:pPr marL="0" marR="0" indent="0" algn="l" defTabSz="611188" rtl="0" eaLnBrk="1" fontAlgn="base" latinLnBrk="0" hangingPunct="1">
+              <a:lnSpc>
+                <a:spcPct val="100000"/>
+              </a:lnSpc>
+              <a:spcBef>
+                <a:spcPct val="0"/>
+              </a:spcBef>
+              <a:spcAft>
+                <a:spcPct val="0"/>
+              </a:spcAft>
+              <a:buClrTx/>
+              <a:buSzTx/>
+              <a:buFontTx/>
+              <a:buNone/>
+              <a:tabLst/>
+            </a:pPr>
+            <a:r>
+              <a:rPr lang="en-US" altLang="ja-JP" sz="1600" b="1" dirty="0" smtClean="0">
+                <a:latin typeface="メイリオ" panose="020B0604030504040204" pitchFamily="50" charset="-128"/>
+                <a:ea typeface="メイリオ" panose="020B0604030504040204" pitchFamily="50" charset="-128"/>
+              </a:rPr>
+              <a:t>2-4</a:t>
+            </a:r>
+            <a:r>
+              <a:rPr kumimoji="1" lang="ja-JP" altLang="en-US" sz="1600" b="1" i="0" u="none" strike="noStrike" cap="none" normalizeH="0" baseline="0" dirty="0" smtClean="0">
+                <a:ln>
+                  <a:noFill/>
+                </a:ln>
+                <a:solidFill>
+                  <a:schemeClr val="tx1"/>
+                </a:solidFill>
+                <a:effectLst/>
+                <a:latin typeface="メイリオ" panose="020B0604030504040204" pitchFamily="50" charset="-128"/>
+                <a:ea typeface="メイリオ" panose="020B0604030504040204" pitchFamily="50" charset="-128"/>
+              </a:rPr>
+              <a:t>参照</a:t>
+            </a:r>
+            <a:endParaRPr kumimoji="1" lang="ja-JP" altLang="en-US" sz="1600" b="1" i="0" u="none" strike="noStrike" cap="none" normalizeH="0" baseline="0" dirty="0" smtClean="0">
+              <a:ln>
+                <a:noFill/>
+              </a:ln>
+              <a:solidFill>
+                <a:schemeClr val="tx1"/>
+              </a:solidFill>
+              <a:effectLst/>
+              <a:latin typeface="メイリオ" panose="020B0604030504040204" pitchFamily="50" charset="-128"/>
+              <a:ea typeface="メイリオ" panose="020B0604030504040204" pitchFamily="50" charset="-128"/>
+            </a:endParaRPr>
           </a:p>
         </p:txBody>
       </p:sp>
